--- a/Docs/Phosphorus-Hangman.pptx
+++ b/Docs/Phosphorus-Hangman.pptx
@@ -11,13 +11,13 @@
     <p:handoutMasterId r:id="rId10"/>
   </p:handoutMasterIdLst>
   <p:sldIdLst>
-    <p:sldId id="318" r:id="rId2"/>
-    <p:sldId id="256" r:id="rId3"/>
-    <p:sldId id="319" r:id="rId4"/>
-    <p:sldId id="320" r:id="rId5"/>
-    <p:sldId id="321" r:id="rId6"/>
-    <p:sldId id="322" r:id="rId7"/>
-    <p:sldId id="323" r:id="rId8"/>
+    <p:sldId id="324" r:id="rId2"/>
+    <p:sldId id="325" r:id="rId3"/>
+    <p:sldId id="326" r:id="rId4"/>
+    <p:sldId id="327" r:id="rId5"/>
+    <p:sldId id="328" r:id="rId6"/>
+    <p:sldId id="329" r:id="rId7"/>
+    <p:sldId id="330" r:id="rId8"/>
   </p:sldIdLst>
   <p:sldSz cx="9144000" cy="6858000" type="screen4x3"/>
   <p:notesSz cx="6881813" cy="9296400"/>
@@ -151,7 +151,7 @@
   </p:defaultTextStyle>
   <p:extLst>
     <p:ext uri="{EFAFB233-063F-42B5-8137-9DF3F51BA10A}">
-      <p15:sldGuideLst xmlns:p15="http://schemas.microsoft.com/office/powerpoint/2012/main" xmlns="">
+      <p15:sldGuideLst xmlns="" xmlns:p15="http://schemas.microsoft.com/office/powerpoint/2012/main">
         <p15:guide id="1" orient="horz" pos="2160">
           <p15:clr>
             <a:srgbClr val="A4A3A4"/>
@@ -165,7 +165,7 @@
       </p15:sldGuideLst>
     </p:ext>
     <p:ext uri="{2D200454-40CA-4A62-9FC3-DE9A4176ACB9}">
-      <p15:notesGuideLst xmlns:p15="http://schemas.microsoft.com/office/powerpoint/2012/main" xmlns="">
+      <p15:notesGuideLst xmlns="" xmlns:p15="http://schemas.microsoft.com/office/powerpoint/2012/main">
         <p15:guide id="1" orient="horz" pos="2928">
           <p15:clr>
             <a:srgbClr val="A4A3A4"/>
@@ -5025,480 +5025,6 @@
 </p:sldLayout>
 </file>
 
-<file path=ppt/slideLayouts/slideLayout6.xml><?xml version="1.0" encoding="utf-8"?>
-<p:sldLayout xmlns:a="http://schemas.openxmlformats.org/drawingml/2006/main" xmlns:r="http://schemas.openxmlformats.org/officeDocument/2006/relationships" xmlns:p="http://schemas.openxmlformats.org/presentationml/2006/main">
-  <p:cSld name="1_Presentation Title Slide">
-    <p:spTree>
-      <p:nvGrpSpPr>
-        <p:cNvPr id="1" name=""/>
-        <p:cNvGrpSpPr/>
-        <p:nvPr/>
-      </p:nvGrpSpPr>
-      <p:grpSpPr>
-        <a:xfrm>
-          <a:off x="0" y="0"/>
-          <a:ext cx="0" cy="0"/>
-          <a:chOff x="0" y="0"/>
-          <a:chExt cx="0" cy="0"/>
-        </a:xfrm>
-      </p:grpSpPr>
-      <p:sp>
-        <p:nvSpPr>
-          <p:cNvPr id="6" name="Title 8"/>
-          <p:cNvSpPr>
-            <a:spLocks noGrp="1"/>
-          </p:cNvSpPr>
-          <p:nvPr>
-            <p:ph type="ctrTitle" hasCustomPrompt="1"/>
-          </p:nvPr>
-        </p:nvSpPr>
-        <p:spPr>
-          <a:xfrm>
-            <a:off x="457200" y="1524000"/>
-            <a:ext cx="8229600" cy="1524000"/>
-          </a:xfrm>
-          <a:prstGeom prst="rect">
-            <a:avLst/>
-          </a:prstGeom>
-        </p:spPr>
-        <p:txBody>
-          <a:bodyPr tIns="0" bIns="0" anchor="b" anchorCtr="0"/>
-          <a:lstStyle>
-            <a:lvl1pPr algn="r">
-              <a:lnSpc>
-                <a:spcPts val="5400"/>
-              </a:lnSpc>
-              <a:defRPr sz="5400" cap="none" baseline="0">
-                <a:solidFill>
-                  <a:srgbClr val="D4FF5B"/>
-                </a:solidFill>
-                <a:effectLst>
-                  <a:outerShdw blurRad="30000" dist="30000" dir="2700000" algn="tl" rotWithShape="0">
-                    <a:schemeClr val="bg2">
-                      <a:shade val="45000"/>
-                      <a:satMod val="150000"/>
-                      <a:alpha val="90000"/>
-                    </a:schemeClr>
-                  </a:outerShdw>
-                  <a:reflection blurRad="12000" stA="20000" endPos="50000" dist="12700" dir="5400000" sy="-100000" algn="bl" rotWithShape="0"/>
-                </a:effectLst>
-              </a:defRPr>
-            </a:lvl1pPr>
-          </a:lstStyle>
-          <a:p>
-            <a:r>
-              <a:rPr lang="en-US" dirty="0" smtClean="0"/>
-              <a:t>Presentation Title</a:t>
-            </a:r>
-            <a:endParaRPr lang="en-US" dirty="0"/>
-          </a:p>
-        </p:txBody>
-      </p:sp>
-      <p:sp>
-        <p:nvSpPr>
-          <p:cNvPr id="7" name="Subtitle 16"/>
-          <p:cNvSpPr>
-            <a:spLocks noGrp="1"/>
-          </p:cNvSpPr>
-          <p:nvPr>
-            <p:ph type="subTitle" idx="1" hasCustomPrompt="1"/>
-          </p:nvPr>
-        </p:nvSpPr>
-        <p:spPr>
-          <a:xfrm>
-            <a:off x="457200" y="3240880"/>
-            <a:ext cx="8229600" cy="569120"/>
-          </a:xfrm>
-          <a:prstGeom prst="rect">
-            <a:avLst/>
-          </a:prstGeom>
-        </p:spPr>
-        <p:txBody>
-          <a:bodyPr lIns="90000" tIns="0" rIns="90000" bIns="0" anchor="ctr" anchorCtr="0"/>
-          <a:lstStyle>
-            <a:lvl1pPr marL="0" indent="0" algn="r">
-              <a:buNone/>
-              <a:defRPr sz="2800">
-                <a:solidFill>
-                  <a:srgbClr val="FAF8C8"/>
-                </a:solidFill>
-              </a:defRPr>
-            </a:lvl1pPr>
-            <a:lvl2pPr marL="457200" indent="0" algn="ctr">
-              <a:buNone/>
-            </a:lvl2pPr>
-            <a:lvl3pPr marL="914400" indent="0" algn="ctr">
-              <a:buNone/>
-            </a:lvl3pPr>
-            <a:lvl4pPr marL="1371600" indent="0" algn="ctr">
-              <a:buNone/>
-            </a:lvl4pPr>
-            <a:lvl5pPr marL="1828800" indent="0" algn="ctr">
-              <a:buNone/>
-            </a:lvl5pPr>
-            <a:lvl6pPr marL="2286000" indent="0" algn="ctr">
-              <a:buNone/>
-            </a:lvl6pPr>
-            <a:lvl7pPr marL="2743200" indent="0" algn="ctr">
-              <a:buNone/>
-            </a:lvl7pPr>
-            <a:lvl8pPr marL="3200400" indent="0" algn="ctr">
-              <a:buNone/>
-            </a:lvl8pPr>
-            <a:lvl9pPr marL="3657600" indent="0" algn="ctr">
-              <a:buNone/>
-            </a:lvl9pPr>
-          </a:lstStyle>
-          <a:p>
-            <a:r>
-              <a:rPr lang="en-US" dirty="0" smtClean="0"/>
-              <a:t>Presentation Subtitle</a:t>
-            </a:r>
-            <a:endParaRPr lang="en-US" dirty="0"/>
-          </a:p>
-        </p:txBody>
-      </p:sp>
-      <p:cxnSp>
-        <p:nvCxnSpPr>
-          <p:cNvPr id="11" name="Straight Connector 10"/>
-          <p:cNvCxnSpPr/>
-          <p:nvPr/>
-        </p:nvCxnSpPr>
-        <p:spPr>
-          <a:xfrm>
-            <a:off x="2667000" y="4114800"/>
-            <a:ext cx="6248400" cy="0"/>
-          </a:xfrm>
-          <a:prstGeom prst="line">
-            <a:avLst/>
-          </a:prstGeom>
-          <a:ln w="38100" cap="rnd">
-            <a:solidFill>
-              <a:schemeClr val="accent5">
-                <a:lumMod val="20000"/>
-                <a:lumOff val="80000"/>
-                <a:alpha val="50000"/>
-              </a:schemeClr>
-            </a:solidFill>
-          </a:ln>
-          <a:effectLst>
-            <a:outerShdw blurRad="50800" dist="38100" dir="2700000" algn="tl" rotWithShape="0">
-              <a:prstClr val="black">
-                <a:alpha val="40000"/>
-              </a:prstClr>
-            </a:outerShdw>
-          </a:effectLst>
-        </p:spPr>
-        <p:style>
-          <a:lnRef idx="1">
-            <a:schemeClr val="accent1"/>
-          </a:lnRef>
-          <a:fillRef idx="0">
-            <a:schemeClr val="accent1"/>
-          </a:fillRef>
-          <a:effectRef idx="0">
-            <a:schemeClr val="accent1"/>
-          </a:effectRef>
-          <a:fontRef idx="minor">
-            <a:schemeClr val="tx1"/>
-          </a:fontRef>
-        </p:style>
-      </p:cxnSp>
-      <p:sp>
-        <p:nvSpPr>
-          <p:cNvPr id="14" name="Text Placeholder 13"/>
-          <p:cNvSpPr>
-            <a:spLocks noGrp="1"/>
-          </p:cNvSpPr>
-          <p:nvPr>
-            <p:ph type="body" sz="quarter" idx="10" hasCustomPrompt="1"/>
-          </p:nvPr>
-        </p:nvSpPr>
-        <p:spPr>
-          <a:xfrm>
-            <a:off x="457200" y="5224046"/>
-            <a:ext cx="3352800" cy="533400"/>
-          </a:xfrm>
-          <a:prstGeom prst="rect">
-            <a:avLst/>
-          </a:prstGeom>
-          <a:noFill/>
-        </p:spPr>
-        <p:txBody>
-          <a:bodyPr wrap="square" rtlCol="0">
-            <a:spAutoFit/>
-          </a:bodyPr>
-          <a:lstStyle>
-            <a:lvl1pPr algn="l" rtl="0" fontAlgn="base">
-              <a:spcBef>
-                <a:spcPct val="0"/>
-              </a:spcBef>
-              <a:spcAft>
-                <a:spcPct val="0"/>
-              </a:spcAft>
-              <a:buNone/>
-              <a:defRPr lang="en-US" sz="2800" b="1" kern="1200" dirty="0" smtClean="0">
-                <a:solidFill>
-                  <a:srgbClr val="DEFF9B"/>
-                </a:solidFill>
-                <a:effectLst>
-                  <a:outerShdw blurRad="38100" dist="38100" dir="2700000" algn="tl">
-                    <a:srgbClr val="000000">
-                      <a:alpha val="43137"/>
-                    </a:srgbClr>
-                  </a:outerShdw>
-                </a:effectLst>
-                <a:latin typeface="Corbel" pitchFamily="34" charset="0"/>
-                <a:ea typeface="+mn-ea"/>
-                <a:cs typeface="+mn-cs"/>
-              </a:defRPr>
-            </a:lvl1pPr>
-          </a:lstStyle>
-          <a:p>
-            <a:pPr lvl="0"/>
-            <a:r>
-              <a:rPr lang="en-US" dirty="0" smtClean="0"/>
-              <a:t>Author Name</a:t>
-            </a:r>
-            <a:endParaRPr lang="en-US" dirty="0"/>
-          </a:p>
-        </p:txBody>
-      </p:sp>
-      <p:sp>
-        <p:nvSpPr>
-          <p:cNvPr id="15" name="Text Placeholder 13"/>
-          <p:cNvSpPr>
-            <a:spLocks noGrp="1"/>
-          </p:cNvSpPr>
-          <p:nvPr>
-            <p:ph type="body" sz="quarter" idx="11" hasCustomPrompt="1"/>
-          </p:nvPr>
-        </p:nvSpPr>
-        <p:spPr>
-          <a:xfrm>
-            <a:off x="457200" y="5757446"/>
-            <a:ext cx="2090957" cy="369332"/>
-          </a:xfrm>
-          <a:prstGeom prst="rect">
-            <a:avLst/>
-          </a:prstGeom>
-          <a:noFill/>
-        </p:spPr>
-        <p:txBody>
-          <a:bodyPr wrap="none" rtlCol="0">
-            <a:spAutoFit/>
-          </a:bodyPr>
-          <a:lstStyle>
-            <a:lvl1pPr algn="l" rtl="0" fontAlgn="base">
-              <a:spcBef>
-                <a:spcPct val="0"/>
-              </a:spcBef>
-              <a:spcAft>
-                <a:spcPct val="0"/>
-              </a:spcAft>
-              <a:buNone/>
-              <a:defRPr lang="en-US" sz="1800" b="1" kern="1200" dirty="0" smtClean="0">
-                <a:solidFill>
-                  <a:srgbClr val="0EFE58"/>
-                </a:solidFill>
-                <a:effectLst>
-                  <a:outerShdw blurRad="38100" dist="38100" dir="2700000" algn="tl">
-                    <a:srgbClr val="000000">
-                      <a:alpha val="43137"/>
-                    </a:srgbClr>
-                  </a:outerShdw>
-                </a:effectLst>
-                <a:latin typeface="Corbel" pitchFamily="34" charset="0"/>
-                <a:ea typeface="+mn-ea"/>
-                <a:cs typeface="+mn-cs"/>
-              </a:defRPr>
-            </a:lvl1pPr>
-          </a:lstStyle>
-          <a:p>
-            <a:pPr algn="l"/>
-            <a:r>
-              <a:rPr lang="en-US" sz="1800" b="1" dirty="0" smtClean="0">
-                <a:solidFill>
-                  <a:srgbClr val="0EFE58"/>
-                </a:solidFill>
-                <a:effectLst>
-                  <a:outerShdw blurRad="38100" dist="38100" dir="2700000" algn="tl">
-                    <a:srgbClr val="000000">
-                      <a:alpha val="43137"/>
-                    </a:srgbClr>
-                  </a:outerShdw>
-                </a:effectLst>
-              </a:rPr>
-              <a:t>Telerik Corporation</a:t>
-            </a:r>
-            <a:endParaRPr lang="en-US" sz="1800" b="1" dirty="0">
-              <a:solidFill>
-                <a:srgbClr val="0EFE58"/>
-              </a:solidFill>
-              <a:effectLst>
-                <a:outerShdw blurRad="38100" dist="38100" dir="2700000" algn="tl">
-                  <a:srgbClr val="000000">
-                    <a:alpha val="43137"/>
-                  </a:srgbClr>
-                </a:outerShdw>
-              </a:effectLst>
-            </a:endParaRPr>
-          </a:p>
-        </p:txBody>
-      </p:sp>
-      <p:sp>
-        <p:nvSpPr>
-          <p:cNvPr id="16" name="Text Placeholder 13"/>
-          <p:cNvSpPr>
-            <a:spLocks noGrp="1"/>
-          </p:cNvSpPr>
-          <p:nvPr>
-            <p:ph type="body" sz="quarter" idx="12" hasCustomPrompt="1"/>
-          </p:nvPr>
-        </p:nvSpPr>
-        <p:spPr>
-          <a:xfrm>
-            <a:off x="457200" y="6062246"/>
-            <a:ext cx="1707903" cy="338554"/>
-          </a:xfrm>
-          <a:prstGeom prst="rect">
-            <a:avLst/>
-          </a:prstGeom>
-          <a:noFill/>
-        </p:spPr>
-        <p:txBody>
-          <a:bodyPr wrap="square" rtlCol="0">
-            <a:spAutoFit/>
-          </a:bodyPr>
-          <a:lstStyle>
-            <a:lvl1pPr algn="l" rtl="0" fontAlgn="base">
-              <a:spcBef>
-                <a:spcPct val="0"/>
-              </a:spcBef>
-              <a:spcAft>
-                <a:spcPct val="0"/>
-              </a:spcAft>
-              <a:buNone/>
-              <a:defRPr lang="en-US" sz="1600" b="1" kern="1200" dirty="0" smtClean="0">
-                <a:solidFill>
-                  <a:srgbClr val="0EFE58"/>
-                </a:solidFill>
-                <a:effectLst>
-                  <a:outerShdw blurRad="38100" dist="38100" dir="2700000" algn="tl">
-                    <a:srgbClr val="000000">
-                      <a:alpha val="43137"/>
-                    </a:srgbClr>
-                  </a:outerShdw>
-                </a:effectLst>
-                <a:latin typeface="Corbel" pitchFamily="34" charset="0"/>
-                <a:ea typeface="+mn-ea"/>
-                <a:cs typeface="+mn-cs"/>
-              </a:defRPr>
-            </a:lvl1pPr>
-          </a:lstStyle>
-          <a:p>
-            <a:pPr algn="l"/>
-            <a:r>
-              <a:rPr lang="en-US" sz="1600" b="1" dirty="0" smtClean="0">
-                <a:solidFill>
-                  <a:schemeClr val="tx1">
-                    <a:lumMod val="50000"/>
-                  </a:schemeClr>
-                </a:solidFill>
-                <a:effectLst>
-                  <a:outerShdw blurRad="38100" dist="38100" dir="2700000" algn="tl">
-                    <a:srgbClr val="000000">
-                      <a:alpha val="43137"/>
-                    </a:srgbClr>
-                  </a:outerShdw>
-                </a:effectLst>
-                <a:hlinkClick r:id="rId2"/>
-              </a:rPr>
-              <a:t>www.telerik.com</a:t>
-            </a:r>
-            <a:endParaRPr lang="en-US" sz="1600" b="1" dirty="0">
-              <a:solidFill>
-                <a:schemeClr val="tx1">
-                  <a:lumMod val="50000"/>
-                </a:schemeClr>
-              </a:solidFill>
-              <a:effectLst>
-                <a:outerShdw blurRad="38100" dist="38100" dir="2700000" algn="tl">
-                  <a:srgbClr val="000000">
-                    <a:alpha val="43137"/>
-                  </a:srgbClr>
-                </a:outerShdw>
-              </a:effectLst>
-            </a:endParaRPr>
-          </a:p>
-        </p:txBody>
-      </p:sp>
-      <p:cxnSp>
-        <p:nvCxnSpPr>
-          <p:cNvPr id="8" name="Straight Connector 7"/>
-          <p:cNvCxnSpPr/>
-          <p:nvPr userDrawn="1"/>
-        </p:nvCxnSpPr>
-        <p:spPr>
-          <a:xfrm>
-            <a:off x="2667000" y="4114800"/>
-            <a:ext cx="6248400" cy="0"/>
-          </a:xfrm>
-          <a:prstGeom prst="line">
-            <a:avLst/>
-          </a:prstGeom>
-          <a:ln w="38100" cap="rnd">
-            <a:solidFill>
-              <a:schemeClr val="accent5">
-                <a:lumMod val="20000"/>
-                <a:lumOff val="80000"/>
-                <a:alpha val="50000"/>
-              </a:schemeClr>
-            </a:solidFill>
-          </a:ln>
-          <a:effectLst>
-            <a:outerShdw blurRad="50800" dist="38100" dir="2700000" algn="tl" rotWithShape="0">
-              <a:prstClr val="black">
-                <a:alpha val="40000"/>
-              </a:prstClr>
-            </a:outerShdw>
-          </a:effectLst>
-        </p:spPr>
-        <p:style>
-          <a:lnRef idx="1">
-            <a:schemeClr val="accent1"/>
-          </a:lnRef>
-          <a:fillRef idx="0">
-            <a:schemeClr val="accent1"/>
-          </a:fillRef>
-          <a:effectRef idx="0">
-            <a:schemeClr val="accent1"/>
-          </a:effectRef>
-          <a:fontRef idx="minor">
-            <a:schemeClr val="tx1"/>
-          </a:fontRef>
-        </p:style>
-      </p:cxnSp>
-    </p:spTree>
-    <p:extLst>
-      <p:ext uri="{BB962C8B-B14F-4D97-AF65-F5344CB8AC3E}">
-        <p14:creationId xmlns:p14="http://schemas.microsoft.com/office/powerpoint/2010/main" val="546132743"/>
-      </p:ext>
-    </p:extLst>
-  </p:cSld>
-  <p:clrMapOvr>
-    <a:masterClrMapping/>
-  </p:clrMapOvr>
-  <p:timing>
-    <p:tnLst>
-      <p:par>
-        <p:cTn id="1" dur="indefinite" restart="never" nodeType="tmRoot"/>
-      </p:par>
-    </p:tnLst>
-  </p:timing>
-</p:sldLayout>
-</file>
-
 <file path=ppt/slideMasters/slideMaster1.xml><?xml version="1.0" encoding="utf-8"?>
 <p:sldMaster xmlns:a="http://schemas.openxmlformats.org/drawingml/2006/main" xmlns:r="http://schemas.openxmlformats.org/officeDocument/2006/relationships" xmlns:p="http://schemas.openxmlformats.org/presentationml/2006/main">
   <p:cSld>
@@ -5533,7 +5059,7 @@
           <p:nvPr userDrawn="1"/>
         </p:nvPicPr>
         <p:blipFill>
-          <a:blip r:embed="rId8">
+          <a:blip r:embed="rId7">
             <a:extLst>
               <a:ext uri="{28A0092B-C50C-407E-A947-70E740481C1C}">
                 <a14:useLocalDpi xmlns:a14="http://schemas.microsoft.com/office/drawing/2010/main"/>
@@ -5574,7 +5100,7 @@
           <p:nvPr userDrawn="1"/>
         </p:nvPicPr>
         <p:blipFill>
-          <a:blip r:embed="rId9" cstate="email">
+          <a:blip r:embed="rId8" cstate="email">
             <a:extLst>
               <a:ext uri="{28A0092B-C50C-407E-A947-70E740481C1C}">
                 <a14:useLocalDpi xmlns:a14="http://schemas.microsoft.com/office/drawing/2010/main"/>
@@ -5638,7 +5164,7 @@
           <p:nvPr userDrawn="1"/>
         </p:nvPicPr>
         <p:blipFill>
-          <a:blip r:embed="rId10" cstate="email">
+          <a:blip r:embed="rId9" cstate="email">
             <a:extLst>
               <a:ext uri="{28A0092B-C50C-407E-A947-70E740481C1C}">
                 <a14:useLocalDpi xmlns:a14="http://schemas.microsoft.com/office/drawing/2010/main"/>
@@ -5702,11 +5228,11 @@
           <p:nvPr userDrawn="1"/>
         </p:nvPicPr>
         <p:blipFill>
-          <a:blip r:embed="rId11">
+          <a:blip r:embed="rId10">
             <a:extLst>
               <a:ext uri="{BEBA8EAE-BF5A-486C-A8C5-ECC9F3942E4B}">
                 <a14:imgProps xmlns:a14="http://schemas.microsoft.com/office/drawing/2010/main">
-                  <a14:imgLayer r:embed="rId12">
+                  <a14:imgLayer r:embed="rId11">
                     <a14:imgEffect>
                       <a14:brightnessContrast bright="20000"/>
                     </a14:imgEffect>
@@ -5760,7 +5286,6 @@
     <p:sldLayoutId id="2147483704" r:id="rId3"/>
     <p:sldLayoutId id="2147483689" r:id="rId4"/>
     <p:sldLayoutId id="2147483703" r:id="rId5"/>
-    <p:sldLayoutId id="2147483705" r:id="rId6"/>
   </p:sldLayoutIdLst>
   <p:timing>
     <p:tnLst>
@@ -6269,22 +5794,168 @@
       <p:sp>
         <p:nvSpPr>
           <p:cNvPr id="2" name="Title 1"/>
-          <p:cNvSpPr>
-            <a:spLocks noGrp="1"/>
+          <p:cNvSpPr txBox="1">
+            <a:spLocks/>
           </p:cNvSpPr>
-          <p:nvPr>
-            <p:ph type="ctrTitle"/>
-          </p:nvPr>
+          <p:nvPr/>
         </p:nvSpPr>
         <p:spPr>
           <a:xfrm>
             <a:off x="2209800" y="228600"/>
             <a:ext cx="6643321" cy="1031080"/>
           </a:xfrm>
+          <a:prstGeom prst="rect">
+            <a:avLst/>
+          </a:prstGeom>
         </p:spPr>
         <p:txBody>
-          <a:bodyPr/>
-          <a:lstStyle/>
+          <a:bodyPr anchor="ctr" anchorCtr="0">
+            <a:noAutofit/>
+          </a:bodyPr>
+          <a:lstStyle>
+            <a:lvl1pPr algn="r" rtl="0" eaLnBrk="0" fontAlgn="base" hangingPunct="0">
+              <a:lnSpc>
+                <a:spcPts val="4000"/>
+              </a:lnSpc>
+              <a:spcBef>
+                <a:spcPct val="0"/>
+              </a:spcBef>
+              <a:spcAft>
+                <a:spcPct val="0"/>
+              </a:spcAft>
+              <a:defRPr lang="en-US" sz="4000" b="1" kern="1200" baseline="0" dirty="0">
+                <a:ln w="500">
+                  <a:noFill/>
+                </a:ln>
+                <a:solidFill>
+                  <a:schemeClr val="tx2"/>
+                </a:solidFill>
+                <a:effectLst>
+                  <a:outerShdw blurRad="38100" dist="38100" dir="2700000" algn="tl">
+                    <a:srgbClr val="000000">
+                      <a:alpha val="43137"/>
+                    </a:srgbClr>
+                  </a:outerShdw>
+                  <a:reflection blurRad="12700" stA="20000" endPos="50000" dist="12700" dir="5400000" sy="-100000" algn="bl" rotWithShape="0"/>
+                </a:effectLst>
+                <a:latin typeface="+mj-lt"/>
+                <a:ea typeface="+mj-ea"/>
+                <a:cs typeface="+mj-cs"/>
+              </a:defRPr>
+            </a:lvl1pPr>
+            <a:lvl2pPr algn="r" rtl="0" eaLnBrk="0" fontAlgn="base" hangingPunct="0">
+              <a:spcBef>
+                <a:spcPct val="0"/>
+              </a:spcBef>
+              <a:spcAft>
+                <a:spcPct val="0"/>
+              </a:spcAft>
+              <a:defRPr sz="3000" b="1">
+                <a:solidFill>
+                  <a:schemeClr val="tx2"/>
+                </a:solidFill>
+                <a:latin typeface="Corbel" pitchFamily="34" charset="0"/>
+              </a:defRPr>
+            </a:lvl2pPr>
+            <a:lvl3pPr algn="r" rtl="0" eaLnBrk="0" fontAlgn="base" hangingPunct="0">
+              <a:spcBef>
+                <a:spcPct val="0"/>
+              </a:spcBef>
+              <a:spcAft>
+                <a:spcPct val="0"/>
+              </a:spcAft>
+              <a:defRPr sz="3000" b="1">
+                <a:solidFill>
+                  <a:schemeClr val="tx2"/>
+                </a:solidFill>
+                <a:latin typeface="Corbel" pitchFamily="34" charset="0"/>
+              </a:defRPr>
+            </a:lvl3pPr>
+            <a:lvl4pPr algn="r" rtl="0" eaLnBrk="0" fontAlgn="base" hangingPunct="0">
+              <a:spcBef>
+                <a:spcPct val="0"/>
+              </a:spcBef>
+              <a:spcAft>
+                <a:spcPct val="0"/>
+              </a:spcAft>
+              <a:defRPr sz="3000" b="1">
+                <a:solidFill>
+                  <a:schemeClr val="tx2"/>
+                </a:solidFill>
+                <a:latin typeface="Corbel" pitchFamily="34" charset="0"/>
+              </a:defRPr>
+            </a:lvl4pPr>
+            <a:lvl5pPr algn="r" rtl="0" eaLnBrk="0" fontAlgn="base" hangingPunct="0">
+              <a:spcBef>
+                <a:spcPct val="0"/>
+              </a:spcBef>
+              <a:spcAft>
+                <a:spcPct val="0"/>
+              </a:spcAft>
+              <a:defRPr sz="3000" b="1">
+                <a:solidFill>
+                  <a:schemeClr val="tx2"/>
+                </a:solidFill>
+                <a:latin typeface="Corbel" pitchFamily="34" charset="0"/>
+              </a:defRPr>
+            </a:lvl5pPr>
+            <a:lvl6pPr marL="457200" algn="r" rtl="0" fontAlgn="base">
+              <a:spcBef>
+                <a:spcPct val="0"/>
+              </a:spcBef>
+              <a:spcAft>
+                <a:spcPct val="0"/>
+              </a:spcAft>
+              <a:defRPr sz="3000" b="1">
+                <a:solidFill>
+                  <a:schemeClr val="tx2"/>
+                </a:solidFill>
+                <a:latin typeface="Corbel" pitchFamily="34" charset="0"/>
+              </a:defRPr>
+            </a:lvl6pPr>
+            <a:lvl7pPr marL="914400" algn="r" rtl="0" fontAlgn="base">
+              <a:spcBef>
+                <a:spcPct val="0"/>
+              </a:spcBef>
+              <a:spcAft>
+                <a:spcPct val="0"/>
+              </a:spcAft>
+              <a:defRPr sz="3000" b="1">
+                <a:solidFill>
+                  <a:schemeClr val="tx2"/>
+                </a:solidFill>
+                <a:latin typeface="Corbel" pitchFamily="34" charset="0"/>
+              </a:defRPr>
+            </a:lvl7pPr>
+            <a:lvl8pPr marL="1371600" algn="r" rtl="0" fontAlgn="base">
+              <a:spcBef>
+                <a:spcPct val="0"/>
+              </a:spcBef>
+              <a:spcAft>
+                <a:spcPct val="0"/>
+              </a:spcAft>
+              <a:defRPr sz="3000" b="1">
+                <a:solidFill>
+                  <a:schemeClr val="tx2"/>
+                </a:solidFill>
+                <a:latin typeface="Corbel" pitchFamily="34" charset="0"/>
+              </a:defRPr>
+            </a:lvl8pPr>
+            <a:lvl9pPr marL="1828800" algn="r" rtl="0" fontAlgn="base">
+              <a:spcBef>
+                <a:spcPct val="0"/>
+              </a:spcBef>
+              <a:spcAft>
+                <a:spcPct val="0"/>
+              </a:spcAft>
+              <a:defRPr sz="3000" b="1">
+                <a:solidFill>
+                  <a:schemeClr val="tx2"/>
+                </a:solidFill>
+                <a:latin typeface="Corbel" pitchFamily="34" charset="0"/>
+              </a:defRPr>
+            </a:lvl9pPr>
+          </a:lstStyle>
           <a:p>
             <a:pPr>
               <a:lnSpc>
@@ -6292,35 +5963,23 @@
               </a:lnSpc>
             </a:pPr>
             <a:r>
-              <a:rPr lang="en-US" sz="4700" dirty="0" smtClean="0"/>
-              <a:t>Team </a:t>
-            </a:r>
-            <a:r>
-              <a:rPr lang="en-US" sz="4700" dirty="0" smtClean="0"/>
-              <a:t>Phosphorus</a:t>
-            </a:r>
-            <a:r>
-              <a:rPr lang="en-US" sz="4700" dirty="0" smtClean="0"/>
-              <a:t/>
+              <a:rPr lang="en-US" sz="4700" smtClean="0"/>
+              <a:t>Team Phosphorus</a:t>
             </a:r>
             <a:br>
-              <a:rPr lang="en-US" sz="4700" dirty="0" smtClean="0"/>
+              <a:rPr lang="en-US" sz="4700" smtClean="0"/>
             </a:br>
             <a:r>
-              <a:rPr lang="en-US" sz="2200" dirty="0" smtClean="0"/>
-              <a:t>HQC </a:t>
+              <a:rPr lang="en-US" sz="2200" smtClean="0"/>
+              <a:t>HQC TeamWork</a:t>
             </a:r>
-            <a:r>
-              <a:rPr lang="en-US" sz="2200" dirty="0" err="1" smtClean="0"/>
-              <a:t>TeamWork</a:t>
-            </a:r>
-            <a:endParaRPr lang="en-US" sz="2200" dirty="0"/>
+            <a:endParaRPr lang="en-US" sz="2200"/>
           </a:p>
         </p:txBody>
       </p:sp>
       <p:pic>
         <p:nvPicPr>
-          <p:cNvPr id="25" name="Picture 5"/>
+          <p:cNvPr id="3" name="Picture 5"/>
           <p:cNvPicPr>
             <a:picLocks noChangeAspect="1" noChangeArrowheads="1"/>
           </p:cNvPicPr>
@@ -6384,7 +6043,7 @@
       </p:pic>
       <p:sp>
         <p:nvSpPr>
-          <p:cNvPr id="34" name="Text Placeholder 4"/>
+          <p:cNvPr id="4" name="Text Placeholder 4"/>
           <p:cNvSpPr>
             <a:spLocks noGrp="1"/>
           </p:cNvSpPr>
@@ -6643,11 +6302,7 @@
             <a:pPr indent="0" algn="ctr"/>
             <a:r>
               <a:rPr lang="en-US" sz="2200" dirty="0" smtClean="0"/>
-              <a:t>Team members</a:t>
-            </a:r>
-            <a:r>
-              <a:rPr lang="en-US" sz="2200" dirty="0" smtClean="0"/>
-              <a:t>:</a:t>
+              <a:t>Team members:</a:t>
             </a:r>
           </a:p>
           <a:p>
@@ -6753,7 +6408,7 @@
       </p:sp>
       <p:sp>
         <p:nvSpPr>
-          <p:cNvPr id="38" name="Text Placeholder 5"/>
+          <p:cNvPr id="5" name="Text Placeholder 5"/>
           <p:cNvSpPr>
             <a:spLocks noGrp="1"/>
           </p:cNvSpPr>
@@ -7028,16 +6683,65 @@
           </a:p>
         </p:txBody>
       </p:sp>
+      <p:pic>
+        <p:nvPicPr>
+          <p:cNvPr id="6" name="Picture 2" descr="http://www.p15.org.uk/logo.gif"/>
+          <p:cNvPicPr>
+            <a:picLocks noChangeAspect="1" noChangeArrowheads="1"/>
+          </p:cNvPicPr>
+          <p:nvPr/>
+        </p:nvPicPr>
+        <p:blipFill>
+          <a:blip r:embed="rId9">
+            <a:extLst>
+              <a:ext uri="{28A0092B-C50C-407E-A947-70E740481C1C}">
+                <a14:useLocalDpi xmlns:a14="http://schemas.microsoft.com/office/drawing/2010/main" val="0"/>
+              </a:ext>
+            </a:extLst>
+          </a:blip>
+          <a:srcRect/>
+          <a:stretch>
+            <a:fillRect/>
+          </a:stretch>
+        </p:blipFill>
+        <p:spPr bwMode="auto">
+          <a:xfrm>
+            <a:off x="152400" y="5713183"/>
+            <a:ext cx="1067345" cy="1009651"/>
+          </a:xfrm>
+          <a:prstGeom prst="rect">
+            <a:avLst/>
+          </a:prstGeom>
+          <a:noFill/>
+          <a:extLst>
+            <a:ext uri="{909E8E84-426E-40DD-AFC4-6F175D3DCCD1}">
+              <a14:hiddenFill xmlns:a14="http://schemas.microsoft.com/office/drawing/2010/main">
+                <a:solidFill>
+                  <a:srgbClr val="FFFFFF"/>
+                </a:solidFill>
+              </a14:hiddenFill>
+            </a:ext>
+          </a:extLst>
+        </p:spPr>
+      </p:pic>
     </p:spTree>
     <p:extLst>
       <p:ext uri="{BB962C8B-B14F-4D97-AF65-F5344CB8AC3E}">
-        <p14:creationId xmlns:p14="http://schemas.microsoft.com/office/powerpoint/2010/main" val="2592867112"/>
+        <p14:creationId xmlns:p14="http://schemas.microsoft.com/office/powerpoint/2010/main" val="240420356"/>
       </p:ext>
     </p:extLst>
   </p:cSld>
   <p:clrMapOvr>
     <a:masterClrMapping/>
   </p:clrMapOvr>
+  <mc:AlternateContent xmlns:mc="http://schemas.openxmlformats.org/markup-compatibility/2006" xmlns:p14="http://schemas.microsoft.com/office/powerpoint/2010/main">
+    <mc:Choice Requires="p14">
+      <p:transition p14:dur="0"/>
+    </mc:Choice>
+    <mc:Fallback xmlns="">
+      <p:transition/>
+    </mc:Fallback>
+  </mc:AlternateContent>
   <p:timing>
     <p:tnLst>
       <p:par>
@@ -7067,40 +6771,285 @@
       </p:grpSpPr>
       <p:sp>
         <p:nvSpPr>
-          <p:cNvPr id="3" name="Subtitle 2"/>
-          <p:cNvSpPr>
-            <a:spLocks noGrp="1"/>
+          <p:cNvPr id="7" name="Subtitle 2"/>
+          <p:cNvSpPr txBox="1">
+            <a:spLocks/>
           </p:cNvSpPr>
-          <p:nvPr>
-            <p:ph type="subTitle" idx="1"/>
-          </p:nvPr>
+          <p:nvPr/>
         </p:nvSpPr>
         <p:spPr>
           <a:xfrm>
-            <a:off x="1078743" y="3048000"/>
-            <a:ext cx="7062990" cy="569120"/>
+            <a:off x="1123098" y="2362200"/>
+            <a:ext cx="7062990" cy="1676400"/>
           </a:xfrm>
+          <a:prstGeom prst="rect">
+            <a:avLst/>
+          </a:prstGeom>
         </p:spPr>
         <p:txBody>
           <a:bodyPr/>
-          <a:lstStyle/>
+          <a:lstStyle>
+            <a:lvl1pPr marL="282575" indent="-282575" algn="l" rtl="0" eaLnBrk="0" fontAlgn="base" hangingPunct="0">
+              <a:lnSpc>
+                <a:spcPct val="105000"/>
+              </a:lnSpc>
+              <a:spcBef>
+                <a:spcPts val="600"/>
+              </a:spcBef>
+              <a:spcAft>
+                <a:spcPts val="600"/>
+              </a:spcAft>
+              <a:buClr>
+                <a:schemeClr val="accent5">
+                  <a:lumMod val="40000"/>
+                  <a:lumOff val="60000"/>
+                </a:schemeClr>
+              </a:buClr>
+              <a:buSzPct val="70000"/>
+              <a:buFont typeface="Wingdings 2" pitchFamily="18" charset="2"/>
+              <a:buChar char=""/>
+              <a:tabLst>
+                <a:tab pos="282575" algn="l"/>
+              </a:tabLst>
+              <a:defRPr sz="3200" b="1" kern="1200">
+                <a:solidFill>
+                  <a:srgbClr val="EBFFD2"/>
+                </a:solidFill>
+                <a:effectLst>
+                  <a:outerShdw blurRad="38100" dist="38100" dir="2700000" algn="tl">
+                    <a:srgbClr val="000000">
+                      <a:alpha val="43137"/>
+                    </a:srgbClr>
+                  </a:outerShdw>
+                </a:effectLst>
+                <a:latin typeface="+mn-lt"/>
+                <a:ea typeface="+mn-ea"/>
+                <a:cs typeface="+mn-cs"/>
+              </a:defRPr>
+            </a:lvl1pPr>
+            <a:lvl2pPr marL="630238" indent="-273050" algn="l" rtl="0" eaLnBrk="0" fontAlgn="base" hangingPunct="0">
+              <a:lnSpc>
+                <a:spcPct val="105000"/>
+              </a:lnSpc>
+              <a:spcBef>
+                <a:spcPts val="600"/>
+              </a:spcBef>
+              <a:spcAft>
+                <a:spcPts val="600"/>
+              </a:spcAft>
+              <a:buClr>
+                <a:srgbClr val="8FD600"/>
+              </a:buClr>
+              <a:buFont typeface="Wingdings 2" pitchFamily="18" charset="2"/>
+              <a:buChar char=""/>
+              <a:defRPr sz="3000" b="1" kern="1200">
+                <a:solidFill>
+                  <a:schemeClr val="tx1">
+                    <a:lumMod val="40000"/>
+                    <a:lumOff val="60000"/>
+                  </a:schemeClr>
+                </a:solidFill>
+                <a:effectLst>
+                  <a:outerShdw blurRad="38100" dist="38100" dir="2700000" algn="tl">
+                    <a:srgbClr val="000000">
+                      <a:alpha val="43137"/>
+                    </a:srgbClr>
+                  </a:outerShdw>
+                </a:effectLst>
+                <a:latin typeface="+mn-lt"/>
+                <a:ea typeface="+mn-ea"/>
+                <a:cs typeface="+mn-cs"/>
+              </a:defRPr>
+            </a:lvl2pPr>
+            <a:lvl3pPr marL="922338" indent="-273050" algn="l" rtl="0" eaLnBrk="0" fontAlgn="base" hangingPunct="0">
+              <a:lnSpc>
+                <a:spcPct val="105000"/>
+              </a:lnSpc>
+              <a:spcBef>
+                <a:spcPts val="600"/>
+              </a:spcBef>
+              <a:spcAft>
+                <a:spcPts val="600"/>
+              </a:spcAft>
+              <a:buClr>
+                <a:srgbClr val="FFAD9F"/>
+              </a:buClr>
+              <a:buFont typeface="Wingdings 2" pitchFamily="18" charset="2"/>
+              <a:buChar char=""/>
+              <a:defRPr sz="2800" b="1" kern="1200">
+                <a:solidFill>
+                  <a:srgbClr val="F5FFC2"/>
+                </a:solidFill>
+                <a:effectLst>
+                  <a:outerShdw blurRad="38100" dist="38100" dir="2700000" algn="tl">
+                    <a:srgbClr val="000000">
+                      <a:alpha val="43137"/>
+                    </a:srgbClr>
+                  </a:outerShdw>
+                </a:effectLst>
+                <a:latin typeface="+mn-lt"/>
+                <a:ea typeface="+mn-ea"/>
+                <a:cs typeface="+mn-cs"/>
+              </a:defRPr>
+            </a:lvl3pPr>
+            <a:lvl4pPr marL="1187450" indent="-228600" algn="l" rtl="0" eaLnBrk="0" fontAlgn="base" hangingPunct="0">
+              <a:lnSpc>
+                <a:spcPct val="105000"/>
+              </a:lnSpc>
+              <a:spcBef>
+                <a:spcPts val="600"/>
+              </a:spcBef>
+              <a:spcAft>
+                <a:spcPts val="600"/>
+              </a:spcAft>
+              <a:buClr>
+                <a:srgbClr val="FACF82"/>
+              </a:buClr>
+              <a:buFont typeface="Wingdings 2" pitchFamily="18" charset="2"/>
+              <a:buChar char=""/>
+              <a:defRPr sz="2600" b="1" kern="1200">
+                <a:solidFill>
+                  <a:schemeClr val="tx1">
+                    <a:lumMod val="40000"/>
+                    <a:lumOff val="60000"/>
+                  </a:schemeClr>
+                </a:solidFill>
+                <a:effectLst>
+                  <a:outerShdw blurRad="38100" dist="38100" dir="2700000" algn="tl">
+                    <a:srgbClr val="000000">
+                      <a:alpha val="43137"/>
+                    </a:srgbClr>
+                  </a:outerShdw>
+                </a:effectLst>
+                <a:latin typeface="+mn-lt"/>
+                <a:ea typeface="+mn-ea"/>
+                <a:cs typeface="+mn-cs"/>
+              </a:defRPr>
+            </a:lvl4pPr>
+            <a:lvl5pPr marL="1425575" indent="-228600" algn="l" rtl="0" eaLnBrk="0" fontAlgn="base" hangingPunct="0">
+              <a:lnSpc>
+                <a:spcPct val="105000"/>
+              </a:lnSpc>
+              <a:spcBef>
+                <a:spcPts val="600"/>
+              </a:spcBef>
+              <a:spcAft>
+                <a:spcPts val="600"/>
+              </a:spcAft>
+              <a:buClr>
+                <a:srgbClr val="46A6BD"/>
+              </a:buClr>
+              <a:buFont typeface="Wingdings 2" pitchFamily="18" charset="2"/>
+              <a:buChar char=""/>
+              <a:defRPr sz="2400" b="1" kern="1200">
+                <a:solidFill>
+                  <a:schemeClr val="tx1">
+                    <a:lumMod val="40000"/>
+                    <a:lumOff val="60000"/>
+                  </a:schemeClr>
+                </a:solidFill>
+                <a:effectLst>
+                  <a:outerShdw blurRad="38100" dist="38100" dir="2700000" algn="tl">
+                    <a:srgbClr val="000000">
+                      <a:alpha val="43137"/>
+                    </a:srgbClr>
+                  </a:outerShdw>
+                </a:effectLst>
+                <a:latin typeface="+mn-lt"/>
+                <a:ea typeface="+mn-ea"/>
+                <a:cs typeface="+mn-cs"/>
+              </a:defRPr>
+            </a:lvl5pPr>
+            <a:lvl6pPr marL="1673352" indent="-228600" algn="l" rtl="0" eaLnBrk="1" latinLnBrk="0" hangingPunct="1">
+              <a:spcBef>
+                <a:spcPct val="20000"/>
+              </a:spcBef>
+              <a:buClr>
+                <a:schemeClr val="accent6"/>
+              </a:buClr>
+              <a:buFont typeface="Wingdings 2"/>
+              <a:buChar char=""/>
+              <a:defRPr sz="1800" kern="1200">
+                <a:solidFill>
+                  <a:schemeClr val="tx1"/>
+                </a:solidFill>
+                <a:latin typeface="+mn-lt"/>
+                <a:ea typeface="+mn-ea"/>
+                <a:cs typeface="+mn-cs"/>
+              </a:defRPr>
+            </a:lvl6pPr>
+            <a:lvl7pPr marL="1911096" indent="-228600" algn="l" rtl="0" eaLnBrk="1" latinLnBrk="0" hangingPunct="1">
+              <a:spcBef>
+                <a:spcPct val="20000"/>
+              </a:spcBef>
+              <a:buClr>
+                <a:schemeClr val="tx2"/>
+              </a:buClr>
+              <a:buFont typeface="Wingdings 2"/>
+              <a:buChar char=""/>
+              <a:defRPr sz="1600" kern="1200">
+                <a:solidFill>
+                  <a:schemeClr val="tx1"/>
+                </a:solidFill>
+                <a:latin typeface="+mn-lt"/>
+                <a:ea typeface="+mn-ea"/>
+                <a:cs typeface="+mn-cs"/>
+              </a:defRPr>
+            </a:lvl7pPr>
+            <a:lvl8pPr marL="2121408" indent="-182880" algn="l" rtl="0" eaLnBrk="1" latinLnBrk="0" hangingPunct="1">
+              <a:spcBef>
+                <a:spcPct val="20000"/>
+              </a:spcBef>
+              <a:buClr>
+                <a:schemeClr val="tx2"/>
+              </a:buClr>
+              <a:buFont typeface="Wingdings 2"/>
+              <a:buChar char=""/>
+              <a:defRPr sz="1400" kern="1200">
+                <a:solidFill>
+                  <a:schemeClr val="tx1"/>
+                </a:solidFill>
+                <a:latin typeface="+mn-lt"/>
+                <a:ea typeface="+mn-ea"/>
+                <a:cs typeface="+mn-cs"/>
+              </a:defRPr>
+            </a:lvl8pPr>
+            <a:lvl9pPr marL="2322576" indent="-182880" algn="l" rtl="0" eaLnBrk="1" latinLnBrk="0" hangingPunct="1">
+              <a:spcBef>
+                <a:spcPct val="20000"/>
+              </a:spcBef>
+              <a:buClr>
+                <a:schemeClr val="tx2"/>
+              </a:buClr>
+              <a:buFont typeface="Wingdings 2"/>
+              <a:buChar char=""/>
+              <a:defRPr sz="1400" kern="1200">
+                <a:solidFill>
+                  <a:schemeClr val="tx1"/>
+                </a:solidFill>
+                <a:latin typeface="+mn-lt"/>
+                <a:ea typeface="+mn-ea"/>
+                <a:cs typeface="+mn-cs"/>
+              </a:defRPr>
+            </a:lvl9pPr>
+          </a:lstStyle>
           <a:p>
-            <a:pPr>
+            <a:pPr marL="0" indent="0" algn="ctr">
               <a:spcBef>
                 <a:spcPts val="0"/>
               </a:spcBef>
+              <a:buNone/>
             </a:pPr>
             <a:r>
               <a:rPr lang="en-US" sz="10000" dirty="0" smtClean="0"/>
-              <a:t>Hangmann</a:t>
+              <a:t>Hangman</a:t>
             </a:r>
-            <a:endParaRPr lang="bg-BG" sz="10000" dirty="0"/>
           </a:p>
         </p:txBody>
       </p:sp>
       <p:pic>
         <p:nvPicPr>
-          <p:cNvPr id="25" name="Picture 5"/>
+          <p:cNvPr id="8" name="Picture 5"/>
           <p:cNvPicPr>
             <a:picLocks noChangeAspect="1" noChangeArrowheads="1"/>
           </p:cNvPicPr>
@@ -7165,22 +7114,168 @@
       <p:sp>
         <p:nvSpPr>
           <p:cNvPr id="9" name="Title 1"/>
-          <p:cNvSpPr>
-            <a:spLocks noGrp="1"/>
+          <p:cNvSpPr txBox="1">
+            <a:spLocks/>
           </p:cNvSpPr>
-          <p:nvPr>
-            <p:ph type="ctrTitle"/>
-          </p:nvPr>
+          <p:nvPr/>
         </p:nvSpPr>
         <p:spPr>
           <a:xfrm>
             <a:off x="2209800" y="228600"/>
             <a:ext cx="6643321" cy="1031080"/>
           </a:xfrm>
+          <a:prstGeom prst="rect">
+            <a:avLst/>
+          </a:prstGeom>
         </p:spPr>
         <p:txBody>
-          <a:bodyPr/>
-          <a:lstStyle/>
+          <a:bodyPr anchor="ctr" anchorCtr="0">
+            <a:noAutofit/>
+          </a:bodyPr>
+          <a:lstStyle>
+            <a:lvl1pPr algn="r" rtl="0" eaLnBrk="0" fontAlgn="base" hangingPunct="0">
+              <a:lnSpc>
+                <a:spcPts val="4000"/>
+              </a:lnSpc>
+              <a:spcBef>
+                <a:spcPct val="0"/>
+              </a:spcBef>
+              <a:spcAft>
+                <a:spcPct val="0"/>
+              </a:spcAft>
+              <a:defRPr lang="en-US" sz="4000" b="1" kern="1200" baseline="0" dirty="0">
+                <a:ln w="500">
+                  <a:noFill/>
+                </a:ln>
+                <a:solidFill>
+                  <a:schemeClr val="tx2"/>
+                </a:solidFill>
+                <a:effectLst>
+                  <a:outerShdw blurRad="38100" dist="38100" dir="2700000" algn="tl">
+                    <a:srgbClr val="000000">
+                      <a:alpha val="43137"/>
+                    </a:srgbClr>
+                  </a:outerShdw>
+                  <a:reflection blurRad="12700" stA="20000" endPos="50000" dist="12700" dir="5400000" sy="-100000" algn="bl" rotWithShape="0"/>
+                </a:effectLst>
+                <a:latin typeface="+mj-lt"/>
+                <a:ea typeface="+mj-ea"/>
+                <a:cs typeface="+mj-cs"/>
+              </a:defRPr>
+            </a:lvl1pPr>
+            <a:lvl2pPr algn="r" rtl="0" eaLnBrk="0" fontAlgn="base" hangingPunct="0">
+              <a:spcBef>
+                <a:spcPct val="0"/>
+              </a:spcBef>
+              <a:spcAft>
+                <a:spcPct val="0"/>
+              </a:spcAft>
+              <a:defRPr sz="3000" b="1">
+                <a:solidFill>
+                  <a:schemeClr val="tx2"/>
+                </a:solidFill>
+                <a:latin typeface="Corbel" pitchFamily="34" charset="0"/>
+              </a:defRPr>
+            </a:lvl2pPr>
+            <a:lvl3pPr algn="r" rtl="0" eaLnBrk="0" fontAlgn="base" hangingPunct="0">
+              <a:spcBef>
+                <a:spcPct val="0"/>
+              </a:spcBef>
+              <a:spcAft>
+                <a:spcPct val="0"/>
+              </a:spcAft>
+              <a:defRPr sz="3000" b="1">
+                <a:solidFill>
+                  <a:schemeClr val="tx2"/>
+                </a:solidFill>
+                <a:latin typeface="Corbel" pitchFamily="34" charset="0"/>
+              </a:defRPr>
+            </a:lvl3pPr>
+            <a:lvl4pPr algn="r" rtl="0" eaLnBrk="0" fontAlgn="base" hangingPunct="0">
+              <a:spcBef>
+                <a:spcPct val="0"/>
+              </a:spcBef>
+              <a:spcAft>
+                <a:spcPct val="0"/>
+              </a:spcAft>
+              <a:defRPr sz="3000" b="1">
+                <a:solidFill>
+                  <a:schemeClr val="tx2"/>
+                </a:solidFill>
+                <a:latin typeface="Corbel" pitchFamily="34" charset="0"/>
+              </a:defRPr>
+            </a:lvl4pPr>
+            <a:lvl5pPr algn="r" rtl="0" eaLnBrk="0" fontAlgn="base" hangingPunct="0">
+              <a:spcBef>
+                <a:spcPct val="0"/>
+              </a:spcBef>
+              <a:spcAft>
+                <a:spcPct val="0"/>
+              </a:spcAft>
+              <a:defRPr sz="3000" b="1">
+                <a:solidFill>
+                  <a:schemeClr val="tx2"/>
+                </a:solidFill>
+                <a:latin typeface="Corbel" pitchFamily="34" charset="0"/>
+              </a:defRPr>
+            </a:lvl5pPr>
+            <a:lvl6pPr marL="457200" algn="r" rtl="0" fontAlgn="base">
+              <a:spcBef>
+                <a:spcPct val="0"/>
+              </a:spcBef>
+              <a:spcAft>
+                <a:spcPct val="0"/>
+              </a:spcAft>
+              <a:defRPr sz="3000" b="1">
+                <a:solidFill>
+                  <a:schemeClr val="tx2"/>
+                </a:solidFill>
+                <a:latin typeface="Corbel" pitchFamily="34" charset="0"/>
+              </a:defRPr>
+            </a:lvl6pPr>
+            <a:lvl7pPr marL="914400" algn="r" rtl="0" fontAlgn="base">
+              <a:spcBef>
+                <a:spcPct val="0"/>
+              </a:spcBef>
+              <a:spcAft>
+                <a:spcPct val="0"/>
+              </a:spcAft>
+              <a:defRPr sz="3000" b="1">
+                <a:solidFill>
+                  <a:schemeClr val="tx2"/>
+                </a:solidFill>
+                <a:latin typeface="Corbel" pitchFamily="34" charset="0"/>
+              </a:defRPr>
+            </a:lvl7pPr>
+            <a:lvl8pPr marL="1371600" algn="r" rtl="0" fontAlgn="base">
+              <a:spcBef>
+                <a:spcPct val="0"/>
+              </a:spcBef>
+              <a:spcAft>
+                <a:spcPct val="0"/>
+              </a:spcAft>
+              <a:defRPr sz="3000" b="1">
+                <a:solidFill>
+                  <a:schemeClr val="tx2"/>
+                </a:solidFill>
+                <a:latin typeface="Corbel" pitchFamily="34" charset="0"/>
+              </a:defRPr>
+            </a:lvl8pPr>
+            <a:lvl9pPr marL="1828800" algn="r" rtl="0" fontAlgn="base">
+              <a:spcBef>
+                <a:spcPct val="0"/>
+              </a:spcBef>
+              <a:spcAft>
+                <a:spcPct val="0"/>
+              </a:spcAft>
+              <a:defRPr sz="3000" b="1">
+                <a:solidFill>
+                  <a:schemeClr val="tx2"/>
+                </a:solidFill>
+                <a:latin typeface="Corbel" pitchFamily="34" charset="0"/>
+              </a:defRPr>
+            </a:lvl9pPr>
+          </a:lstStyle>
           <a:p>
             <a:pPr>
               <a:lnSpc>
@@ -7188,29 +7283,17 @@
               </a:lnSpc>
             </a:pPr>
             <a:r>
-              <a:rPr lang="en-US" sz="4700" dirty="0" smtClean="0"/>
-              <a:t>Team </a:t>
-            </a:r>
-            <a:r>
-              <a:rPr lang="en-US" sz="4700" dirty="0" smtClean="0"/>
-              <a:t>Phosphorus</a:t>
-            </a:r>
-            <a:r>
-              <a:rPr lang="en-US" sz="4700" dirty="0" smtClean="0"/>
-              <a:t/>
+              <a:rPr lang="en-US" sz="4700" smtClean="0"/>
+              <a:t>Team Phosphorus</a:t>
             </a:r>
             <a:br>
-              <a:rPr lang="en-US" sz="4700" dirty="0" smtClean="0"/>
+              <a:rPr lang="en-US" sz="4700" smtClean="0"/>
             </a:br>
             <a:r>
-              <a:rPr lang="en-US" sz="2200" dirty="0" smtClean="0"/>
-              <a:t>HQC </a:t>
+              <a:rPr lang="en-US" sz="2200" smtClean="0"/>
+              <a:t>HQC TeamWork</a:t>
             </a:r>
-            <a:r>
-              <a:rPr lang="en-US" sz="2200" dirty="0" err="1" smtClean="0"/>
-              <a:t>TeamWork</a:t>
-            </a:r>
-            <a:endParaRPr lang="en-US" sz="2200" dirty="0"/>
+            <a:endParaRPr lang="en-US" sz="2200"/>
           </a:p>
         </p:txBody>
       </p:sp>
@@ -7491,16 +7574,65 @@
           </a:p>
         </p:txBody>
       </p:sp>
+      <p:pic>
+        <p:nvPicPr>
+          <p:cNvPr id="11" name="Picture 2" descr="http://www.p15.org.uk/logo.gif"/>
+          <p:cNvPicPr>
+            <a:picLocks noChangeAspect="1" noChangeArrowheads="1"/>
+          </p:cNvPicPr>
+          <p:nvPr/>
+        </p:nvPicPr>
+        <p:blipFill>
+          <a:blip r:embed="rId4">
+            <a:extLst>
+              <a:ext uri="{28A0092B-C50C-407E-A947-70E740481C1C}">
+                <a14:useLocalDpi xmlns:a14="http://schemas.microsoft.com/office/drawing/2010/main" val="0"/>
+              </a:ext>
+            </a:extLst>
+          </a:blip>
+          <a:srcRect/>
+          <a:stretch>
+            <a:fillRect/>
+          </a:stretch>
+        </p:blipFill>
+        <p:spPr bwMode="auto">
+          <a:xfrm>
+            <a:off x="152400" y="5713183"/>
+            <a:ext cx="1067345" cy="1009651"/>
+          </a:xfrm>
+          <a:prstGeom prst="rect">
+            <a:avLst/>
+          </a:prstGeom>
+          <a:noFill/>
+          <a:extLst>
+            <a:ext uri="{909E8E84-426E-40DD-AFC4-6F175D3DCCD1}">
+              <a14:hiddenFill xmlns:a14="http://schemas.microsoft.com/office/drawing/2010/main">
+                <a:solidFill>
+                  <a:srgbClr val="FFFFFF"/>
+                </a:solidFill>
+              </a14:hiddenFill>
+            </a:ext>
+          </a:extLst>
+        </p:spPr>
+      </p:pic>
     </p:spTree>
     <p:extLst>
       <p:ext uri="{BB962C8B-B14F-4D97-AF65-F5344CB8AC3E}">
-        <p14:creationId xmlns:p14="http://schemas.microsoft.com/office/powerpoint/2010/main" val="2858055925"/>
+        <p14:creationId xmlns:p14="http://schemas.microsoft.com/office/powerpoint/2010/main" val="2665671588"/>
       </p:ext>
     </p:extLst>
   </p:cSld>
   <p:clrMapOvr>
     <a:masterClrMapping/>
   </p:clrMapOvr>
+  <mc:AlternateContent xmlns:mc="http://schemas.openxmlformats.org/markup-compatibility/2006" xmlns:p14="http://schemas.microsoft.com/office/powerpoint/2010/main">
+    <mc:Choice Requires="p14">
+      <p:transition p14:dur="0"/>
+    </mc:Choice>
+    <mc:Fallback xmlns="">
+      <p:transition/>
+    </mc:Fallback>
+  </mc:AlternateContent>
   <p:timing>
     <p:tnLst>
       <p:par>
@@ -7530,7 +7662,7 @@
       </p:grpSpPr>
       <p:pic>
         <p:nvPicPr>
-          <p:cNvPr id="25" name="Picture 5"/>
+          <p:cNvPr id="2" name="Picture 5"/>
           <p:cNvPicPr>
             <a:picLocks noChangeAspect="1" noChangeArrowheads="1"/>
           </p:cNvPicPr>
@@ -7594,46 +7726,42 @@
       </p:pic>
       <p:sp>
         <p:nvSpPr>
-          <p:cNvPr id="34" name="Text Placeholder 4"/>
-          <p:cNvSpPr>
-            <a:spLocks noGrp="1"/>
+          <p:cNvPr id="3" name="Title 1"/>
+          <p:cNvSpPr txBox="1">
+            <a:spLocks/>
           </p:cNvSpPr>
           <p:nvPr/>
         </p:nvSpPr>
         <p:spPr>
           <a:xfrm>
-            <a:off x="1634750" y="1524000"/>
-            <a:ext cx="6400800" cy="3108543"/>
+            <a:off x="2209800" y="228600"/>
+            <a:ext cx="6643321" cy="1031080"/>
           </a:xfrm>
           <a:prstGeom prst="rect">
             <a:avLst/>
           </a:prstGeom>
-          <a:noFill/>
         </p:spPr>
         <p:txBody>
-          <a:bodyPr wrap="square" rtlCol="0">
-            <a:spAutoFit/>
+          <a:bodyPr anchor="ctr" anchorCtr="0">
+            <a:noAutofit/>
           </a:bodyPr>
           <a:lstStyle>
-            <a:lvl1pPr marL="319088" indent="-319088" algn="l" rtl="0" eaLnBrk="0" fontAlgn="base" hangingPunct="0">
-              <a:spcBef>
-                <a:spcPct val="0"/>
-              </a:spcBef>
-              <a:spcAft>
-                <a:spcPct val="0"/>
-              </a:spcAft>
-              <a:buClr>
-                <a:schemeClr val="accent5">
-                  <a:lumMod val="40000"/>
-                  <a:lumOff val="60000"/>
-                </a:schemeClr>
-              </a:buClr>
-              <a:buSzPct val="70000"/>
-              <a:buFont typeface="Wingdings 2" pitchFamily="18" charset="2"/>
-              <a:buNone/>
-              <a:defRPr lang="en-US" sz="2800" b="1" kern="1200" dirty="0" smtClean="0">
-                <a:solidFill>
-                  <a:srgbClr val="DEFF9B"/>
+            <a:lvl1pPr algn="r" rtl="0" eaLnBrk="0" fontAlgn="base" hangingPunct="0">
+              <a:lnSpc>
+                <a:spcPts val="4000"/>
+              </a:lnSpc>
+              <a:spcBef>
+                <a:spcPct val="0"/>
+              </a:spcBef>
+              <a:spcAft>
+                <a:spcPct val="0"/>
+              </a:spcAft>
+              <a:defRPr lang="en-US" sz="4000" b="1" kern="1200" baseline="0" dirty="0">
+                <a:ln w="500">
+                  <a:noFill/>
+                </a:ln>
+                <a:solidFill>
+                  <a:schemeClr val="tx2"/>
                 </a:solidFill>
                 <a:effectLst>
                   <a:outerShdw blurRad="38100" dist="38100" dir="2700000" algn="tl">
@@ -7641,277 +7769,126 @@
                       <a:alpha val="43137"/>
                     </a:srgbClr>
                   </a:outerShdw>
+                  <a:reflection blurRad="12700" stA="20000" endPos="50000" dist="12700" dir="5400000" sy="-100000" algn="bl" rotWithShape="0"/>
                 </a:effectLst>
+                <a:latin typeface="+mj-lt"/>
+                <a:ea typeface="+mj-ea"/>
+                <a:cs typeface="+mj-cs"/>
+              </a:defRPr>
+            </a:lvl1pPr>
+            <a:lvl2pPr algn="r" rtl="0" eaLnBrk="0" fontAlgn="base" hangingPunct="0">
+              <a:spcBef>
+                <a:spcPct val="0"/>
+              </a:spcBef>
+              <a:spcAft>
+                <a:spcPct val="0"/>
+              </a:spcAft>
+              <a:defRPr sz="3000" b="1">
+                <a:solidFill>
+                  <a:schemeClr val="tx2"/>
+                </a:solidFill>
                 <a:latin typeface="Corbel" pitchFamily="34" charset="0"/>
-                <a:ea typeface="+mn-ea"/>
-                <a:cs typeface="+mn-cs"/>
-              </a:defRPr>
-            </a:lvl1pPr>
-            <a:lvl2pPr marL="630238" indent="-273050" algn="l" rtl="0" eaLnBrk="0" fontAlgn="base" hangingPunct="0">
-              <a:spcBef>
-                <a:spcPct val="20000"/>
-              </a:spcBef>
-              <a:spcAft>
-                <a:spcPct val="0"/>
-              </a:spcAft>
-              <a:buClr>
-                <a:schemeClr val="accent2">
-                  <a:lumMod val="60000"/>
-                  <a:lumOff val="40000"/>
-                </a:schemeClr>
-              </a:buClr>
-              <a:buFont typeface="Wingdings 2" pitchFamily="18" charset="2"/>
-              <a:buChar char=""/>
-              <a:defRPr sz="3000" b="1" kern="1200">
-                <a:solidFill>
-                  <a:schemeClr val="tx1">
-                    <a:lumMod val="20000"/>
-                    <a:lumOff val="80000"/>
-                  </a:schemeClr>
-                </a:solidFill>
-                <a:effectLst>
-                  <a:outerShdw blurRad="38100" dist="38100" dir="2700000" algn="tl">
-                    <a:srgbClr val="000000">
-                      <a:alpha val="43137"/>
-                    </a:srgbClr>
-                  </a:outerShdw>
-                </a:effectLst>
-                <a:latin typeface="+mn-lt"/>
-                <a:ea typeface="+mn-ea"/>
-                <a:cs typeface="+mn-cs"/>
               </a:defRPr>
             </a:lvl2pPr>
-            <a:lvl3pPr marL="922338" indent="-273050" algn="l" rtl="0" eaLnBrk="0" fontAlgn="base" hangingPunct="0">
-              <a:spcBef>
-                <a:spcPct val="20000"/>
-              </a:spcBef>
-              <a:spcAft>
-                <a:spcPct val="0"/>
-              </a:spcAft>
-              <a:buClr>
-                <a:schemeClr val="tx1">
-                  <a:lumMod val="50000"/>
-                </a:schemeClr>
-              </a:buClr>
-              <a:buFont typeface="Wingdings 2" pitchFamily="18" charset="2"/>
-              <a:buChar char=""/>
-              <a:defRPr sz="2800" b="1" kern="1200">
-                <a:solidFill>
-                  <a:schemeClr val="tx1">
-                    <a:lumMod val="20000"/>
-                    <a:lumOff val="80000"/>
-                  </a:schemeClr>
-                </a:solidFill>
-                <a:effectLst>
-                  <a:outerShdw blurRad="38100" dist="38100" dir="2700000" algn="tl">
-                    <a:srgbClr val="000000">
-                      <a:alpha val="43137"/>
-                    </a:srgbClr>
-                  </a:outerShdw>
-                </a:effectLst>
-                <a:latin typeface="+mn-lt"/>
-                <a:ea typeface="+mn-ea"/>
-                <a:cs typeface="+mn-cs"/>
+            <a:lvl3pPr algn="r" rtl="0" eaLnBrk="0" fontAlgn="base" hangingPunct="0">
+              <a:spcBef>
+                <a:spcPct val="0"/>
+              </a:spcBef>
+              <a:spcAft>
+                <a:spcPct val="0"/>
+              </a:spcAft>
+              <a:defRPr sz="3000" b="1">
+                <a:solidFill>
+                  <a:schemeClr val="tx2"/>
+                </a:solidFill>
+                <a:latin typeface="Corbel" pitchFamily="34" charset="0"/>
               </a:defRPr>
             </a:lvl3pPr>
-            <a:lvl4pPr marL="1187450" indent="-228600" algn="l" rtl="0" eaLnBrk="0" fontAlgn="base" hangingPunct="0">
-              <a:spcBef>
-                <a:spcPct val="20000"/>
-              </a:spcBef>
-              <a:spcAft>
-                <a:spcPct val="0"/>
-              </a:spcAft>
-              <a:buClr>
-                <a:srgbClr val="F8BD52"/>
-              </a:buClr>
-              <a:buFont typeface="Wingdings 2" pitchFamily="18" charset="2"/>
-              <a:buChar char=""/>
-              <a:defRPr sz="2600" b="1" kern="1200">
-                <a:solidFill>
-                  <a:schemeClr val="tx1">
-                    <a:lumMod val="20000"/>
-                    <a:lumOff val="80000"/>
-                  </a:schemeClr>
-                </a:solidFill>
-                <a:effectLst>
-                  <a:outerShdw blurRad="38100" dist="38100" dir="2700000" algn="tl">
-                    <a:srgbClr val="000000">
-                      <a:alpha val="43137"/>
-                    </a:srgbClr>
-                  </a:outerShdw>
-                </a:effectLst>
-                <a:latin typeface="+mn-lt"/>
-                <a:ea typeface="+mn-ea"/>
-                <a:cs typeface="+mn-cs"/>
+            <a:lvl4pPr algn="r" rtl="0" eaLnBrk="0" fontAlgn="base" hangingPunct="0">
+              <a:spcBef>
+                <a:spcPct val="0"/>
+              </a:spcBef>
+              <a:spcAft>
+                <a:spcPct val="0"/>
+              </a:spcAft>
+              <a:defRPr sz="3000" b="1">
+                <a:solidFill>
+                  <a:schemeClr val="tx2"/>
+                </a:solidFill>
+                <a:latin typeface="Corbel" pitchFamily="34" charset="0"/>
               </a:defRPr>
             </a:lvl4pPr>
-            <a:lvl5pPr marL="1425575" indent="-228600" algn="l" rtl="0" eaLnBrk="0" fontAlgn="base" hangingPunct="0">
-              <a:spcBef>
-                <a:spcPct val="20000"/>
-              </a:spcBef>
-              <a:spcAft>
-                <a:spcPct val="0"/>
-              </a:spcAft>
-              <a:buClr>
-                <a:srgbClr val="46A6BD"/>
-              </a:buClr>
-              <a:buFont typeface="Wingdings 2" pitchFamily="18" charset="2"/>
-              <a:buChar char=""/>
-              <a:defRPr sz="2400" b="1" kern="1200">
-                <a:solidFill>
-                  <a:schemeClr val="tx1">
-                    <a:lumMod val="20000"/>
-                    <a:lumOff val="80000"/>
-                  </a:schemeClr>
-                </a:solidFill>
-                <a:effectLst>
-                  <a:outerShdw blurRad="38100" dist="38100" dir="2700000" algn="tl">
-                    <a:srgbClr val="000000">
-                      <a:alpha val="43137"/>
-                    </a:srgbClr>
-                  </a:outerShdw>
-                </a:effectLst>
-                <a:latin typeface="+mn-lt"/>
-                <a:ea typeface="+mn-ea"/>
-                <a:cs typeface="+mn-cs"/>
+            <a:lvl5pPr algn="r" rtl="0" eaLnBrk="0" fontAlgn="base" hangingPunct="0">
+              <a:spcBef>
+                <a:spcPct val="0"/>
+              </a:spcBef>
+              <a:spcAft>
+                <a:spcPct val="0"/>
+              </a:spcAft>
+              <a:defRPr sz="3000" b="1">
+                <a:solidFill>
+                  <a:schemeClr val="tx2"/>
+                </a:solidFill>
+                <a:latin typeface="Corbel" pitchFamily="34" charset="0"/>
               </a:defRPr>
             </a:lvl5pPr>
-            <a:lvl6pPr marL="1673352" indent="-228600" algn="l" rtl="0" eaLnBrk="1" latinLnBrk="0" hangingPunct="1">
-              <a:spcBef>
-                <a:spcPct val="20000"/>
-              </a:spcBef>
-              <a:buClr>
-                <a:schemeClr val="accent6"/>
-              </a:buClr>
-              <a:buFont typeface="Wingdings 2"/>
-              <a:buChar char=""/>
-              <a:defRPr sz="1800" kern="1200">
-                <a:solidFill>
-                  <a:schemeClr val="tx1"/>
-                </a:solidFill>
-                <a:latin typeface="+mn-lt"/>
-                <a:ea typeface="+mn-ea"/>
-                <a:cs typeface="+mn-cs"/>
+            <a:lvl6pPr marL="457200" algn="r" rtl="0" fontAlgn="base">
+              <a:spcBef>
+                <a:spcPct val="0"/>
+              </a:spcBef>
+              <a:spcAft>
+                <a:spcPct val="0"/>
+              </a:spcAft>
+              <a:defRPr sz="3000" b="1">
+                <a:solidFill>
+                  <a:schemeClr val="tx2"/>
+                </a:solidFill>
+                <a:latin typeface="Corbel" pitchFamily="34" charset="0"/>
               </a:defRPr>
             </a:lvl6pPr>
-            <a:lvl7pPr marL="1911096" indent="-228600" algn="l" rtl="0" eaLnBrk="1" latinLnBrk="0" hangingPunct="1">
-              <a:spcBef>
-                <a:spcPct val="20000"/>
-              </a:spcBef>
-              <a:buClr>
-                <a:schemeClr val="tx2"/>
-              </a:buClr>
-              <a:buFont typeface="Wingdings 2"/>
-              <a:buChar char=""/>
-              <a:defRPr sz="1600" kern="1200">
-                <a:solidFill>
-                  <a:schemeClr val="tx1"/>
-                </a:solidFill>
-                <a:latin typeface="+mn-lt"/>
-                <a:ea typeface="+mn-ea"/>
-                <a:cs typeface="+mn-cs"/>
+            <a:lvl7pPr marL="914400" algn="r" rtl="0" fontAlgn="base">
+              <a:spcBef>
+                <a:spcPct val="0"/>
+              </a:spcBef>
+              <a:spcAft>
+                <a:spcPct val="0"/>
+              </a:spcAft>
+              <a:defRPr sz="3000" b="1">
+                <a:solidFill>
+                  <a:schemeClr val="tx2"/>
+                </a:solidFill>
+                <a:latin typeface="Corbel" pitchFamily="34" charset="0"/>
               </a:defRPr>
             </a:lvl7pPr>
-            <a:lvl8pPr marL="2121408" indent="-182880" algn="l" rtl="0" eaLnBrk="1" latinLnBrk="0" hangingPunct="1">
-              <a:spcBef>
-                <a:spcPct val="20000"/>
-              </a:spcBef>
-              <a:buClr>
-                <a:schemeClr val="tx2"/>
-              </a:buClr>
-              <a:buFont typeface="Wingdings 2"/>
-              <a:buChar char=""/>
-              <a:defRPr sz="1400" kern="1200">
-                <a:solidFill>
-                  <a:schemeClr val="tx1"/>
-                </a:solidFill>
-                <a:latin typeface="+mn-lt"/>
-                <a:ea typeface="+mn-ea"/>
-                <a:cs typeface="+mn-cs"/>
+            <a:lvl8pPr marL="1371600" algn="r" rtl="0" fontAlgn="base">
+              <a:spcBef>
+                <a:spcPct val="0"/>
+              </a:spcBef>
+              <a:spcAft>
+                <a:spcPct val="0"/>
+              </a:spcAft>
+              <a:defRPr sz="3000" b="1">
+                <a:solidFill>
+                  <a:schemeClr val="tx2"/>
+                </a:solidFill>
+                <a:latin typeface="Corbel" pitchFamily="34" charset="0"/>
               </a:defRPr>
             </a:lvl8pPr>
-            <a:lvl9pPr marL="2322576" indent="-182880" algn="l" rtl="0" eaLnBrk="1" latinLnBrk="0" hangingPunct="1">
-              <a:spcBef>
-                <a:spcPct val="20000"/>
-              </a:spcBef>
-              <a:buClr>
-                <a:schemeClr val="tx2"/>
-              </a:buClr>
-              <a:buFont typeface="Wingdings 2"/>
-              <a:buChar char=""/>
-              <a:defRPr sz="1400" kern="1200">
-                <a:solidFill>
-                  <a:schemeClr val="tx1"/>
-                </a:solidFill>
-                <a:latin typeface="+mn-lt"/>
-                <a:ea typeface="+mn-ea"/>
-                <a:cs typeface="+mn-cs"/>
+            <a:lvl9pPr marL="1828800" algn="r" rtl="0" fontAlgn="base">
+              <a:spcBef>
+                <a:spcPct val="0"/>
+              </a:spcBef>
+              <a:spcAft>
+                <a:spcPct val="0"/>
+              </a:spcAft>
+              <a:defRPr sz="3000" b="1">
+                <a:solidFill>
+                  <a:schemeClr val="tx2"/>
+                </a:solidFill>
+                <a:latin typeface="Corbel" pitchFamily="34" charset="0"/>
               </a:defRPr>
             </a:lvl9pPr>
           </a:lstStyle>
-          <a:p>
-            <a:pPr algn="ctr"/>
-            <a:r>
-              <a:rPr lang="en-US" sz="4000" dirty="0" smtClean="0">
-                <a:effectLst/>
-              </a:rPr>
-              <a:t>Some statistics:</a:t>
-            </a:r>
-          </a:p>
-          <a:p>
-            <a:pPr algn="ctr"/>
-            <a:r>
-              <a:rPr lang="en-US" sz="3000" dirty="0" smtClean="0">
-                <a:effectLst/>
-              </a:rPr>
-              <a:t>Total commits  64</a:t>
-            </a:r>
-          </a:p>
-          <a:p>
-            <a:pPr algn="ctr"/>
-            <a:r>
-              <a:rPr lang="en-US" sz="3000" dirty="0" smtClean="0">
-                <a:effectLst/>
-              </a:rPr>
-              <a:t>More than 20 post in the facebook group</a:t>
-            </a:r>
-          </a:p>
-          <a:p>
-            <a:pPr algn="ctr"/>
-            <a:r>
-              <a:rPr lang="en-US" sz="3000" dirty="0" smtClean="0">
-                <a:effectLst/>
-              </a:rPr>
-              <a:t>More than 100 comments</a:t>
-            </a:r>
-          </a:p>
-          <a:p>
-            <a:pPr algn="ctr"/>
-            <a:endParaRPr lang="bg-BG" sz="3600" dirty="0">
-              <a:effectLst/>
-            </a:endParaRPr>
-          </a:p>
-        </p:txBody>
-      </p:sp>
-      <p:sp>
-        <p:nvSpPr>
-          <p:cNvPr id="7" name="Title 1"/>
-          <p:cNvSpPr>
-            <a:spLocks noGrp="1"/>
-          </p:cNvSpPr>
-          <p:nvPr>
-            <p:ph type="ctrTitle"/>
-          </p:nvPr>
-        </p:nvSpPr>
-        <p:spPr>
-          <a:xfrm>
-            <a:off x="2209800" y="228600"/>
-            <a:ext cx="6643321" cy="1031080"/>
-          </a:xfrm>
-        </p:spPr>
-        <p:txBody>
-          <a:bodyPr/>
-          <a:lstStyle/>
           <a:p>
             <a:pPr>
               <a:lnSpc>
@@ -7919,35 +7896,23 @@
               </a:lnSpc>
             </a:pPr>
             <a:r>
-              <a:rPr lang="en-US" sz="4700" dirty="0" smtClean="0"/>
-              <a:t>Team </a:t>
-            </a:r>
-            <a:r>
-              <a:rPr lang="en-US" sz="4700" dirty="0" smtClean="0"/>
-              <a:t>Phosphorus</a:t>
-            </a:r>
-            <a:r>
-              <a:rPr lang="en-US" sz="4700" dirty="0" smtClean="0"/>
-              <a:t/>
+              <a:rPr lang="en-US" sz="4700" smtClean="0"/>
+              <a:t>Team Phosphorus</a:t>
             </a:r>
             <a:br>
-              <a:rPr lang="en-US" sz="4700" dirty="0" smtClean="0"/>
+              <a:rPr lang="en-US" sz="4700" smtClean="0"/>
             </a:br>
             <a:r>
-              <a:rPr lang="en-US" sz="2200" dirty="0" smtClean="0"/>
-              <a:t>HQC </a:t>
+              <a:rPr lang="en-US" sz="2200" smtClean="0"/>
+              <a:t>HQC TeamWork</a:t>
             </a:r>
-            <a:r>
-              <a:rPr lang="en-US" sz="2200" dirty="0" err="1" smtClean="0"/>
-              <a:t>TeamWork</a:t>
-            </a:r>
-            <a:endParaRPr lang="en-US" sz="2200" dirty="0"/>
+            <a:endParaRPr lang="en-US" sz="2200"/>
           </a:p>
         </p:txBody>
       </p:sp>
       <p:sp>
         <p:nvSpPr>
-          <p:cNvPr id="8" name="Text Placeholder 5"/>
+          <p:cNvPr id="4" name="Text Placeholder 5"/>
           <p:cNvSpPr>
             <a:spLocks noGrp="1"/>
           </p:cNvSpPr>
@@ -8222,16 +8187,374 @@
           </a:p>
         </p:txBody>
       </p:sp>
+      <p:sp>
+        <p:nvSpPr>
+          <p:cNvPr id="5" name="Text Placeholder 4"/>
+          <p:cNvSpPr>
+            <a:spLocks noGrp="1"/>
+          </p:cNvSpPr>
+          <p:nvPr/>
+        </p:nvSpPr>
+        <p:spPr>
+          <a:xfrm>
+            <a:off x="1364492" y="1288702"/>
+            <a:ext cx="6400800" cy="461665"/>
+          </a:xfrm>
+          <a:prstGeom prst="rect">
+            <a:avLst/>
+          </a:prstGeom>
+          <a:noFill/>
+        </p:spPr>
+        <p:txBody>
+          <a:bodyPr wrap="square" rtlCol="0">
+            <a:spAutoFit/>
+          </a:bodyPr>
+          <a:lstStyle>
+            <a:lvl1pPr marL="319088" indent="-319088" algn="l" rtl="0" eaLnBrk="0" fontAlgn="base" hangingPunct="0">
+              <a:spcBef>
+                <a:spcPct val="0"/>
+              </a:spcBef>
+              <a:spcAft>
+                <a:spcPct val="0"/>
+              </a:spcAft>
+              <a:buClr>
+                <a:schemeClr val="accent5">
+                  <a:lumMod val="40000"/>
+                  <a:lumOff val="60000"/>
+                </a:schemeClr>
+              </a:buClr>
+              <a:buSzPct val="70000"/>
+              <a:buFont typeface="Wingdings 2" pitchFamily="18" charset="2"/>
+              <a:buNone/>
+              <a:defRPr lang="en-US" sz="2800" b="1" kern="1200" dirty="0" smtClean="0">
+                <a:solidFill>
+                  <a:srgbClr val="DEFF9B"/>
+                </a:solidFill>
+                <a:effectLst>
+                  <a:outerShdw blurRad="38100" dist="38100" dir="2700000" algn="tl">
+                    <a:srgbClr val="000000">
+                      <a:alpha val="43137"/>
+                    </a:srgbClr>
+                  </a:outerShdw>
+                </a:effectLst>
+                <a:latin typeface="Corbel" pitchFamily="34" charset="0"/>
+                <a:ea typeface="+mn-ea"/>
+                <a:cs typeface="+mn-cs"/>
+              </a:defRPr>
+            </a:lvl1pPr>
+            <a:lvl2pPr marL="630238" indent="-273050" algn="l" rtl="0" eaLnBrk="0" fontAlgn="base" hangingPunct="0">
+              <a:spcBef>
+                <a:spcPct val="20000"/>
+              </a:spcBef>
+              <a:spcAft>
+                <a:spcPct val="0"/>
+              </a:spcAft>
+              <a:buClr>
+                <a:schemeClr val="accent2">
+                  <a:lumMod val="60000"/>
+                  <a:lumOff val="40000"/>
+                </a:schemeClr>
+              </a:buClr>
+              <a:buFont typeface="Wingdings 2" pitchFamily="18" charset="2"/>
+              <a:buChar char=""/>
+              <a:defRPr sz="3000" b="1" kern="1200">
+                <a:solidFill>
+                  <a:schemeClr val="tx1">
+                    <a:lumMod val="20000"/>
+                    <a:lumOff val="80000"/>
+                  </a:schemeClr>
+                </a:solidFill>
+                <a:effectLst>
+                  <a:outerShdw blurRad="38100" dist="38100" dir="2700000" algn="tl">
+                    <a:srgbClr val="000000">
+                      <a:alpha val="43137"/>
+                    </a:srgbClr>
+                  </a:outerShdw>
+                </a:effectLst>
+                <a:latin typeface="+mn-lt"/>
+                <a:ea typeface="+mn-ea"/>
+                <a:cs typeface="+mn-cs"/>
+              </a:defRPr>
+            </a:lvl2pPr>
+            <a:lvl3pPr marL="922338" indent="-273050" algn="l" rtl="0" eaLnBrk="0" fontAlgn="base" hangingPunct="0">
+              <a:spcBef>
+                <a:spcPct val="20000"/>
+              </a:spcBef>
+              <a:spcAft>
+                <a:spcPct val="0"/>
+              </a:spcAft>
+              <a:buClr>
+                <a:schemeClr val="tx1">
+                  <a:lumMod val="50000"/>
+                </a:schemeClr>
+              </a:buClr>
+              <a:buFont typeface="Wingdings 2" pitchFamily="18" charset="2"/>
+              <a:buChar char=""/>
+              <a:defRPr sz="2800" b="1" kern="1200">
+                <a:solidFill>
+                  <a:schemeClr val="tx1">
+                    <a:lumMod val="20000"/>
+                    <a:lumOff val="80000"/>
+                  </a:schemeClr>
+                </a:solidFill>
+                <a:effectLst>
+                  <a:outerShdw blurRad="38100" dist="38100" dir="2700000" algn="tl">
+                    <a:srgbClr val="000000">
+                      <a:alpha val="43137"/>
+                    </a:srgbClr>
+                  </a:outerShdw>
+                </a:effectLst>
+                <a:latin typeface="+mn-lt"/>
+                <a:ea typeface="+mn-ea"/>
+                <a:cs typeface="+mn-cs"/>
+              </a:defRPr>
+            </a:lvl3pPr>
+            <a:lvl4pPr marL="1187450" indent="-228600" algn="l" rtl="0" eaLnBrk="0" fontAlgn="base" hangingPunct="0">
+              <a:spcBef>
+                <a:spcPct val="20000"/>
+              </a:spcBef>
+              <a:spcAft>
+                <a:spcPct val="0"/>
+              </a:spcAft>
+              <a:buClr>
+                <a:srgbClr val="F8BD52"/>
+              </a:buClr>
+              <a:buFont typeface="Wingdings 2" pitchFamily="18" charset="2"/>
+              <a:buChar char=""/>
+              <a:defRPr sz="2600" b="1" kern="1200">
+                <a:solidFill>
+                  <a:schemeClr val="tx1">
+                    <a:lumMod val="20000"/>
+                    <a:lumOff val="80000"/>
+                  </a:schemeClr>
+                </a:solidFill>
+                <a:effectLst>
+                  <a:outerShdw blurRad="38100" dist="38100" dir="2700000" algn="tl">
+                    <a:srgbClr val="000000">
+                      <a:alpha val="43137"/>
+                    </a:srgbClr>
+                  </a:outerShdw>
+                </a:effectLst>
+                <a:latin typeface="+mn-lt"/>
+                <a:ea typeface="+mn-ea"/>
+                <a:cs typeface="+mn-cs"/>
+              </a:defRPr>
+            </a:lvl4pPr>
+            <a:lvl5pPr marL="1425575" indent="-228600" algn="l" rtl="0" eaLnBrk="0" fontAlgn="base" hangingPunct="0">
+              <a:spcBef>
+                <a:spcPct val="20000"/>
+              </a:spcBef>
+              <a:spcAft>
+                <a:spcPct val="0"/>
+              </a:spcAft>
+              <a:buClr>
+                <a:srgbClr val="46A6BD"/>
+              </a:buClr>
+              <a:buFont typeface="Wingdings 2" pitchFamily="18" charset="2"/>
+              <a:buChar char=""/>
+              <a:defRPr sz="2400" b="1" kern="1200">
+                <a:solidFill>
+                  <a:schemeClr val="tx1">
+                    <a:lumMod val="20000"/>
+                    <a:lumOff val="80000"/>
+                  </a:schemeClr>
+                </a:solidFill>
+                <a:effectLst>
+                  <a:outerShdw blurRad="38100" dist="38100" dir="2700000" algn="tl">
+                    <a:srgbClr val="000000">
+                      <a:alpha val="43137"/>
+                    </a:srgbClr>
+                  </a:outerShdw>
+                </a:effectLst>
+                <a:latin typeface="+mn-lt"/>
+                <a:ea typeface="+mn-ea"/>
+                <a:cs typeface="+mn-cs"/>
+              </a:defRPr>
+            </a:lvl5pPr>
+            <a:lvl6pPr marL="1673352" indent="-228600" algn="l" rtl="0" eaLnBrk="1" latinLnBrk="0" hangingPunct="1">
+              <a:spcBef>
+                <a:spcPct val="20000"/>
+              </a:spcBef>
+              <a:buClr>
+                <a:schemeClr val="accent6"/>
+              </a:buClr>
+              <a:buFont typeface="Wingdings 2"/>
+              <a:buChar char=""/>
+              <a:defRPr sz="1800" kern="1200">
+                <a:solidFill>
+                  <a:schemeClr val="tx1"/>
+                </a:solidFill>
+                <a:latin typeface="+mn-lt"/>
+                <a:ea typeface="+mn-ea"/>
+                <a:cs typeface="+mn-cs"/>
+              </a:defRPr>
+            </a:lvl6pPr>
+            <a:lvl7pPr marL="1911096" indent="-228600" algn="l" rtl="0" eaLnBrk="1" latinLnBrk="0" hangingPunct="1">
+              <a:spcBef>
+                <a:spcPct val="20000"/>
+              </a:spcBef>
+              <a:buClr>
+                <a:schemeClr val="tx2"/>
+              </a:buClr>
+              <a:buFont typeface="Wingdings 2"/>
+              <a:buChar char=""/>
+              <a:defRPr sz="1600" kern="1200">
+                <a:solidFill>
+                  <a:schemeClr val="tx1"/>
+                </a:solidFill>
+                <a:latin typeface="+mn-lt"/>
+                <a:ea typeface="+mn-ea"/>
+                <a:cs typeface="+mn-cs"/>
+              </a:defRPr>
+            </a:lvl7pPr>
+            <a:lvl8pPr marL="2121408" indent="-182880" algn="l" rtl="0" eaLnBrk="1" latinLnBrk="0" hangingPunct="1">
+              <a:spcBef>
+                <a:spcPct val="20000"/>
+              </a:spcBef>
+              <a:buClr>
+                <a:schemeClr val="tx2"/>
+              </a:buClr>
+              <a:buFont typeface="Wingdings 2"/>
+              <a:buChar char=""/>
+              <a:defRPr sz="1400" kern="1200">
+                <a:solidFill>
+                  <a:schemeClr val="tx1"/>
+                </a:solidFill>
+                <a:latin typeface="+mn-lt"/>
+                <a:ea typeface="+mn-ea"/>
+                <a:cs typeface="+mn-cs"/>
+              </a:defRPr>
+            </a:lvl8pPr>
+            <a:lvl9pPr marL="2322576" indent="-182880" algn="l" rtl="0" eaLnBrk="1" latinLnBrk="0" hangingPunct="1">
+              <a:spcBef>
+                <a:spcPct val="20000"/>
+              </a:spcBef>
+              <a:buClr>
+                <a:schemeClr val="tx2"/>
+              </a:buClr>
+              <a:buFont typeface="Wingdings 2"/>
+              <a:buChar char=""/>
+              <a:defRPr sz="1400" kern="1200">
+                <a:solidFill>
+                  <a:schemeClr val="tx1"/>
+                </a:solidFill>
+                <a:latin typeface="+mn-lt"/>
+                <a:ea typeface="+mn-ea"/>
+                <a:cs typeface="+mn-cs"/>
+              </a:defRPr>
+            </a:lvl9pPr>
+          </a:lstStyle>
+          <a:p>
+            <a:pPr algn="ctr"/>
+            <a:r>
+              <a:rPr lang="en-US" sz="2400" dirty="0" smtClean="0">
+                <a:effectLst/>
+              </a:rPr>
+              <a:t>Class diagram:</a:t>
+            </a:r>
+          </a:p>
+        </p:txBody>
+      </p:sp>
+      <p:pic>
+        <p:nvPicPr>
+          <p:cNvPr id="6" name="Picture 2" descr="http://www.p15.org.uk/logo.gif"/>
+          <p:cNvPicPr>
+            <a:picLocks noChangeAspect="1" noChangeArrowheads="1"/>
+          </p:cNvPicPr>
+          <p:nvPr/>
+        </p:nvPicPr>
+        <p:blipFill>
+          <a:blip r:embed="rId4">
+            <a:extLst>
+              <a:ext uri="{28A0092B-C50C-407E-A947-70E740481C1C}">
+                <a14:useLocalDpi xmlns:a14="http://schemas.microsoft.com/office/drawing/2010/main" val="0"/>
+              </a:ext>
+            </a:extLst>
+          </a:blip>
+          <a:srcRect/>
+          <a:stretch>
+            <a:fillRect/>
+          </a:stretch>
+        </p:blipFill>
+        <p:spPr bwMode="auto">
+          <a:xfrm>
+            <a:off x="152400" y="5713183"/>
+            <a:ext cx="1067345" cy="1009651"/>
+          </a:xfrm>
+          <a:prstGeom prst="rect">
+            <a:avLst/>
+          </a:prstGeom>
+          <a:noFill/>
+          <a:extLst>
+            <a:ext uri="{909E8E84-426E-40DD-AFC4-6F175D3DCCD1}">
+              <a14:hiddenFill xmlns:a14="http://schemas.microsoft.com/office/drawing/2010/main">
+                <a:solidFill>
+                  <a:srgbClr val="FFFFFF"/>
+                </a:solidFill>
+              </a14:hiddenFill>
+            </a:ext>
+          </a:extLst>
+        </p:spPr>
+      </p:pic>
+      <p:pic>
+        <p:nvPicPr>
+          <p:cNvPr id="7" name="Picture 2" descr="C:\Users\pirin\Documents\GitHub\hangman\Source\ClassDiagram1.png"/>
+          <p:cNvPicPr>
+            <a:picLocks noChangeAspect="1" noChangeArrowheads="1"/>
+          </p:cNvPicPr>
+          <p:nvPr/>
+        </p:nvPicPr>
+        <p:blipFill>
+          <a:blip r:embed="rId5">
+            <a:extLst>
+              <a:ext uri="{28A0092B-C50C-407E-A947-70E740481C1C}">
+                <a14:useLocalDpi xmlns:a14="http://schemas.microsoft.com/office/drawing/2010/main" val="0"/>
+              </a:ext>
+            </a:extLst>
+          </a:blip>
+          <a:srcRect/>
+          <a:stretch>
+            <a:fillRect/>
+          </a:stretch>
+        </p:blipFill>
+        <p:spPr bwMode="auto">
+          <a:xfrm>
+            <a:off x="1168453" y="1750367"/>
+            <a:ext cx="7049344" cy="4110063"/>
+          </a:xfrm>
+          <a:prstGeom prst="rect">
+            <a:avLst/>
+          </a:prstGeom>
+          <a:noFill/>
+          <a:extLst>
+            <a:ext uri="{909E8E84-426E-40DD-AFC4-6F175D3DCCD1}">
+              <a14:hiddenFill xmlns:a14="http://schemas.microsoft.com/office/drawing/2010/main">
+                <a:solidFill>
+                  <a:srgbClr val="FFFFFF"/>
+                </a:solidFill>
+              </a14:hiddenFill>
+            </a:ext>
+          </a:extLst>
+        </p:spPr>
+      </p:pic>
     </p:spTree>
     <p:extLst>
       <p:ext uri="{BB962C8B-B14F-4D97-AF65-F5344CB8AC3E}">
-        <p14:creationId xmlns:p14="http://schemas.microsoft.com/office/powerpoint/2010/main" val="1438816407"/>
+        <p14:creationId xmlns:p14="http://schemas.microsoft.com/office/powerpoint/2010/main" val="2352768043"/>
       </p:ext>
     </p:extLst>
   </p:cSld>
   <p:clrMapOvr>
     <a:masterClrMapping/>
   </p:clrMapOvr>
+  <mc:AlternateContent xmlns:mc="http://schemas.openxmlformats.org/markup-compatibility/2006" xmlns:p14="http://schemas.microsoft.com/office/powerpoint/2010/main">
+    <mc:Choice Requires="p14">
+      <p:transition p14:dur="0"/>
+    </mc:Choice>
+    <mc:Fallback xmlns="">
+      <p:transition/>
+    </mc:Fallback>
+  </mc:AlternateContent>
   <p:timing>
     <p:tnLst>
       <p:par>
@@ -8261,7 +8584,661 @@
       </p:grpSpPr>
       <p:pic>
         <p:nvPicPr>
-          <p:cNvPr id="25" name="Picture 5"/>
+          <p:cNvPr id="2" name="Picture 5"/>
+          <p:cNvPicPr>
+            <a:picLocks noChangeAspect="1" noChangeArrowheads="1"/>
+          </p:cNvPicPr>
+          <p:nvPr/>
+        </p:nvPicPr>
+        <p:blipFill>
+          <a:blip r:embed="rId2">
+            <a:extLst>
+              <a:ext uri="{28A0092B-C50C-407E-A947-70E740481C1C}">
+                <a14:useLocalDpi xmlns:a14="http://schemas.microsoft.com/office/drawing/2010/main"/>
+              </a:ext>
+            </a:extLst>
+          </a:blip>
+          <a:srcRect/>
+          <a:stretch>
+            <a:fillRect/>
+          </a:stretch>
+        </p:blipFill>
+        <p:spPr bwMode="auto">
+          <a:xfrm>
+            <a:off x="152400" y="5844711"/>
+            <a:ext cx="867180" cy="946013"/>
+          </a:xfrm>
+          <a:prstGeom prst="rect">
+            <a:avLst/>
+          </a:prstGeom>
+          <a:noFill/>
+          <a:ln>
+            <a:noFill/>
+          </a:ln>
+          <a:effectLst/>
+          <a:extLst>
+            <a:ext uri="{909E8E84-426E-40DD-AFC4-6F175D3DCCD1}">
+              <a14:hiddenFill xmlns:a14="http://schemas.microsoft.com/office/drawing/2010/main">
+                <a:solidFill>
+                  <a:schemeClr val="accent1"/>
+                </a:solidFill>
+              </a14:hiddenFill>
+            </a:ext>
+            <a:ext uri="{91240B29-F687-4F45-9708-019B960494DF}">
+              <a14:hiddenLine xmlns:a14="http://schemas.microsoft.com/office/drawing/2010/main" w="9525">
+                <a:solidFill>
+                  <a:schemeClr val="tx1"/>
+                </a:solidFill>
+                <a:miter lim="800000"/>
+                <a:headEnd/>
+                <a:tailEnd/>
+              </a14:hiddenLine>
+            </a:ext>
+            <a:ext uri="{AF507438-7753-43E0-B8FC-AC1667EBCBE1}">
+              <a14:hiddenEffects xmlns:a14="http://schemas.microsoft.com/office/drawing/2010/main">
+                <a:effectLst>
+                  <a:outerShdw dist="35921" dir="2700000" algn="ctr" rotWithShape="0">
+                    <a:schemeClr val="bg2"/>
+                  </a:outerShdw>
+                </a:effectLst>
+              </a14:hiddenEffects>
+            </a:ext>
+          </a:extLst>
+        </p:spPr>
+      </p:pic>
+      <p:sp>
+        <p:nvSpPr>
+          <p:cNvPr id="3" name="Title 1"/>
+          <p:cNvSpPr txBox="1">
+            <a:spLocks/>
+          </p:cNvSpPr>
+          <p:nvPr/>
+        </p:nvSpPr>
+        <p:spPr>
+          <a:xfrm>
+            <a:off x="2209800" y="228600"/>
+            <a:ext cx="6643321" cy="1031080"/>
+          </a:xfrm>
+          <a:prstGeom prst="rect">
+            <a:avLst/>
+          </a:prstGeom>
+        </p:spPr>
+        <p:txBody>
+          <a:bodyPr anchor="ctr" anchorCtr="0">
+            <a:noAutofit/>
+          </a:bodyPr>
+          <a:lstStyle>
+            <a:lvl1pPr algn="r" rtl="0" eaLnBrk="0" fontAlgn="base" hangingPunct="0">
+              <a:lnSpc>
+                <a:spcPts val="4000"/>
+              </a:lnSpc>
+              <a:spcBef>
+                <a:spcPct val="0"/>
+              </a:spcBef>
+              <a:spcAft>
+                <a:spcPct val="0"/>
+              </a:spcAft>
+              <a:defRPr lang="en-US" sz="4000" b="1" kern="1200" baseline="0" dirty="0">
+                <a:ln w="500">
+                  <a:noFill/>
+                </a:ln>
+                <a:solidFill>
+                  <a:schemeClr val="tx2"/>
+                </a:solidFill>
+                <a:effectLst>
+                  <a:outerShdw blurRad="38100" dist="38100" dir="2700000" algn="tl">
+                    <a:srgbClr val="000000">
+                      <a:alpha val="43137"/>
+                    </a:srgbClr>
+                  </a:outerShdw>
+                  <a:reflection blurRad="12700" stA="20000" endPos="50000" dist="12700" dir="5400000" sy="-100000" algn="bl" rotWithShape="0"/>
+                </a:effectLst>
+                <a:latin typeface="+mj-lt"/>
+                <a:ea typeface="+mj-ea"/>
+                <a:cs typeface="+mj-cs"/>
+              </a:defRPr>
+            </a:lvl1pPr>
+            <a:lvl2pPr algn="r" rtl="0" eaLnBrk="0" fontAlgn="base" hangingPunct="0">
+              <a:spcBef>
+                <a:spcPct val="0"/>
+              </a:spcBef>
+              <a:spcAft>
+                <a:spcPct val="0"/>
+              </a:spcAft>
+              <a:defRPr sz="3000" b="1">
+                <a:solidFill>
+                  <a:schemeClr val="tx2"/>
+                </a:solidFill>
+                <a:latin typeface="Corbel" pitchFamily="34" charset="0"/>
+              </a:defRPr>
+            </a:lvl2pPr>
+            <a:lvl3pPr algn="r" rtl="0" eaLnBrk="0" fontAlgn="base" hangingPunct="0">
+              <a:spcBef>
+                <a:spcPct val="0"/>
+              </a:spcBef>
+              <a:spcAft>
+                <a:spcPct val="0"/>
+              </a:spcAft>
+              <a:defRPr sz="3000" b="1">
+                <a:solidFill>
+                  <a:schemeClr val="tx2"/>
+                </a:solidFill>
+                <a:latin typeface="Corbel" pitchFamily="34" charset="0"/>
+              </a:defRPr>
+            </a:lvl3pPr>
+            <a:lvl4pPr algn="r" rtl="0" eaLnBrk="0" fontAlgn="base" hangingPunct="0">
+              <a:spcBef>
+                <a:spcPct val="0"/>
+              </a:spcBef>
+              <a:spcAft>
+                <a:spcPct val="0"/>
+              </a:spcAft>
+              <a:defRPr sz="3000" b="1">
+                <a:solidFill>
+                  <a:schemeClr val="tx2"/>
+                </a:solidFill>
+                <a:latin typeface="Corbel" pitchFamily="34" charset="0"/>
+              </a:defRPr>
+            </a:lvl4pPr>
+            <a:lvl5pPr algn="r" rtl="0" eaLnBrk="0" fontAlgn="base" hangingPunct="0">
+              <a:spcBef>
+                <a:spcPct val="0"/>
+              </a:spcBef>
+              <a:spcAft>
+                <a:spcPct val="0"/>
+              </a:spcAft>
+              <a:defRPr sz="3000" b="1">
+                <a:solidFill>
+                  <a:schemeClr val="tx2"/>
+                </a:solidFill>
+                <a:latin typeface="Corbel" pitchFamily="34" charset="0"/>
+              </a:defRPr>
+            </a:lvl5pPr>
+            <a:lvl6pPr marL="457200" algn="r" rtl="0" fontAlgn="base">
+              <a:spcBef>
+                <a:spcPct val="0"/>
+              </a:spcBef>
+              <a:spcAft>
+                <a:spcPct val="0"/>
+              </a:spcAft>
+              <a:defRPr sz="3000" b="1">
+                <a:solidFill>
+                  <a:schemeClr val="tx2"/>
+                </a:solidFill>
+                <a:latin typeface="Corbel" pitchFamily="34" charset="0"/>
+              </a:defRPr>
+            </a:lvl6pPr>
+            <a:lvl7pPr marL="914400" algn="r" rtl="0" fontAlgn="base">
+              <a:spcBef>
+                <a:spcPct val="0"/>
+              </a:spcBef>
+              <a:spcAft>
+                <a:spcPct val="0"/>
+              </a:spcAft>
+              <a:defRPr sz="3000" b="1">
+                <a:solidFill>
+                  <a:schemeClr val="tx2"/>
+                </a:solidFill>
+                <a:latin typeface="Corbel" pitchFamily="34" charset="0"/>
+              </a:defRPr>
+            </a:lvl7pPr>
+            <a:lvl8pPr marL="1371600" algn="r" rtl="0" fontAlgn="base">
+              <a:spcBef>
+                <a:spcPct val="0"/>
+              </a:spcBef>
+              <a:spcAft>
+                <a:spcPct val="0"/>
+              </a:spcAft>
+              <a:defRPr sz="3000" b="1">
+                <a:solidFill>
+                  <a:schemeClr val="tx2"/>
+                </a:solidFill>
+                <a:latin typeface="Corbel" pitchFamily="34" charset="0"/>
+              </a:defRPr>
+            </a:lvl8pPr>
+            <a:lvl9pPr marL="1828800" algn="r" rtl="0" fontAlgn="base">
+              <a:spcBef>
+                <a:spcPct val="0"/>
+              </a:spcBef>
+              <a:spcAft>
+                <a:spcPct val="0"/>
+              </a:spcAft>
+              <a:defRPr sz="3000" b="1">
+                <a:solidFill>
+                  <a:schemeClr val="tx2"/>
+                </a:solidFill>
+                <a:latin typeface="Corbel" pitchFamily="34" charset="0"/>
+              </a:defRPr>
+            </a:lvl9pPr>
+          </a:lstStyle>
+          <a:p>
+            <a:pPr>
+              <a:lnSpc>
+                <a:spcPct val="100000"/>
+              </a:lnSpc>
+            </a:pPr>
+            <a:r>
+              <a:rPr lang="en-US" sz="4700" smtClean="0"/>
+              <a:t>Team Phosphorus</a:t>
+            </a:r>
+            <a:br>
+              <a:rPr lang="en-US" sz="4700" smtClean="0"/>
+            </a:br>
+            <a:r>
+              <a:rPr lang="en-US" sz="2200" smtClean="0"/>
+              <a:t>HQC TeamWork</a:t>
+            </a:r>
+            <a:endParaRPr lang="en-US" sz="2200"/>
+          </a:p>
+        </p:txBody>
+      </p:sp>
+      <p:sp>
+        <p:nvSpPr>
+          <p:cNvPr id="4" name="Text Placeholder 5"/>
+          <p:cNvSpPr>
+            <a:spLocks noGrp="1"/>
+          </p:cNvSpPr>
+          <p:nvPr/>
+        </p:nvSpPr>
+        <p:spPr>
+          <a:xfrm>
+            <a:off x="1078743" y="6240922"/>
+            <a:ext cx="6972299" cy="369332"/>
+          </a:xfrm>
+          <a:prstGeom prst="rect">
+            <a:avLst/>
+          </a:prstGeom>
+          <a:noFill/>
+        </p:spPr>
+        <p:txBody>
+          <a:bodyPr wrap="square" rtlCol="0">
+            <a:spAutoFit/>
+          </a:bodyPr>
+          <a:lstStyle>
+            <a:lvl1pPr marL="319088" indent="-319088" algn="l" rtl="0" eaLnBrk="0" fontAlgn="base" hangingPunct="0">
+              <a:spcBef>
+                <a:spcPct val="0"/>
+              </a:spcBef>
+              <a:spcAft>
+                <a:spcPct val="0"/>
+              </a:spcAft>
+              <a:buClr>
+                <a:schemeClr val="accent5">
+                  <a:lumMod val="40000"/>
+                  <a:lumOff val="60000"/>
+                </a:schemeClr>
+              </a:buClr>
+              <a:buSzPct val="70000"/>
+              <a:buFont typeface="Wingdings 2" pitchFamily="18" charset="2"/>
+              <a:buNone/>
+              <a:defRPr lang="en-US" sz="2000" b="1" kern="1200" dirty="0" smtClean="0">
+                <a:solidFill>
+                  <a:schemeClr val="tx2">
+                    <a:lumMod val="50000"/>
+                  </a:schemeClr>
+                </a:solidFill>
+                <a:effectLst>
+                  <a:outerShdw blurRad="38100" dist="38100" dir="2700000" algn="tl">
+                    <a:srgbClr val="000000">
+                      <a:alpha val="43137"/>
+                    </a:srgbClr>
+                  </a:outerShdw>
+                </a:effectLst>
+                <a:latin typeface="Corbel" pitchFamily="34" charset="0"/>
+                <a:ea typeface="+mn-ea"/>
+                <a:cs typeface="+mn-cs"/>
+              </a:defRPr>
+            </a:lvl1pPr>
+            <a:lvl2pPr marL="630238" indent="-273050" algn="l" rtl="0" eaLnBrk="0" fontAlgn="base" hangingPunct="0">
+              <a:spcBef>
+                <a:spcPct val="20000"/>
+              </a:spcBef>
+              <a:spcAft>
+                <a:spcPct val="0"/>
+              </a:spcAft>
+              <a:buClr>
+                <a:schemeClr val="accent2">
+                  <a:lumMod val="60000"/>
+                  <a:lumOff val="40000"/>
+                </a:schemeClr>
+              </a:buClr>
+              <a:buFont typeface="Wingdings 2" pitchFamily="18" charset="2"/>
+              <a:buChar char=""/>
+              <a:defRPr sz="3000" b="1" kern="1200">
+                <a:solidFill>
+                  <a:schemeClr val="tx1">
+                    <a:lumMod val="20000"/>
+                    <a:lumOff val="80000"/>
+                  </a:schemeClr>
+                </a:solidFill>
+                <a:effectLst>
+                  <a:outerShdw blurRad="38100" dist="38100" dir="2700000" algn="tl">
+                    <a:srgbClr val="000000">
+                      <a:alpha val="43137"/>
+                    </a:srgbClr>
+                  </a:outerShdw>
+                </a:effectLst>
+                <a:latin typeface="+mn-lt"/>
+                <a:ea typeface="+mn-ea"/>
+                <a:cs typeface="+mn-cs"/>
+              </a:defRPr>
+            </a:lvl2pPr>
+            <a:lvl3pPr marL="922338" indent="-273050" algn="l" rtl="0" eaLnBrk="0" fontAlgn="base" hangingPunct="0">
+              <a:spcBef>
+                <a:spcPct val="20000"/>
+              </a:spcBef>
+              <a:spcAft>
+                <a:spcPct val="0"/>
+              </a:spcAft>
+              <a:buClr>
+                <a:schemeClr val="tx1">
+                  <a:lumMod val="50000"/>
+                </a:schemeClr>
+              </a:buClr>
+              <a:buFont typeface="Wingdings 2" pitchFamily="18" charset="2"/>
+              <a:buChar char=""/>
+              <a:defRPr sz="2800" b="1" kern="1200">
+                <a:solidFill>
+                  <a:schemeClr val="tx1">
+                    <a:lumMod val="20000"/>
+                    <a:lumOff val="80000"/>
+                  </a:schemeClr>
+                </a:solidFill>
+                <a:effectLst>
+                  <a:outerShdw blurRad="38100" dist="38100" dir="2700000" algn="tl">
+                    <a:srgbClr val="000000">
+                      <a:alpha val="43137"/>
+                    </a:srgbClr>
+                  </a:outerShdw>
+                </a:effectLst>
+                <a:latin typeface="+mn-lt"/>
+                <a:ea typeface="+mn-ea"/>
+                <a:cs typeface="+mn-cs"/>
+              </a:defRPr>
+            </a:lvl3pPr>
+            <a:lvl4pPr marL="1187450" indent="-228600" algn="l" rtl="0" eaLnBrk="0" fontAlgn="base" hangingPunct="0">
+              <a:spcBef>
+                <a:spcPct val="20000"/>
+              </a:spcBef>
+              <a:spcAft>
+                <a:spcPct val="0"/>
+              </a:spcAft>
+              <a:buClr>
+                <a:srgbClr val="F8BD52"/>
+              </a:buClr>
+              <a:buFont typeface="Wingdings 2" pitchFamily="18" charset="2"/>
+              <a:buChar char=""/>
+              <a:defRPr sz="2600" b="1" kern="1200">
+                <a:solidFill>
+                  <a:schemeClr val="tx1">
+                    <a:lumMod val="20000"/>
+                    <a:lumOff val="80000"/>
+                  </a:schemeClr>
+                </a:solidFill>
+                <a:effectLst>
+                  <a:outerShdw blurRad="38100" dist="38100" dir="2700000" algn="tl">
+                    <a:srgbClr val="000000">
+                      <a:alpha val="43137"/>
+                    </a:srgbClr>
+                  </a:outerShdw>
+                </a:effectLst>
+                <a:latin typeface="+mn-lt"/>
+                <a:ea typeface="+mn-ea"/>
+                <a:cs typeface="+mn-cs"/>
+              </a:defRPr>
+            </a:lvl4pPr>
+            <a:lvl5pPr marL="1425575" indent="-228600" algn="l" rtl="0" eaLnBrk="0" fontAlgn="base" hangingPunct="0">
+              <a:spcBef>
+                <a:spcPct val="20000"/>
+              </a:spcBef>
+              <a:spcAft>
+                <a:spcPct val="0"/>
+              </a:spcAft>
+              <a:buClr>
+                <a:srgbClr val="46A6BD"/>
+              </a:buClr>
+              <a:buFont typeface="Wingdings 2" pitchFamily="18" charset="2"/>
+              <a:buChar char=""/>
+              <a:defRPr sz="2400" b="1" kern="1200">
+                <a:solidFill>
+                  <a:schemeClr val="tx1">
+                    <a:lumMod val="20000"/>
+                    <a:lumOff val="80000"/>
+                  </a:schemeClr>
+                </a:solidFill>
+                <a:effectLst>
+                  <a:outerShdw blurRad="38100" dist="38100" dir="2700000" algn="tl">
+                    <a:srgbClr val="000000">
+                      <a:alpha val="43137"/>
+                    </a:srgbClr>
+                  </a:outerShdw>
+                </a:effectLst>
+                <a:latin typeface="+mn-lt"/>
+                <a:ea typeface="+mn-ea"/>
+                <a:cs typeface="+mn-cs"/>
+              </a:defRPr>
+            </a:lvl5pPr>
+            <a:lvl6pPr marL="1673352" indent="-228600" algn="l" rtl="0" eaLnBrk="1" latinLnBrk="0" hangingPunct="1">
+              <a:spcBef>
+                <a:spcPct val="20000"/>
+              </a:spcBef>
+              <a:buClr>
+                <a:schemeClr val="accent6"/>
+              </a:buClr>
+              <a:buFont typeface="Wingdings 2"/>
+              <a:buChar char=""/>
+              <a:defRPr sz="1800" kern="1200">
+                <a:solidFill>
+                  <a:schemeClr val="tx1"/>
+                </a:solidFill>
+                <a:latin typeface="+mn-lt"/>
+                <a:ea typeface="+mn-ea"/>
+                <a:cs typeface="+mn-cs"/>
+              </a:defRPr>
+            </a:lvl6pPr>
+            <a:lvl7pPr marL="1911096" indent="-228600" algn="l" rtl="0" eaLnBrk="1" latinLnBrk="0" hangingPunct="1">
+              <a:spcBef>
+                <a:spcPct val="20000"/>
+              </a:spcBef>
+              <a:buClr>
+                <a:schemeClr val="tx2"/>
+              </a:buClr>
+              <a:buFont typeface="Wingdings 2"/>
+              <a:buChar char=""/>
+              <a:defRPr sz="1600" kern="1200">
+                <a:solidFill>
+                  <a:schemeClr val="tx1"/>
+                </a:solidFill>
+                <a:latin typeface="+mn-lt"/>
+                <a:ea typeface="+mn-ea"/>
+                <a:cs typeface="+mn-cs"/>
+              </a:defRPr>
+            </a:lvl7pPr>
+            <a:lvl8pPr marL="2121408" indent="-182880" algn="l" rtl="0" eaLnBrk="1" latinLnBrk="0" hangingPunct="1">
+              <a:spcBef>
+                <a:spcPct val="20000"/>
+              </a:spcBef>
+              <a:buClr>
+                <a:schemeClr val="tx2"/>
+              </a:buClr>
+              <a:buFont typeface="Wingdings 2"/>
+              <a:buChar char=""/>
+              <a:defRPr sz="1400" kern="1200">
+                <a:solidFill>
+                  <a:schemeClr val="tx1"/>
+                </a:solidFill>
+                <a:latin typeface="+mn-lt"/>
+                <a:ea typeface="+mn-ea"/>
+                <a:cs typeface="+mn-cs"/>
+              </a:defRPr>
+            </a:lvl8pPr>
+            <a:lvl9pPr marL="2322576" indent="-182880" algn="l" rtl="0" eaLnBrk="1" latinLnBrk="0" hangingPunct="1">
+              <a:spcBef>
+                <a:spcPct val="20000"/>
+              </a:spcBef>
+              <a:buClr>
+                <a:schemeClr val="tx2"/>
+              </a:buClr>
+              <a:buFont typeface="Wingdings 2"/>
+              <a:buChar char=""/>
+              <a:defRPr sz="1400" kern="1200">
+                <a:solidFill>
+                  <a:schemeClr val="tx1"/>
+                </a:solidFill>
+                <a:latin typeface="+mn-lt"/>
+                <a:ea typeface="+mn-ea"/>
+                <a:cs typeface="+mn-cs"/>
+              </a:defRPr>
+            </a:lvl9pPr>
+          </a:lstStyle>
+          <a:p>
+            <a:pPr algn="ctr"/>
+            <a:r>
+              <a:rPr lang="en-US" sz="1800" dirty="0">
+                <a:effectLst/>
+              </a:rPr>
+              <a:t>Project URL: </a:t>
+            </a:r>
+            <a:r>
+              <a:rPr lang="en-US" sz="1800" dirty="0">
+                <a:hlinkClick r:id="rId3"/>
+              </a:rPr>
+              <a:t>https://github.com/lolotobg/hangman</a:t>
+            </a:r>
+            <a:endParaRPr lang="en-US" sz="1800" dirty="0"/>
+          </a:p>
+        </p:txBody>
+      </p:sp>
+      <p:pic>
+        <p:nvPicPr>
+          <p:cNvPr id="5" name="Picture 2" descr="C:\Users\pirin\Documents\GitHub\hangman\Docs\CodeCoverage.png"/>
+          <p:cNvPicPr>
+            <a:picLocks noChangeAspect="1" noChangeArrowheads="1"/>
+          </p:cNvPicPr>
+          <p:nvPr/>
+        </p:nvPicPr>
+        <p:blipFill>
+          <a:blip r:embed="rId4">
+            <a:extLst>
+              <a:ext uri="{28A0092B-C50C-407E-A947-70E740481C1C}">
+                <a14:useLocalDpi xmlns:a14="http://schemas.microsoft.com/office/drawing/2010/main" val="0"/>
+              </a:ext>
+            </a:extLst>
+          </a:blip>
+          <a:srcRect/>
+          <a:stretch>
+            <a:fillRect/>
+          </a:stretch>
+        </p:blipFill>
+        <p:spPr bwMode="auto">
+          <a:xfrm>
+            <a:off x="304800" y="1905000"/>
+            <a:ext cx="8628939" cy="2971800"/>
+          </a:xfrm>
+          <a:prstGeom prst="rect">
+            <a:avLst/>
+          </a:prstGeom>
+          <a:noFill/>
+          <a:extLst>
+            <a:ext uri="{909E8E84-426E-40DD-AFC4-6F175D3DCCD1}">
+              <a14:hiddenFill xmlns:a14="http://schemas.microsoft.com/office/drawing/2010/main">
+                <a:solidFill>
+                  <a:srgbClr val="FFFFFF"/>
+                </a:solidFill>
+              </a14:hiddenFill>
+            </a:ext>
+          </a:extLst>
+        </p:spPr>
+      </p:pic>
+      <p:pic>
+        <p:nvPicPr>
+          <p:cNvPr id="6" name="Picture 2" descr="http://www.p15.org.uk/logo.gif"/>
+          <p:cNvPicPr>
+            <a:picLocks noChangeAspect="1" noChangeArrowheads="1"/>
+          </p:cNvPicPr>
+          <p:nvPr/>
+        </p:nvPicPr>
+        <p:blipFill>
+          <a:blip r:embed="rId5">
+            <a:extLst>
+              <a:ext uri="{28A0092B-C50C-407E-A947-70E740481C1C}">
+                <a14:useLocalDpi xmlns:a14="http://schemas.microsoft.com/office/drawing/2010/main" val="0"/>
+              </a:ext>
+            </a:extLst>
+          </a:blip>
+          <a:srcRect/>
+          <a:stretch>
+            <a:fillRect/>
+          </a:stretch>
+        </p:blipFill>
+        <p:spPr bwMode="auto">
+          <a:xfrm>
+            <a:off x="7838235" y="5713183"/>
+            <a:ext cx="1067345" cy="1009651"/>
+          </a:xfrm>
+          <a:prstGeom prst="rect">
+            <a:avLst/>
+          </a:prstGeom>
+          <a:noFill/>
+          <a:extLst>
+            <a:ext uri="{909E8E84-426E-40DD-AFC4-6F175D3DCCD1}">
+              <a14:hiddenFill xmlns:a14="http://schemas.microsoft.com/office/drawing/2010/main">
+                <a:solidFill>
+                  <a:srgbClr val="FFFFFF"/>
+                </a:solidFill>
+              </a14:hiddenFill>
+            </a:ext>
+          </a:extLst>
+        </p:spPr>
+      </p:pic>
+    </p:spTree>
+    <p:extLst>
+      <p:ext uri="{BB962C8B-B14F-4D97-AF65-F5344CB8AC3E}">
+        <p14:creationId xmlns:p14="http://schemas.microsoft.com/office/powerpoint/2010/main" val="2352768043"/>
+      </p:ext>
+    </p:extLst>
+  </p:cSld>
+  <p:clrMapOvr>
+    <a:masterClrMapping/>
+  </p:clrMapOvr>
+  <mc:AlternateContent xmlns:mc="http://schemas.openxmlformats.org/markup-compatibility/2006" xmlns:p14="http://schemas.microsoft.com/office/powerpoint/2010/main">
+    <mc:Choice Requires="p14">
+      <p:transition p14:dur="0"/>
+    </mc:Choice>
+    <mc:Fallback xmlns="">
+      <p:transition/>
+    </mc:Fallback>
+  </mc:AlternateContent>
+  <p:timing>
+    <p:tnLst>
+      <p:par>
+        <p:cTn id="1" dur="indefinite" restart="never" nodeType="tmRoot"/>
+      </p:par>
+    </p:tnLst>
+  </p:timing>
+</p:sld>
+</file>
+
+<file path=ppt/slides/slide5.xml><?xml version="1.0" encoding="utf-8"?>
+<p:sld xmlns:a="http://schemas.openxmlformats.org/drawingml/2006/main" xmlns:r="http://schemas.openxmlformats.org/officeDocument/2006/relationships" xmlns:p="http://schemas.openxmlformats.org/presentationml/2006/main">
+  <p:cSld>
+    <p:spTree>
+      <p:nvGrpSpPr>
+        <p:cNvPr id="1" name=""/>
+        <p:cNvGrpSpPr/>
+        <p:nvPr/>
+      </p:nvGrpSpPr>
+      <p:grpSpPr>
+        <a:xfrm>
+          <a:off x="0" y="0"/>
+          <a:ext cx="0" cy="0"/>
+          <a:chOff x="0" y="0"/>
+          <a:chExt cx="0" cy="0"/>
+        </a:xfrm>
+      </p:grpSpPr>
+      <p:pic>
+        <p:nvPicPr>
+          <p:cNvPr id="2" name="Picture 5"/>
           <p:cNvPicPr>
             <a:picLocks noChangeAspect="1" noChangeArrowheads="1"/>
           </p:cNvPicPr>
@@ -8325,23 +9302,500 @@
       </p:pic>
       <p:sp>
         <p:nvSpPr>
-          <p:cNvPr id="22" name="Title 1"/>
+          <p:cNvPr id="3" name="Text Placeholder 4"/>
           <p:cNvSpPr>
             <a:spLocks noGrp="1"/>
           </p:cNvSpPr>
-          <p:nvPr>
-            <p:ph type="ctrTitle"/>
-          </p:nvPr>
+          <p:nvPr/>
+        </p:nvSpPr>
+        <p:spPr>
+          <a:xfrm>
+            <a:off x="796550" y="2073057"/>
+            <a:ext cx="7966450" cy="3108543"/>
+          </a:xfrm>
+          <a:prstGeom prst="rect">
+            <a:avLst/>
+          </a:prstGeom>
+          <a:noFill/>
+        </p:spPr>
+        <p:txBody>
+          <a:bodyPr wrap="square" rtlCol="0">
+            <a:spAutoFit/>
+          </a:bodyPr>
+          <a:lstStyle>
+            <a:lvl1pPr marL="319088" indent="-319088" algn="l" rtl="0" eaLnBrk="0" fontAlgn="base" hangingPunct="0">
+              <a:spcBef>
+                <a:spcPct val="0"/>
+              </a:spcBef>
+              <a:spcAft>
+                <a:spcPct val="0"/>
+              </a:spcAft>
+              <a:buClr>
+                <a:schemeClr val="accent5">
+                  <a:lumMod val="40000"/>
+                  <a:lumOff val="60000"/>
+                </a:schemeClr>
+              </a:buClr>
+              <a:buSzPct val="70000"/>
+              <a:buFont typeface="Wingdings 2" pitchFamily="18" charset="2"/>
+              <a:buNone/>
+              <a:defRPr lang="en-US" sz="2800" b="1" kern="1200" dirty="0" smtClean="0">
+                <a:solidFill>
+                  <a:srgbClr val="DEFF9B"/>
+                </a:solidFill>
+                <a:effectLst>
+                  <a:outerShdw blurRad="38100" dist="38100" dir="2700000" algn="tl">
+                    <a:srgbClr val="000000">
+                      <a:alpha val="43137"/>
+                    </a:srgbClr>
+                  </a:outerShdw>
+                </a:effectLst>
+                <a:latin typeface="Corbel" pitchFamily="34" charset="0"/>
+                <a:ea typeface="+mn-ea"/>
+                <a:cs typeface="+mn-cs"/>
+              </a:defRPr>
+            </a:lvl1pPr>
+            <a:lvl2pPr marL="630238" indent="-273050" algn="l" rtl="0" eaLnBrk="0" fontAlgn="base" hangingPunct="0">
+              <a:spcBef>
+                <a:spcPct val="20000"/>
+              </a:spcBef>
+              <a:spcAft>
+                <a:spcPct val="0"/>
+              </a:spcAft>
+              <a:buClr>
+                <a:schemeClr val="accent2">
+                  <a:lumMod val="60000"/>
+                  <a:lumOff val="40000"/>
+                </a:schemeClr>
+              </a:buClr>
+              <a:buFont typeface="Wingdings 2" pitchFamily="18" charset="2"/>
+              <a:buChar char=""/>
+              <a:defRPr sz="3000" b="1" kern="1200">
+                <a:solidFill>
+                  <a:schemeClr val="tx1">
+                    <a:lumMod val="20000"/>
+                    <a:lumOff val="80000"/>
+                  </a:schemeClr>
+                </a:solidFill>
+                <a:effectLst>
+                  <a:outerShdw blurRad="38100" dist="38100" dir="2700000" algn="tl">
+                    <a:srgbClr val="000000">
+                      <a:alpha val="43137"/>
+                    </a:srgbClr>
+                  </a:outerShdw>
+                </a:effectLst>
+                <a:latin typeface="+mn-lt"/>
+                <a:ea typeface="+mn-ea"/>
+                <a:cs typeface="+mn-cs"/>
+              </a:defRPr>
+            </a:lvl2pPr>
+            <a:lvl3pPr marL="922338" indent="-273050" algn="l" rtl="0" eaLnBrk="0" fontAlgn="base" hangingPunct="0">
+              <a:spcBef>
+                <a:spcPct val="20000"/>
+              </a:spcBef>
+              <a:spcAft>
+                <a:spcPct val="0"/>
+              </a:spcAft>
+              <a:buClr>
+                <a:schemeClr val="tx1">
+                  <a:lumMod val="50000"/>
+                </a:schemeClr>
+              </a:buClr>
+              <a:buFont typeface="Wingdings 2" pitchFamily="18" charset="2"/>
+              <a:buChar char=""/>
+              <a:defRPr sz="2800" b="1" kern="1200">
+                <a:solidFill>
+                  <a:schemeClr val="tx1">
+                    <a:lumMod val="20000"/>
+                    <a:lumOff val="80000"/>
+                  </a:schemeClr>
+                </a:solidFill>
+                <a:effectLst>
+                  <a:outerShdw blurRad="38100" dist="38100" dir="2700000" algn="tl">
+                    <a:srgbClr val="000000">
+                      <a:alpha val="43137"/>
+                    </a:srgbClr>
+                  </a:outerShdw>
+                </a:effectLst>
+                <a:latin typeface="+mn-lt"/>
+                <a:ea typeface="+mn-ea"/>
+                <a:cs typeface="+mn-cs"/>
+              </a:defRPr>
+            </a:lvl3pPr>
+            <a:lvl4pPr marL="1187450" indent="-228600" algn="l" rtl="0" eaLnBrk="0" fontAlgn="base" hangingPunct="0">
+              <a:spcBef>
+                <a:spcPct val="20000"/>
+              </a:spcBef>
+              <a:spcAft>
+                <a:spcPct val="0"/>
+              </a:spcAft>
+              <a:buClr>
+                <a:srgbClr val="F8BD52"/>
+              </a:buClr>
+              <a:buFont typeface="Wingdings 2" pitchFamily="18" charset="2"/>
+              <a:buChar char=""/>
+              <a:defRPr sz="2600" b="1" kern="1200">
+                <a:solidFill>
+                  <a:schemeClr val="tx1">
+                    <a:lumMod val="20000"/>
+                    <a:lumOff val="80000"/>
+                  </a:schemeClr>
+                </a:solidFill>
+                <a:effectLst>
+                  <a:outerShdw blurRad="38100" dist="38100" dir="2700000" algn="tl">
+                    <a:srgbClr val="000000">
+                      <a:alpha val="43137"/>
+                    </a:srgbClr>
+                  </a:outerShdw>
+                </a:effectLst>
+                <a:latin typeface="+mn-lt"/>
+                <a:ea typeface="+mn-ea"/>
+                <a:cs typeface="+mn-cs"/>
+              </a:defRPr>
+            </a:lvl4pPr>
+            <a:lvl5pPr marL="1425575" indent="-228600" algn="l" rtl="0" eaLnBrk="0" fontAlgn="base" hangingPunct="0">
+              <a:spcBef>
+                <a:spcPct val="20000"/>
+              </a:spcBef>
+              <a:spcAft>
+                <a:spcPct val="0"/>
+              </a:spcAft>
+              <a:buClr>
+                <a:srgbClr val="46A6BD"/>
+              </a:buClr>
+              <a:buFont typeface="Wingdings 2" pitchFamily="18" charset="2"/>
+              <a:buChar char=""/>
+              <a:defRPr sz="2400" b="1" kern="1200">
+                <a:solidFill>
+                  <a:schemeClr val="tx1">
+                    <a:lumMod val="20000"/>
+                    <a:lumOff val="80000"/>
+                  </a:schemeClr>
+                </a:solidFill>
+                <a:effectLst>
+                  <a:outerShdw blurRad="38100" dist="38100" dir="2700000" algn="tl">
+                    <a:srgbClr val="000000">
+                      <a:alpha val="43137"/>
+                    </a:srgbClr>
+                  </a:outerShdw>
+                </a:effectLst>
+                <a:latin typeface="+mn-lt"/>
+                <a:ea typeface="+mn-ea"/>
+                <a:cs typeface="+mn-cs"/>
+              </a:defRPr>
+            </a:lvl5pPr>
+            <a:lvl6pPr marL="1673352" indent="-228600" algn="l" rtl="0" eaLnBrk="1" latinLnBrk="0" hangingPunct="1">
+              <a:spcBef>
+                <a:spcPct val="20000"/>
+              </a:spcBef>
+              <a:buClr>
+                <a:schemeClr val="accent6"/>
+              </a:buClr>
+              <a:buFont typeface="Wingdings 2"/>
+              <a:buChar char=""/>
+              <a:defRPr sz="1800" kern="1200">
+                <a:solidFill>
+                  <a:schemeClr val="tx1"/>
+                </a:solidFill>
+                <a:latin typeface="+mn-lt"/>
+                <a:ea typeface="+mn-ea"/>
+                <a:cs typeface="+mn-cs"/>
+              </a:defRPr>
+            </a:lvl6pPr>
+            <a:lvl7pPr marL="1911096" indent="-228600" algn="l" rtl="0" eaLnBrk="1" latinLnBrk="0" hangingPunct="1">
+              <a:spcBef>
+                <a:spcPct val="20000"/>
+              </a:spcBef>
+              <a:buClr>
+                <a:schemeClr val="tx2"/>
+              </a:buClr>
+              <a:buFont typeface="Wingdings 2"/>
+              <a:buChar char=""/>
+              <a:defRPr sz="1600" kern="1200">
+                <a:solidFill>
+                  <a:schemeClr val="tx1"/>
+                </a:solidFill>
+                <a:latin typeface="+mn-lt"/>
+                <a:ea typeface="+mn-ea"/>
+                <a:cs typeface="+mn-cs"/>
+              </a:defRPr>
+            </a:lvl7pPr>
+            <a:lvl8pPr marL="2121408" indent="-182880" algn="l" rtl="0" eaLnBrk="1" latinLnBrk="0" hangingPunct="1">
+              <a:spcBef>
+                <a:spcPct val="20000"/>
+              </a:spcBef>
+              <a:buClr>
+                <a:schemeClr val="tx2"/>
+              </a:buClr>
+              <a:buFont typeface="Wingdings 2"/>
+              <a:buChar char=""/>
+              <a:defRPr sz="1400" kern="1200">
+                <a:solidFill>
+                  <a:schemeClr val="tx1"/>
+                </a:solidFill>
+                <a:latin typeface="+mn-lt"/>
+                <a:ea typeface="+mn-ea"/>
+                <a:cs typeface="+mn-cs"/>
+              </a:defRPr>
+            </a:lvl8pPr>
+            <a:lvl9pPr marL="2322576" indent="-182880" algn="l" rtl="0" eaLnBrk="1" latinLnBrk="0" hangingPunct="1">
+              <a:spcBef>
+                <a:spcPct val="20000"/>
+              </a:spcBef>
+              <a:buClr>
+                <a:schemeClr val="tx2"/>
+              </a:buClr>
+              <a:buFont typeface="Wingdings 2"/>
+              <a:buChar char=""/>
+              <a:defRPr sz="1400" kern="1200">
+                <a:solidFill>
+                  <a:schemeClr val="tx1"/>
+                </a:solidFill>
+                <a:latin typeface="+mn-lt"/>
+                <a:ea typeface="+mn-ea"/>
+                <a:cs typeface="+mn-cs"/>
+              </a:defRPr>
+            </a:lvl9pPr>
+          </a:lstStyle>
+          <a:p>
+            <a:pPr algn="ctr"/>
+            <a:r>
+              <a:rPr lang="en-US" sz="4000" dirty="0" smtClean="0">
+                <a:effectLst/>
+              </a:rPr>
+              <a:t>Some statistics:</a:t>
+            </a:r>
+          </a:p>
+          <a:p>
+            <a:pPr algn="ctr"/>
+            <a:r>
+              <a:rPr lang="en-US" sz="3000" dirty="0" smtClean="0">
+                <a:effectLst/>
+              </a:rPr>
+              <a:t>More than 65 commits </a:t>
+            </a:r>
+          </a:p>
+          <a:p>
+            <a:pPr algn="ctr"/>
+            <a:r>
+              <a:rPr lang="en-US" sz="3000" dirty="0">
+                <a:effectLst/>
+              </a:rPr>
+              <a:t>40 tests </a:t>
+            </a:r>
+            <a:r>
+              <a:rPr lang="en-US" sz="3000" dirty="0" smtClean="0">
+                <a:effectLst/>
+              </a:rPr>
+              <a:t>introduced</a:t>
+            </a:r>
+            <a:endParaRPr lang="en-US" sz="3000" dirty="0" smtClean="0">
+              <a:effectLst/>
+            </a:endParaRPr>
+          </a:p>
+          <a:p>
+            <a:pPr algn="ctr"/>
+            <a:r>
+              <a:rPr lang="en-US" sz="3000" dirty="0" smtClean="0">
+                <a:effectLst/>
+              </a:rPr>
+              <a:t>More </a:t>
+            </a:r>
+            <a:r>
+              <a:rPr lang="en-US" sz="3000" dirty="0" smtClean="0">
+                <a:effectLst/>
+              </a:rPr>
+              <a:t>than 20 post in the facebook group</a:t>
+            </a:r>
+          </a:p>
+          <a:p>
+            <a:pPr algn="ctr"/>
+            <a:r>
+              <a:rPr lang="en-US" sz="3000" dirty="0" smtClean="0">
+                <a:effectLst/>
+              </a:rPr>
+              <a:t>More than 100 </a:t>
+            </a:r>
+            <a:r>
+              <a:rPr lang="en-US" sz="3000" dirty="0" smtClean="0">
+                <a:effectLst/>
+              </a:rPr>
+              <a:t>comments</a:t>
+            </a:r>
+          </a:p>
+          <a:p>
+            <a:pPr algn="ctr"/>
+            <a:endParaRPr lang="bg-BG" sz="3600" dirty="0">
+              <a:effectLst/>
+            </a:endParaRPr>
+          </a:p>
+        </p:txBody>
+      </p:sp>
+      <p:sp>
+        <p:nvSpPr>
+          <p:cNvPr id="4" name="Title 1"/>
+          <p:cNvSpPr txBox="1">
+            <a:spLocks/>
+          </p:cNvSpPr>
+          <p:nvPr/>
         </p:nvSpPr>
         <p:spPr>
           <a:xfrm>
             <a:off x="2209800" y="228600"/>
             <a:ext cx="6643321" cy="1031080"/>
           </a:xfrm>
+          <a:prstGeom prst="rect">
+            <a:avLst/>
+          </a:prstGeom>
         </p:spPr>
         <p:txBody>
-          <a:bodyPr/>
-          <a:lstStyle/>
+          <a:bodyPr anchor="ctr" anchorCtr="0">
+            <a:noAutofit/>
+          </a:bodyPr>
+          <a:lstStyle>
+            <a:lvl1pPr algn="r" rtl="0" eaLnBrk="0" fontAlgn="base" hangingPunct="0">
+              <a:lnSpc>
+                <a:spcPts val="4000"/>
+              </a:lnSpc>
+              <a:spcBef>
+                <a:spcPct val="0"/>
+              </a:spcBef>
+              <a:spcAft>
+                <a:spcPct val="0"/>
+              </a:spcAft>
+              <a:defRPr lang="en-US" sz="4000" b="1" kern="1200" baseline="0" dirty="0">
+                <a:ln w="500">
+                  <a:noFill/>
+                </a:ln>
+                <a:solidFill>
+                  <a:schemeClr val="tx2"/>
+                </a:solidFill>
+                <a:effectLst>
+                  <a:outerShdw blurRad="38100" dist="38100" dir="2700000" algn="tl">
+                    <a:srgbClr val="000000">
+                      <a:alpha val="43137"/>
+                    </a:srgbClr>
+                  </a:outerShdw>
+                  <a:reflection blurRad="12700" stA="20000" endPos="50000" dist="12700" dir="5400000" sy="-100000" algn="bl" rotWithShape="0"/>
+                </a:effectLst>
+                <a:latin typeface="+mj-lt"/>
+                <a:ea typeface="+mj-ea"/>
+                <a:cs typeface="+mj-cs"/>
+              </a:defRPr>
+            </a:lvl1pPr>
+            <a:lvl2pPr algn="r" rtl="0" eaLnBrk="0" fontAlgn="base" hangingPunct="0">
+              <a:spcBef>
+                <a:spcPct val="0"/>
+              </a:spcBef>
+              <a:spcAft>
+                <a:spcPct val="0"/>
+              </a:spcAft>
+              <a:defRPr sz="3000" b="1">
+                <a:solidFill>
+                  <a:schemeClr val="tx2"/>
+                </a:solidFill>
+                <a:latin typeface="Corbel" pitchFamily="34" charset="0"/>
+              </a:defRPr>
+            </a:lvl2pPr>
+            <a:lvl3pPr algn="r" rtl="0" eaLnBrk="0" fontAlgn="base" hangingPunct="0">
+              <a:spcBef>
+                <a:spcPct val="0"/>
+              </a:spcBef>
+              <a:spcAft>
+                <a:spcPct val="0"/>
+              </a:spcAft>
+              <a:defRPr sz="3000" b="1">
+                <a:solidFill>
+                  <a:schemeClr val="tx2"/>
+                </a:solidFill>
+                <a:latin typeface="Corbel" pitchFamily="34" charset="0"/>
+              </a:defRPr>
+            </a:lvl3pPr>
+            <a:lvl4pPr algn="r" rtl="0" eaLnBrk="0" fontAlgn="base" hangingPunct="0">
+              <a:spcBef>
+                <a:spcPct val="0"/>
+              </a:spcBef>
+              <a:spcAft>
+                <a:spcPct val="0"/>
+              </a:spcAft>
+              <a:defRPr sz="3000" b="1">
+                <a:solidFill>
+                  <a:schemeClr val="tx2"/>
+                </a:solidFill>
+                <a:latin typeface="Corbel" pitchFamily="34" charset="0"/>
+              </a:defRPr>
+            </a:lvl4pPr>
+            <a:lvl5pPr algn="r" rtl="0" eaLnBrk="0" fontAlgn="base" hangingPunct="0">
+              <a:spcBef>
+                <a:spcPct val="0"/>
+              </a:spcBef>
+              <a:spcAft>
+                <a:spcPct val="0"/>
+              </a:spcAft>
+              <a:defRPr sz="3000" b="1">
+                <a:solidFill>
+                  <a:schemeClr val="tx2"/>
+                </a:solidFill>
+                <a:latin typeface="Corbel" pitchFamily="34" charset="0"/>
+              </a:defRPr>
+            </a:lvl5pPr>
+            <a:lvl6pPr marL="457200" algn="r" rtl="0" fontAlgn="base">
+              <a:spcBef>
+                <a:spcPct val="0"/>
+              </a:spcBef>
+              <a:spcAft>
+                <a:spcPct val="0"/>
+              </a:spcAft>
+              <a:defRPr sz="3000" b="1">
+                <a:solidFill>
+                  <a:schemeClr val="tx2"/>
+                </a:solidFill>
+                <a:latin typeface="Corbel" pitchFamily="34" charset="0"/>
+              </a:defRPr>
+            </a:lvl6pPr>
+            <a:lvl7pPr marL="914400" algn="r" rtl="0" fontAlgn="base">
+              <a:spcBef>
+                <a:spcPct val="0"/>
+              </a:spcBef>
+              <a:spcAft>
+                <a:spcPct val="0"/>
+              </a:spcAft>
+              <a:defRPr sz="3000" b="1">
+                <a:solidFill>
+                  <a:schemeClr val="tx2"/>
+                </a:solidFill>
+                <a:latin typeface="Corbel" pitchFamily="34" charset="0"/>
+              </a:defRPr>
+            </a:lvl7pPr>
+            <a:lvl8pPr marL="1371600" algn="r" rtl="0" fontAlgn="base">
+              <a:spcBef>
+                <a:spcPct val="0"/>
+              </a:spcBef>
+              <a:spcAft>
+                <a:spcPct val="0"/>
+              </a:spcAft>
+              <a:defRPr sz="3000" b="1">
+                <a:solidFill>
+                  <a:schemeClr val="tx2"/>
+                </a:solidFill>
+                <a:latin typeface="Corbel" pitchFamily="34" charset="0"/>
+              </a:defRPr>
+            </a:lvl8pPr>
+            <a:lvl9pPr marL="1828800" algn="r" rtl="0" fontAlgn="base">
+              <a:spcBef>
+                <a:spcPct val="0"/>
+              </a:spcBef>
+              <a:spcAft>
+                <a:spcPct val="0"/>
+              </a:spcAft>
+              <a:defRPr sz="3000" b="1">
+                <a:solidFill>
+                  <a:schemeClr val="tx2"/>
+                </a:solidFill>
+                <a:latin typeface="Corbel" pitchFamily="34" charset="0"/>
+              </a:defRPr>
+            </a:lvl9pPr>
+          </a:lstStyle>
           <a:p>
             <a:pPr>
               <a:lnSpc>
@@ -8349,35 +9803,23 @@
               </a:lnSpc>
             </a:pPr>
             <a:r>
-              <a:rPr lang="en-US" sz="4700" dirty="0" smtClean="0"/>
-              <a:t>Team </a:t>
-            </a:r>
-            <a:r>
-              <a:rPr lang="en-US" sz="4700" dirty="0" smtClean="0"/>
-              <a:t>Phosphorus</a:t>
-            </a:r>
-            <a:r>
-              <a:rPr lang="en-US" sz="4700" dirty="0" smtClean="0"/>
-              <a:t/>
+              <a:rPr lang="en-US" sz="4700" smtClean="0"/>
+              <a:t>Team Phosphorus</a:t>
             </a:r>
             <a:br>
-              <a:rPr lang="en-US" sz="4700" dirty="0" smtClean="0"/>
+              <a:rPr lang="en-US" sz="4700" smtClean="0"/>
             </a:br>
             <a:r>
-              <a:rPr lang="en-US" sz="2200" dirty="0" smtClean="0"/>
-              <a:t>HQC </a:t>
+              <a:rPr lang="en-US" sz="2200" smtClean="0"/>
+              <a:t>HQC TeamWork</a:t>
             </a:r>
-            <a:r>
-              <a:rPr lang="en-US" sz="2200" dirty="0" err="1" smtClean="0"/>
-              <a:t>TeamWork</a:t>
-            </a:r>
-            <a:endParaRPr lang="en-US" sz="2200" dirty="0"/>
+            <a:endParaRPr lang="en-US" sz="2200"/>
           </a:p>
         </p:txBody>
       </p:sp>
       <p:sp>
         <p:nvSpPr>
-          <p:cNvPr id="23" name="Text Placeholder 5"/>
+          <p:cNvPr id="5" name="Text Placeholder 5"/>
           <p:cNvSpPr>
             <a:spLocks noGrp="1"/>
           </p:cNvSpPr>
@@ -8654,7 +10096,7 @@
       </p:sp>
       <p:pic>
         <p:nvPicPr>
-          <p:cNvPr id="2050" name="Picture 2" descr="C:\Users\pirin\Documents\GitHub\hangman\Source\ClassDiagram1.png"/>
+          <p:cNvPr id="6" name="Picture 2" descr="http://www.p15.org.uk/logo.gif"/>
           <p:cNvPicPr>
             <a:picLocks noChangeAspect="1" noChangeArrowheads="1"/>
           </p:cNvPicPr>
@@ -8675,8 +10117,8 @@
         </p:blipFill>
         <p:spPr bwMode="auto">
           <a:xfrm>
-            <a:off x="965304" y="1981200"/>
-            <a:ext cx="7049344" cy="4110063"/>
+            <a:off x="152400" y="5713183"/>
+            <a:ext cx="1067345" cy="1009651"/>
           </a:xfrm>
           <a:prstGeom prst="rect">
             <a:avLst/>
@@ -8693,714 +10135,24 @@
           </a:extLst>
         </p:spPr>
       </p:pic>
-      <p:sp>
-        <p:nvSpPr>
-          <p:cNvPr id="24" name="Text Placeholder 4"/>
-          <p:cNvSpPr>
-            <a:spLocks noGrp="1"/>
-          </p:cNvSpPr>
-          <p:nvPr/>
-        </p:nvSpPr>
-        <p:spPr>
-          <a:xfrm>
-            <a:off x="1364492" y="1288702"/>
-            <a:ext cx="6400800" cy="461665"/>
-          </a:xfrm>
-          <a:prstGeom prst="rect">
-            <a:avLst/>
-          </a:prstGeom>
-          <a:noFill/>
-        </p:spPr>
-        <p:txBody>
-          <a:bodyPr wrap="square" rtlCol="0">
-            <a:spAutoFit/>
-          </a:bodyPr>
-          <a:lstStyle>
-            <a:lvl1pPr marL="319088" indent="-319088" algn="l" rtl="0" eaLnBrk="0" fontAlgn="base" hangingPunct="0">
-              <a:spcBef>
-                <a:spcPct val="0"/>
-              </a:spcBef>
-              <a:spcAft>
-                <a:spcPct val="0"/>
-              </a:spcAft>
-              <a:buClr>
-                <a:schemeClr val="accent5">
-                  <a:lumMod val="40000"/>
-                  <a:lumOff val="60000"/>
-                </a:schemeClr>
-              </a:buClr>
-              <a:buSzPct val="70000"/>
-              <a:buFont typeface="Wingdings 2" pitchFamily="18" charset="2"/>
-              <a:buNone/>
-              <a:defRPr lang="en-US" sz="2800" b="1" kern="1200" dirty="0" smtClean="0">
-                <a:solidFill>
-                  <a:srgbClr val="DEFF9B"/>
-                </a:solidFill>
-                <a:effectLst>
-                  <a:outerShdw blurRad="38100" dist="38100" dir="2700000" algn="tl">
-                    <a:srgbClr val="000000">
-                      <a:alpha val="43137"/>
-                    </a:srgbClr>
-                  </a:outerShdw>
-                </a:effectLst>
-                <a:latin typeface="Corbel" pitchFamily="34" charset="0"/>
-                <a:ea typeface="+mn-ea"/>
-                <a:cs typeface="+mn-cs"/>
-              </a:defRPr>
-            </a:lvl1pPr>
-            <a:lvl2pPr marL="630238" indent="-273050" algn="l" rtl="0" eaLnBrk="0" fontAlgn="base" hangingPunct="0">
-              <a:spcBef>
-                <a:spcPct val="20000"/>
-              </a:spcBef>
-              <a:spcAft>
-                <a:spcPct val="0"/>
-              </a:spcAft>
-              <a:buClr>
-                <a:schemeClr val="accent2">
-                  <a:lumMod val="60000"/>
-                  <a:lumOff val="40000"/>
-                </a:schemeClr>
-              </a:buClr>
-              <a:buFont typeface="Wingdings 2" pitchFamily="18" charset="2"/>
-              <a:buChar char=""/>
-              <a:defRPr sz="3000" b="1" kern="1200">
-                <a:solidFill>
-                  <a:schemeClr val="tx1">
-                    <a:lumMod val="20000"/>
-                    <a:lumOff val="80000"/>
-                  </a:schemeClr>
-                </a:solidFill>
-                <a:effectLst>
-                  <a:outerShdw blurRad="38100" dist="38100" dir="2700000" algn="tl">
-                    <a:srgbClr val="000000">
-                      <a:alpha val="43137"/>
-                    </a:srgbClr>
-                  </a:outerShdw>
-                </a:effectLst>
-                <a:latin typeface="+mn-lt"/>
-                <a:ea typeface="+mn-ea"/>
-                <a:cs typeface="+mn-cs"/>
-              </a:defRPr>
-            </a:lvl2pPr>
-            <a:lvl3pPr marL="922338" indent="-273050" algn="l" rtl="0" eaLnBrk="0" fontAlgn="base" hangingPunct="0">
-              <a:spcBef>
-                <a:spcPct val="20000"/>
-              </a:spcBef>
-              <a:spcAft>
-                <a:spcPct val="0"/>
-              </a:spcAft>
-              <a:buClr>
-                <a:schemeClr val="tx1">
-                  <a:lumMod val="50000"/>
-                </a:schemeClr>
-              </a:buClr>
-              <a:buFont typeface="Wingdings 2" pitchFamily="18" charset="2"/>
-              <a:buChar char=""/>
-              <a:defRPr sz="2800" b="1" kern="1200">
-                <a:solidFill>
-                  <a:schemeClr val="tx1">
-                    <a:lumMod val="20000"/>
-                    <a:lumOff val="80000"/>
-                  </a:schemeClr>
-                </a:solidFill>
-                <a:effectLst>
-                  <a:outerShdw blurRad="38100" dist="38100" dir="2700000" algn="tl">
-                    <a:srgbClr val="000000">
-                      <a:alpha val="43137"/>
-                    </a:srgbClr>
-                  </a:outerShdw>
-                </a:effectLst>
-                <a:latin typeface="+mn-lt"/>
-                <a:ea typeface="+mn-ea"/>
-                <a:cs typeface="+mn-cs"/>
-              </a:defRPr>
-            </a:lvl3pPr>
-            <a:lvl4pPr marL="1187450" indent="-228600" algn="l" rtl="0" eaLnBrk="0" fontAlgn="base" hangingPunct="0">
-              <a:spcBef>
-                <a:spcPct val="20000"/>
-              </a:spcBef>
-              <a:spcAft>
-                <a:spcPct val="0"/>
-              </a:spcAft>
-              <a:buClr>
-                <a:srgbClr val="F8BD52"/>
-              </a:buClr>
-              <a:buFont typeface="Wingdings 2" pitchFamily="18" charset="2"/>
-              <a:buChar char=""/>
-              <a:defRPr sz="2600" b="1" kern="1200">
-                <a:solidFill>
-                  <a:schemeClr val="tx1">
-                    <a:lumMod val="20000"/>
-                    <a:lumOff val="80000"/>
-                  </a:schemeClr>
-                </a:solidFill>
-                <a:effectLst>
-                  <a:outerShdw blurRad="38100" dist="38100" dir="2700000" algn="tl">
-                    <a:srgbClr val="000000">
-                      <a:alpha val="43137"/>
-                    </a:srgbClr>
-                  </a:outerShdw>
-                </a:effectLst>
-                <a:latin typeface="+mn-lt"/>
-                <a:ea typeface="+mn-ea"/>
-                <a:cs typeface="+mn-cs"/>
-              </a:defRPr>
-            </a:lvl4pPr>
-            <a:lvl5pPr marL="1425575" indent="-228600" algn="l" rtl="0" eaLnBrk="0" fontAlgn="base" hangingPunct="0">
-              <a:spcBef>
-                <a:spcPct val="20000"/>
-              </a:spcBef>
-              <a:spcAft>
-                <a:spcPct val="0"/>
-              </a:spcAft>
-              <a:buClr>
-                <a:srgbClr val="46A6BD"/>
-              </a:buClr>
-              <a:buFont typeface="Wingdings 2" pitchFamily="18" charset="2"/>
-              <a:buChar char=""/>
-              <a:defRPr sz="2400" b="1" kern="1200">
-                <a:solidFill>
-                  <a:schemeClr val="tx1">
-                    <a:lumMod val="20000"/>
-                    <a:lumOff val="80000"/>
-                  </a:schemeClr>
-                </a:solidFill>
-                <a:effectLst>
-                  <a:outerShdw blurRad="38100" dist="38100" dir="2700000" algn="tl">
-                    <a:srgbClr val="000000">
-                      <a:alpha val="43137"/>
-                    </a:srgbClr>
-                  </a:outerShdw>
-                </a:effectLst>
-                <a:latin typeface="+mn-lt"/>
-                <a:ea typeface="+mn-ea"/>
-                <a:cs typeface="+mn-cs"/>
-              </a:defRPr>
-            </a:lvl5pPr>
-            <a:lvl6pPr marL="1673352" indent="-228600" algn="l" rtl="0" eaLnBrk="1" latinLnBrk="0" hangingPunct="1">
-              <a:spcBef>
-                <a:spcPct val="20000"/>
-              </a:spcBef>
-              <a:buClr>
-                <a:schemeClr val="accent6"/>
-              </a:buClr>
-              <a:buFont typeface="Wingdings 2"/>
-              <a:buChar char=""/>
-              <a:defRPr sz="1800" kern="1200">
-                <a:solidFill>
-                  <a:schemeClr val="tx1"/>
-                </a:solidFill>
-                <a:latin typeface="+mn-lt"/>
-                <a:ea typeface="+mn-ea"/>
-                <a:cs typeface="+mn-cs"/>
-              </a:defRPr>
-            </a:lvl6pPr>
-            <a:lvl7pPr marL="1911096" indent="-228600" algn="l" rtl="0" eaLnBrk="1" latinLnBrk="0" hangingPunct="1">
-              <a:spcBef>
-                <a:spcPct val="20000"/>
-              </a:spcBef>
-              <a:buClr>
-                <a:schemeClr val="tx2"/>
-              </a:buClr>
-              <a:buFont typeface="Wingdings 2"/>
-              <a:buChar char=""/>
-              <a:defRPr sz="1600" kern="1200">
-                <a:solidFill>
-                  <a:schemeClr val="tx1"/>
-                </a:solidFill>
-                <a:latin typeface="+mn-lt"/>
-                <a:ea typeface="+mn-ea"/>
-                <a:cs typeface="+mn-cs"/>
-              </a:defRPr>
-            </a:lvl7pPr>
-            <a:lvl8pPr marL="2121408" indent="-182880" algn="l" rtl="0" eaLnBrk="1" latinLnBrk="0" hangingPunct="1">
-              <a:spcBef>
-                <a:spcPct val="20000"/>
-              </a:spcBef>
-              <a:buClr>
-                <a:schemeClr val="tx2"/>
-              </a:buClr>
-              <a:buFont typeface="Wingdings 2"/>
-              <a:buChar char=""/>
-              <a:defRPr sz="1400" kern="1200">
-                <a:solidFill>
-                  <a:schemeClr val="tx1"/>
-                </a:solidFill>
-                <a:latin typeface="+mn-lt"/>
-                <a:ea typeface="+mn-ea"/>
-                <a:cs typeface="+mn-cs"/>
-              </a:defRPr>
-            </a:lvl8pPr>
-            <a:lvl9pPr marL="2322576" indent="-182880" algn="l" rtl="0" eaLnBrk="1" latinLnBrk="0" hangingPunct="1">
-              <a:spcBef>
-                <a:spcPct val="20000"/>
-              </a:spcBef>
-              <a:buClr>
-                <a:schemeClr val="tx2"/>
-              </a:buClr>
-              <a:buFont typeface="Wingdings 2"/>
-              <a:buChar char=""/>
-              <a:defRPr sz="1400" kern="1200">
-                <a:solidFill>
-                  <a:schemeClr val="tx1"/>
-                </a:solidFill>
-                <a:latin typeface="+mn-lt"/>
-                <a:ea typeface="+mn-ea"/>
-                <a:cs typeface="+mn-cs"/>
-              </a:defRPr>
-            </a:lvl9pPr>
-          </a:lstStyle>
-          <a:p>
-            <a:pPr algn="ctr"/>
-            <a:r>
-              <a:rPr lang="en-US" sz="2400" dirty="0" smtClean="0">
-                <a:effectLst/>
-              </a:rPr>
-              <a:t>Class diagram:</a:t>
-            </a:r>
-          </a:p>
-        </p:txBody>
-      </p:sp>
     </p:spTree>
     <p:extLst>
       <p:ext uri="{BB962C8B-B14F-4D97-AF65-F5344CB8AC3E}">
-        <p14:creationId xmlns:p14="http://schemas.microsoft.com/office/powerpoint/2010/main" val="1315411244"/>
+        <p14:creationId xmlns:p14="http://schemas.microsoft.com/office/powerpoint/2010/main" val="2352768043"/>
       </p:ext>
     </p:extLst>
   </p:cSld>
   <p:clrMapOvr>
     <a:masterClrMapping/>
   </p:clrMapOvr>
-  <p:timing>
-    <p:tnLst>
-      <p:par>
-        <p:cTn id="1" dur="indefinite" restart="never" nodeType="tmRoot"/>
-      </p:par>
-    </p:tnLst>
-  </p:timing>
-</p:sld>
-</file>
-
-<file path=ppt/slides/slide5.xml><?xml version="1.0" encoding="utf-8"?>
-<p:sld xmlns:a="http://schemas.openxmlformats.org/drawingml/2006/main" xmlns:r="http://schemas.openxmlformats.org/officeDocument/2006/relationships" xmlns:p="http://schemas.openxmlformats.org/presentationml/2006/main">
-  <p:cSld>
-    <p:spTree>
-      <p:nvGrpSpPr>
-        <p:cNvPr id="1" name=""/>
-        <p:cNvGrpSpPr/>
-        <p:nvPr/>
-      </p:nvGrpSpPr>
-      <p:grpSpPr>
-        <a:xfrm>
-          <a:off x="0" y="0"/>
-          <a:ext cx="0" cy="0"/>
-          <a:chOff x="0" y="0"/>
-          <a:chExt cx="0" cy="0"/>
-        </a:xfrm>
-      </p:grpSpPr>
-      <p:pic>
-        <p:nvPicPr>
-          <p:cNvPr id="25" name="Picture 5"/>
-          <p:cNvPicPr>
-            <a:picLocks noChangeAspect="1" noChangeArrowheads="1"/>
-          </p:cNvPicPr>
-          <p:nvPr/>
-        </p:nvPicPr>
-        <p:blipFill>
-          <a:blip r:embed="rId2">
-            <a:extLst>
-              <a:ext uri="{28A0092B-C50C-407E-A947-70E740481C1C}">
-                <a14:useLocalDpi xmlns:a14="http://schemas.microsoft.com/office/drawing/2010/main"/>
-              </a:ext>
-            </a:extLst>
-          </a:blip>
-          <a:srcRect/>
-          <a:stretch>
-            <a:fillRect/>
-          </a:stretch>
-        </p:blipFill>
-        <p:spPr bwMode="auto">
-          <a:xfrm>
-            <a:off x="152400" y="5844711"/>
-            <a:ext cx="867180" cy="946013"/>
-          </a:xfrm>
-          <a:prstGeom prst="rect">
-            <a:avLst/>
-          </a:prstGeom>
-          <a:noFill/>
-          <a:ln>
-            <a:noFill/>
-          </a:ln>
-          <a:effectLst/>
-          <a:extLst>
-            <a:ext uri="{909E8E84-426E-40DD-AFC4-6F175D3DCCD1}">
-              <a14:hiddenFill xmlns:a14="http://schemas.microsoft.com/office/drawing/2010/main">
-                <a:solidFill>
-                  <a:schemeClr val="accent1"/>
-                </a:solidFill>
-              </a14:hiddenFill>
-            </a:ext>
-            <a:ext uri="{91240B29-F687-4F45-9708-019B960494DF}">
-              <a14:hiddenLine xmlns:a14="http://schemas.microsoft.com/office/drawing/2010/main" w="9525">
-                <a:solidFill>
-                  <a:schemeClr val="tx1"/>
-                </a:solidFill>
-                <a:miter lim="800000"/>
-                <a:headEnd/>
-                <a:tailEnd/>
-              </a14:hiddenLine>
-            </a:ext>
-            <a:ext uri="{AF507438-7753-43E0-B8FC-AC1667EBCBE1}">
-              <a14:hiddenEffects xmlns:a14="http://schemas.microsoft.com/office/drawing/2010/main">
-                <a:effectLst>
-                  <a:outerShdw dist="35921" dir="2700000" algn="ctr" rotWithShape="0">
-                    <a:schemeClr val="bg2"/>
-                  </a:outerShdw>
-                </a:effectLst>
-              </a14:hiddenEffects>
-            </a:ext>
-          </a:extLst>
-        </p:spPr>
-      </p:pic>
-      <p:sp>
-        <p:nvSpPr>
-          <p:cNvPr id="7" name="Title 1"/>
-          <p:cNvSpPr>
-            <a:spLocks noGrp="1"/>
-          </p:cNvSpPr>
-          <p:nvPr>
-            <p:ph type="ctrTitle"/>
-          </p:nvPr>
-        </p:nvSpPr>
-        <p:spPr>
-          <a:xfrm>
-            <a:off x="2209800" y="228600"/>
-            <a:ext cx="6643321" cy="1031080"/>
-          </a:xfrm>
-        </p:spPr>
-        <p:txBody>
-          <a:bodyPr/>
-          <a:lstStyle/>
-          <a:p>
-            <a:pPr>
-              <a:lnSpc>
-                <a:spcPct val="100000"/>
-              </a:lnSpc>
-            </a:pPr>
-            <a:r>
-              <a:rPr lang="en-US" sz="4700" dirty="0" smtClean="0"/>
-              <a:t>Team </a:t>
-            </a:r>
-            <a:r>
-              <a:rPr lang="en-US" sz="4700" dirty="0" smtClean="0"/>
-              <a:t>Phosphorus</a:t>
-            </a:r>
-            <a:r>
-              <a:rPr lang="en-US" sz="4700" dirty="0" smtClean="0"/>
-              <a:t/>
-            </a:r>
-            <a:br>
-              <a:rPr lang="en-US" sz="4700" dirty="0" smtClean="0"/>
-            </a:br>
-            <a:r>
-              <a:rPr lang="en-US" sz="2200" dirty="0" smtClean="0"/>
-              <a:t>HQC </a:t>
-            </a:r>
-            <a:r>
-              <a:rPr lang="en-US" sz="2200" dirty="0" err="1" smtClean="0"/>
-              <a:t>TeamWork</a:t>
-            </a:r>
-            <a:endParaRPr lang="en-US" sz="2200" dirty="0"/>
-          </a:p>
-        </p:txBody>
-      </p:sp>
-      <p:sp>
-        <p:nvSpPr>
-          <p:cNvPr id="8" name="Text Placeholder 5"/>
-          <p:cNvSpPr>
-            <a:spLocks noGrp="1"/>
-          </p:cNvSpPr>
-          <p:nvPr/>
-        </p:nvSpPr>
-        <p:spPr>
-          <a:xfrm>
-            <a:off x="1078743" y="6240922"/>
-            <a:ext cx="6972299" cy="369332"/>
-          </a:xfrm>
-          <a:prstGeom prst="rect">
-            <a:avLst/>
-          </a:prstGeom>
-          <a:noFill/>
-        </p:spPr>
-        <p:txBody>
-          <a:bodyPr wrap="square" rtlCol="0">
-            <a:spAutoFit/>
-          </a:bodyPr>
-          <a:lstStyle>
-            <a:lvl1pPr marL="319088" indent="-319088" algn="l" rtl="0" eaLnBrk="0" fontAlgn="base" hangingPunct="0">
-              <a:spcBef>
-                <a:spcPct val="0"/>
-              </a:spcBef>
-              <a:spcAft>
-                <a:spcPct val="0"/>
-              </a:spcAft>
-              <a:buClr>
-                <a:schemeClr val="accent5">
-                  <a:lumMod val="40000"/>
-                  <a:lumOff val="60000"/>
-                </a:schemeClr>
-              </a:buClr>
-              <a:buSzPct val="70000"/>
-              <a:buFont typeface="Wingdings 2" pitchFamily="18" charset="2"/>
-              <a:buNone/>
-              <a:defRPr lang="en-US" sz="2000" b="1" kern="1200" dirty="0" smtClean="0">
-                <a:solidFill>
-                  <a:schemeClr val="tx2">
-                    <a:lumMod val="50000"/>
-                  </a:schemeClr>
-                </a:solidFill>
-                <a:effectLst>
-                  <a:outerShdw blurRad="38100" dist="38100" dir="2700000" algn="tl">
-                    <a:srgbClr val="000000">
-                      <a:alpha val="43137"/>
-                    </a:srgbClr>
-                  </a:outerShdw>
-                </a:effectLst>
-                <a:latin typeface="Corbel" pitchFamily="34" charset="0"/>
-                <a:ea typeface="+mn-ea"/>
-                <a:cs typeface="+mn-cs"/>
-              </a:defRPr>
-            </a:lvl1pPr>
-            <a:lvl2pPr marL="630238" indent="-273050" algn="l" rtl="0" eaLnBrk="0" fontAlgn="base" hangingPunct="0">
-              <a:spcBef>
-                <a:spcPct val="20000"/>
-              </a:spcBef>
-              <a:spcAft>
-                <a:spcPct val="0"/>
-              </a:spcAft>
-              <a:buClr>
-                <a:schemeClr val="accent2">
-                  <a:lumMod val="60000"/>
-                  <a:lumOff val="40000"/>
-                </a:schemeClr>
-              </a:buClr>
-              <a:buFont typeface="Wingdings 2" pitchFamily="18" charset="2"/>
-              <a:buChar char=""/>
-              <a:defRPr sz="3000" b="1" kern="1200">
-                <a:solidFill>
-                  <a:schemeClr val="tx1">
-                    <a:lumMod val="20000"/>
-                    <a:lumOff val="80000"/>
-                  </a:schemeClr>
-                </a:solidFill>
-                <a:effectLst>
-                  <a:outerShdw blurRad="38100" dist="38100" dir="2700000" algn="tl">
-                    <a:srgbClr val="000000">
-                      <a:alpha val="43137"/>
-                    </a:srgbClr>
-                  </a:outerShdw>
-                </a:effectLst>
-                <a:latin typeface="+mn-lt"/>
-                <a:ea typeface="+mn-ea"/>
-                <a:cs typeface="+mn-cs"/>
-              </a:defRPr>
-            </a:lvl2pPr>
-            <a:lvl3pPr marL="922338" indent="-273050" algn="l" rtl="0" eaLnBrk="0" fontAlgn="base" hangingPunct="0">
-              <a:spcBef>
-                <a:spcPct val="20000"/>
-              </a:spcBef>
-              <a:spcAft>
-                <a:spcPct val="0"/>
-              </a:spcAft>
-              <a:buClr>
-                <a:schemeClr val="tx1">
-                  <a:lumMod val="50000"/>
-                </a:schemeClr>
-              </a:buClr>
-              <a:buFont typeface="Wingdings 2" pitchFamily="18" charset="2"/>
-              <a:buChar char=""/>
-              <a:defRPr sz="2800" b="1" kern="1200">
-                <a:solidFill>
-                  <a:schemeClr val="tx1">
-                    <a:lumMod val="20000"/>
-                    <a:lumOff val="80000"/>
-                  </a:schemeClr>
-                </a:solidFill>
-                <a:effectLst>
-                  <a:outerShdw blurRad="38100" dist="38100" dir="2700000" algn="tl">
-                    <a:srgbClr val="000000">
-                      <a:alpha val="43137"/>
-                    </a:srgbClr>
-                  </a:outerShdw>
-                </a:effectLst>
-                <a:latin typeface="+mn-lt"/>
-                <a:ea typeface="+mn-ea"/>
-                <a:cs typeface="+mn-cs"/>
-              </a:defRPr>
-            </a:lvl3pPr>
-            <a:lvl4pPr marL="1187450" indent="-228600" algn="l" rtl="0" eaLnBrk="0" fontAlgn="base" hangingPunct="0">
-              <a:spcBef>
-                <a:spcPct val="20000"/>
-              </a:spcBef>
-              <a:spcAft>
-                <a:spcPct val="0"/>
-              </a:spcAft>
-              <a:buClr>
-                <a:srgbClr val="F8BD52"/>
-              </a:buClr>
-              <a:buFont typeface="Wingdings 2" pitchFamily="18" charset="2"/>
-              <a:buChar char=""/>
-              <a:defRPr sz="2600" b="1" kern="1200">
-                <a:solidFill>
-                  <a:schemeClr val="tx1">
-                    <a:lumMod val="20000"/>
-                    <a:lumOff val="80000"/>
-                  </a:schemeClr>
-                </a:solidFill>
-                <a:effectLst>
-                  <a:outerShdw blurRad="38100" dist="38100" dir="2700000" algn="tl">
-                    <a:srgbClr val="000000">
-                      <a:alpha val="43137"/>
-                    </a:srgbClr>
-                  </a:outerShdw>
-                </a:effectLst>
-                <a:latin typeface="+mn-lt"/>
-                <a:ea typeface="+mn-ea"/>
-                <a:cs typeface="+mn-cs"/>
-              </a:defRPr>
-            </a:lvl4pPr>
-            <a:lvl5pPr marL="1425575" indent="-228600" algn="l" rtl="0" eaLnBrk="0" fontAlgn="base" hangingPunct="0">
-              <a:spcBef>
-                <a:spcPct val="20000"/>
-              </a:spcBef>
-              <a:spcAft>
-                <a:spcPct val="0"/>
-              </a:spcAft>
-              <a:buClr>
-                <a:srgbClr val="46A6BD"/>
-              </a:buClr>
-              <a:buFont typeface="Wingdings 2" pitchFamily="18" charset="2"/>
-              <a:buChar char=""/>
-              <a:defRPr sz="2400" b="1" kern="1200">
-                <a:solidFill>
-                  <a:schemeClr val="tx1">
-                    <a:lumMod val="20000"/>
-                    <a:lumOff val="80000"/>
-                  </a:schemeClr>
-                </a:solidFill>
-                <a:effectLst>
-                  <a:outerShdw blurRad="38100" dist="38100" dir="2700000" algn="tl">
-                    <a:srgbClr val="000000">
-                      <a:alpha val="43137"/>
-                    </a:srgbClr>
-                  </a:outerShdw>
-                </a:effectLst>
-                <a:latin typeface="+mn-lt"/>
-                <a:ea typeface="+mn-ea"/>
-                <a:cs typeface="+mn-cs"/>
-              </a:defRPr>
-            </a:lvl5pPr>
-            <a:lvl6pPr marL="1673352" indent="-228600" algn="l" rtl="0" eaLnBrk="1" latinLnBrk="0" hangingPunct="1">
-              <a:spcBef>
-                <a:spcPct val="20000"/>
-              </a:spcBef>
-              <a:buClr>
-                <a:schemeClr val="accent6"/>
-              </a:buClr>
-              <a:buFont typeface="Wingdings 2"/>
-              <a:buChar char=""/>
-              <a:defRPr sz="1800" kern="1200">
-                <a:solidFill>
-                  <a:schemeClr val="tx1"/>
-                </a:solidFill>
-                <a:latin typeface="+mn-lt"/>
-                <a:ea typeface="+mn-ea"/>
-                <a:cs typeface="+mn-cs"/>
-              </a:defRPr>
-            </a:lvl6pPr>
-            <a:lvl7pPr marL="1911096" indent="-228600" algn="l" rtl="0" eaLnBrk="1" latinLnBrk="0" hangingPunct="1">
-              <a:spcBef>
-                <a:spcPct val="20000"/>
-              </a:spcBef>
-              <a:buClr>
-                <a:schemeClr val="tx2"/>
-              </a:buClr>
-              <a:buFont typeface="Wingdings 2"/>
-              <a:buChar char=""/>
-              <a:defRPr sz="1600" kern="1200">
-                <a:solidFill>
-                  <a:schemeClr val="tx1"/>
-                </a:solidFill>
-                <a:latin typeface="+mn-lt"/>
-                <a:ea typeface="+mn-ea"/>
-                <a:cs typeface="+mn-cs"/>
-              </a:defRPr>
-            </a:lvl7pPr>
-            <a:lvl8pPr marL="2121408" indent="-182880" algn="l" rtl="0" eaLnBrk="1" latinLnBrk="0" hangingPunct="1">
-              <a:spcBef>
-                <a:spcPct val="20000"/>
-              </a:spcBef>
-              <a:buClr>
-                <a:schemeClr val="tx2"/>
-              </a:buClr>
-              <a:buFont typeface="Wingdings 2"/>
-              <a:buChar char=""/>
-              <a:defRPr sz="1400" kern="1200">
-                <a:solidFill>
-                  <a:schemeClr val="tx1"/>
-                </a:solidFill>
-                <a:latin typeface="+mn-lt"/>
-                <a:ea typeface="+mn-ea"/>
-                <a:cs typeface="+mn-cs"/>
-              </a:defRPr>
-            </a:lvl8pPr>
-            <a:lvl9pPr marL="2322576" indent="-182880" algn="l" rtl="0" eaLnBrk="1" latinLnBrk="0" hangingPunct="1">
-              <a:spcBef>
-                <a:spcPct val="20000"/>
-              </a:spcBef>
-              <a:buClr>
-                <a:schemeClr val="tx2"/>
-              </a:buClr>
-              <a:buFont typeface="Wingdings 2"/>
-              <a:buChar char=""/>
-              <a:defRPr sz="1400" kern="1200">
-                <a:solidFill>
-                  <a:schemeClr val="tx1"/>
-                </a:solidFill>
-                <a:latin typeface="+mn-lt"/>
-                <a:ea typeface="+mn-ea"/>
-                <a:cs typeface="+mn-cs"/>
-              </a:defRPr>
-            </a:lvl9pPr>
-          </a:lstStyle>
-          <a:p>
-            <a:pPr algn="ctr"/>
-            <a:r>
-              <a:rPr lang="en-US" sz="1800" dirty="0">
-                <a:effectLst/>
-              </a:rPr>
-              <a:t>Project URL: </a:t>
-            </a:r>
-            <a:r>
-              <a:rPr lang="en-US" sz="1800" dirty="0">
-                <a:hlinkClick r:id="rId3"/>
-              </a:rPr>
-              <a:t>https://github.com/lolotobg/hangman</a:t>
-            </a:r>
-            <a:endParaRPr lang="en-US" sz="1800" dirty="0"/>
-          </a:p>
-        </p:txBody>
-      </p:sp>
-    </p:spTree>
-    <p:extLst>
-      <p:ext uri="{BB962C8B-B14F-4D97-AF65-F5344CB8AC3E}">
-        <p14:creationId xmlns:p14="http://schemas.microsoft.com/office/powerpoint/2010/main" val="1475960406"/>
-      </p:ext>
-    </p:extLst>
-  </p:cSld>
-  <p:clrMapOvr>
-    <a:masterClrMapping/>
-  </p:clrMapOvr>
+  <mc:AlternateContent xmlns:mc="http://schemas.openxmlformats.org/markup-compatibility/2006" xmlns:p14="http://schemas.microsoft.com/office/powerpoint/2010/main">
+    <mc:Choice Requires="p14">
+      <p:transition p14:dur="0"/>
+    </mc:Choice>
+    <mc:Fallback xmlns="">
+      <p:transition/>
+    </mc:Fallback>
+  </mc:AlternateContent>
   <p:timing>
     <p:tnLst>
       <p:par>
@@ -9430,7 +10182,7 @@
       </p:grpSpPr>
       <p:pic>
         <p:nvPicPr>
-          <p:cNvPr id="25" name="Picture 5"/>
+          <p:cNvPr id="2" name="Picture 5"/>
           <p:cNvPicPr>
             <a:picLocks noChangeAspect="1" noChangeArrowheads="1"/>
           </p:cNvPicPr>
@@ -9494,7 +10246,7 @@
       </p:pic>
       <p:sp>
         <p:nvSpPr>
-          <p:cNvPr id="34" name="Text Placeholder 4"/>
+          <p:cNvPr id="3" name="Text Placeholder 4"/>
           <p:cNvSpPr>
             <a:spLocks noGrp="1"/>
           </p:cNvSpPr>
@@ -9502,7 +10254,7 @@
         </p:nvSpPr>
         <p:spPr>
           <a:xfrm>
-            <a:off x="1524000" y="3668746"/>
+            <a:off x="1524000" y="3048000"/>
             <a:ext cx="6400800" cy="815608"/>
           </a:xfrm>
           <a:prstGeom prst="rect">
@@ -9761,23 +10513,169 @@
       </p:sp>
       <p:sp>
         <p:nvSpPr>
-          <p:cNvPr id="7" name="Title 1"/>
-          <p:cNvSpPr>
-            <a:spLocks noGrp="1"/>
+          <p:cNvPr id="4" name="Title 1"/>
+          <p:cNvSpPr txBox="1">
+            <a:spLocks/>
           </p:cNvSpPr>
-          <p:nvPr>
-            <p:ph type="ctrTitle"/>
-          </p:nvPr>
+          <p:nvPr/>
         </p:nvSpPr>
         <p:spPr>
           <a:xfrm>
             <a:off x="2209800" y="228600"/>
             <a:ext cx="6643321" cy="1031080"/>
           </a:xfrm>
+          <a:prstGeom prst="rect">
+            <a:avLst/>
+          </a:prstGeom>
         </p:spPr>
         <p:txBody>
-          <a:bodyPr/>
-          <a:lstStyle/>
+          <a:bodyPr anchor="ctr" anchorCtr="0">
+            <a:noAutofit/>
+          </a:bodyPr>
+          <a:lstStyle>
+            <a:lvl1pPr algn="r" rtl="0" eaLnBrk="0" fontAlgn="base" hangingPunct="0">
+              <a:lnSpc>
+                <a:spcPts val="4000"/>
+              </a:lnSpc>
+              <a:spcBef>
+                <a:spcPct val="0"/>
+              </a:spcBef>
+              <a:spcAft>
+                <a:spcPct val="0"/>
+              </a:spcAft>
+              <a:defRPr lang="en-US" sz="4000" b="1" kern="1200" baseline="0" dirty="0">
+                <a:ln w="500">
+                  <a:noFill/>
+                </a:ln>
+                <a:solidFill>
+                  <a:schemeClr val="tx2"/>
+                </a:solidFill>
+                <a:effectLst>
+                  <a:outerShdw blurRad="38100" dist="38100" dir="2700000" algn="tl">
+                    <a:srgbClr val="000000">
+                      <a:alpha val="43137"/>
+                    </a:srgbClr>
+                  </a:outerShdw>
+                  <a:reflection blurRad="12700" stA="20000" endPos="50000" dist="12700" dir="5400000" sy="-100000" algn="bl" rotWithShape="0"/>
+                </a:effectLst>
+                <a:latin typeface="+mj-lt"/>
+                <a:ea typeface="+mj-ea"/>
+                <a:cs typeface="+mj-cs"/>
+              </a:defRPr>
+            </a:lvl1pPr>
+            <a:lvl2pPr algn="r" rtl="0" eaLnBrk="0" fontAlgn="base" hangingPunct="0">
+              <a:spcBef>
+                <a:spcPct val="0"/>
+              </a:spcBef>
+              <a:spcAft>
+                <a:spcPct val="0"/>
+              </a:spcAft>
+              <a:defRPr sz="3000" b="1">
+                <a:solidFill>
+                  <a:schemeClr val="tx2"/>
+                </a:solidFill>
+                <a:latin typeface="Corbel" pitchFamily="34" charset="0"/>
+              </a:defRPr>
+            </a:lvl2pPr>
+            <a:lvl3pPr algn="r" rtl="0" eaLnBrk="0" fontAlgn="base" hangingPunct="0">
+              <a:spcBef>
+                <a:spcPct val="0"/>
+              </a:spcBef>
+              <a:spcAft>
+                <a:spcPct val="0"/>
+              </a:spcAft>
+              <a:defRPr sz="3000" b="1">
+                <a:solidFill>
+                  <a:schemeClr val="tx2"/>
+                </a:solidFill>
+                <a:latin typeface="Corbel" pitchFamily="34" charset="0"/>
+              </a:defRPr>
+            </a:lvl3pPr>
+            <a:lvl4pPr algn="r" rtl="0" eaLnBrk="0" fontAlgn="base" hangingPunct="0">
+              <a:spcBef>
+                <a:spcPct val="0"/>
+              </a:spcBef>
+              <a:spcAft>
+                <a:spcPct val="0"/>
+              </a:spcAft>
+              <a:defRPr sz="3000" b="1">
+                <a:solidFill>
+                  <a:schemeClr val="tx2"/>
+                </a:solidFill>
+                <a:latin typeface="Corbel" pitchFamily="34" charset="0"/>
+              </a:defRPr>
+            </a:lvl4pPr>
+            <a:lvl5pPr algn="r" rtl="0" eaLnBrk="0" fontAlgn="base" hangingPunct="0">
+              <a:spcBef>
+                <a:spcPct val="0"/>
+              </a:spcBef>
+              <a:spcAft>
+                <a:spcPct val="0"/>
+              </a:spcAft>
+              <a:defRPr sz="3000" b="1">
+                <a:solidFill>
+                  <a:schemeClr val="tx2"/>
+                </a:solidFill>
+                <a:latin typeface="Corbel" pitchFamily="34" charset="0"/>
+              </a:defRPr>
+            </a:lvl5pPr>
+            <a:lvl6pPr marL="457200" algn="r" rtl="0" fontAlgn="base">
+              <a:spcBef>
+                <a:spcPct val="0"/>
+              </a:spcBef>
+              <a:spcAft>
+                <a:spcPct val="0"/>
+              </a:spcAft>
+              <a:defRPr sz="3000" b="1">
+                <a:solidFill>
+                  <a:schemeClr val="tx2"/>
+                </a:solidFill>
+                <a:latin typeface="Corbel" pitchFamily="34" charset="0"/>
+              </a:defRPr>
+            </a:lvl6pPr>
+            <a:lvl7pPr marL="914400" algn="r" rtl="0" fontAlgn="base">
+              <a:spcBef>
+                <a:spcPct val="0"/>
+              </a:spcBef>
+              <a:spcAft>
+                <a:spcPct val="0"/>
+              </a:spcAft>
+              <a:defRPr sz="3000" b="1">
+                <a:solidFill>
+                  <a:schemeClr val="tx2"/>
+                </a:solidFill>
+                <a:latin typeface="Corbel" pitchFamily="34" charset="0"/>
+              </a:defRPr>
+            </a:lvl7pPr>
+            <a:lvl8pPr marL="1371600" algn="r" rtl="0" fontAlgn="base">
+              <a:spcBef>
+                <a:spcPct val="0"/>
+              </a:spcBef>
+              <a:spcAft>
+                <a:spcPct val="0"/>
+              </a:spcAft>
+              <a:defRPr sz="3000" b="1">
+                <a:solidFill>
+                  <a:schemeClr val="tx2"/>
+                </a:solidFill>
+                <a:latin typeface="Corbel" pitchFamily="34" charset="0"/>
+              </a:defRPr>
+            </a:lvl8pPr>
+            <a:lvl9pPr marL="1828800" algn="r" rtl="0" fontAlgn="base">
+              <a:spcBef>
+                <a:spcPct val="0"/>
+              </a:spcBef>
+              <a:spcAft>
+                <a:spcPct val="0"/>
+              </a:spcAft>
+              <a:defRPr sz="3000" b="1">
+                <a:solidFill>
+                  <a:schemeClr val="tx2"/>
+                </a:solidFill>
+                <a:latin typeface="Corbel" pitchFamily="34" charset="0"/>
+              </a:defRPr>
+            </a:lvl9pPr>
+          </a:lstStyle>
           <a:p>
             <a:pPr>
               <a:lnSpc>
@@ -9785,35 +10683,23 @@
               </a:lnSpc>
             </a:pPr>
             <a:r>
-              <a:rPr lang="en-US" sz="4700" dirty="0" smtClean="0"/>
-              <a:t>Team </a:t>
-            </a:r>
-            <a:r>
-              <a:rPr lang="en-US" sz="4700" dirty="0" smtClean="0"/>
-              <a:t>Phosphorus</a:t>
-            </a:r>
-            <a:r>
-              <a:rPr lang="en-US" sz="4700" dirty="0" smtClean="0"/>
-              <a:t/>
+              <a:rPr lang="en-US" sz="4700" smtClean="0"/>
+              <a:t>Team Phosphorus</a:t>
             </a:r>
             <a:br>
-              <a:rPr lang="en-US" sz="4700" dirty="0" smtClean="0"/>
+              <a:rPr lang="en-US" sz="4700" smtClean="0"/>
             </a:br>
             <a:r>
-              <a:rPr lang="en-US" sz="2200" dirty="0" smtClean="0"/>
-              <a:t>HQC </a:t>
+              <a:rPr lang="en-US" sz="2200" smtClean="0"/>
+              <a:t>HQC TeamWork</a:t>
             </a:r>
-            <a:r>
-              <a:rPr lang="en-US" sz="2200" dirty="0" err="1" smtClean="0"/>
-              <a:t>TeamWork</a:t>
-            </a:r>
-            <a:endParaRPr lang="en-US" sz="2200" dirty="0"/>
+            <a:endParaRPr lang="en-US" sz="2200"/>
           </a:p>
         </p:txBody>
       </p:sp>
       <p:sp>
         <p:nvSpPr>
-          <p:cNvPr id="8" name="Text Placeholder 5"/>
+          <p:cNvPr id="5" name="Text Placeholder 5"/>
           <p:cNvSpPr>
             <a:spLocks noGrp="1"/>
           </p:cNvSpPr>
@@ -10088,16 +10974,65 @@
           </a:p>
         </p:txBody>
       </p:sp>
+      <p:pic>
+        <p:nvPicPr>
+          <p:cNvPr id="6" name="Picture 2" descr="http://www.p15.org.uk/logo.gif"/>
+          <p:cNvPicPr>
+            <a:picLocks noChangeAspect="1" noChangeArrowheads="1"/>
+          </p:cNvPicPr>
+          <p:nvPr/>
+        </p:nvPicPr>
+        <p:blipFill>
+          <a:blip r:embed="rId4">
+            <a:extLst>
+              <a:ext uri="{28A0092B-C50C-407E-A947-70E740481C1C}">
+                <a14:useLocalDpi xmlns:a14="http://schemas.microsoft.com/office/drawing/2010/main" val="0"/>
+              </a:ext>
+            </a:extLst>
+          </a:blip>
+          <a:srcRect/>
+          <a:stretch>
+            <a:fillRect/>
+          </a:stretch>
+        </p:blipFill>
+        <p:spPr bwMode="auto">
+          <a:xfrm>
+            <a:off x="152400" y="5713183"/>
+            <a:ext cx="1067345" cy="1009651"/>
+          </a:xfrm>
+          <a:prstGeom prst="rect">
+            <a:avLst/>
+          </a:prstGeom>
+          <a:noFill/>
+          <a:extLst>
+            <a:ext uri="{909E8E84-426E-40DD-AFC4-6F175D3DCCD1}">
+              <a14:hiddenFill xmlns:a14="http://schemas.microsoft.com/office/drawing/2010/main">
+                <a:solidFill>
+                  <a:srgbClr val="FFFFFF"/>
+                </a:solidFill>
+              </a14:hiddenFill>
+            </a:ext>
+          </a:extLst>
+        </p:spPr>
+      </p:pic>
     </p:spTree>
     <p:extLst>
       <p:ext uri="{BB962C8B-B14F-4D97-AF65-F5344CB8AC3E}">
-        <p14:creationId xmlns:p14="http://schemas.microsoft.com/office/powerpoint/2010/main" val="4179021018"/>
+        <p14:creationId xmlns:p14="http://schemas.microsoft.com/office/powerpoint/2010/main" val="2352768043"/>
       </p:ext>
     </p:extLst>
   </p:cSld>
   <p:clrMapOvr>
     <a:masterClrMapping/>
   </p:clrMapOvr>
+  <mc:AlternateContent xmlns:mc="http://schemas.openxmlformats.org/markup-compatibility/2006" xmlns:p14="http://schemas.microsoft.com/office/powerpoint/2010/main">
+    <mc:Choice Requires="p14">
+      <p:transition p14:dur="0"/>
+    </mc:Choice>
+    <mc:Fallback xmlns="">
+      <p:transition/>
+    </mc:Fallback>
+  </mc:AlternateContent>
   <p:timing>
     <p:tnLst>
       <p:par>
@@ -10127,7 +11062,7 @@
       </p:grpSpPr>
       <p:pic>
         <p:nvPicPr>
-          <p:cNvPr id="25" name="Picture 5"/>
+          <p:cNvPr id="2" name="Picture 5"/>
           <p:cNvPicPr>
             <a:picLocks noChangeAspect="1" noChangeArrowheads="1"/>
           </p:cNvPicPr>
@@ -10191,46 +11126,42 @@
       </p:pic>
       <p:sp>
         <p:nvSpPr>
-          <p:cNvPr id="34" name="Text Placeholder 4"/>
-          <p:cNvSpPr>
-            <a:spLocks noGrp="1"/>
+          <p:cNvPr id="3" name="Title 1"/>
+          <p:cNvSpPr txBox="1">
+            <a:spLocks/>
           </p:cNvSpPr>
           <p:nvPr/>
         </p:nvSpPr>
         <p:spPr>
           <a:xfrm>
-            <a:off x="1524000" y="3668746"/>
-            <a:ext cx="6400800" cy="815608"/>
+            <a:off x="2209800" y="228600"/>
+            <a:ext cx="6643321" cy="1031080"/>
           </a:xfrm>
           <a:prstGeom prst="rect">
             <a:avLst/>
           </a:prstGeom>
-          <a:noFill/>
         </p:spPr>
         <p:txBody>
-          <a:bodyPr wrap="square" rtlCol="0">
-            <a:spAutoFit/>
+          <a:bodyPr anchor="ctr" anchorCtr="0">
+            <a:noAutofit/>
           </a:bodyPr>
           <a:lstStyle>
-            <a:lvl1pPr marL="319088" indent="-319088" algn="l" rtl="0" eaLnBrk="0" fontAlgn="base" hangingPunct="0">
-              <a:spcBef>
-                <a:spcPct val="0"/>
-              </a:spcBef>
-              <a:spcAft>
-                <a:spcPct val="0"/>
-              </a:spcAft>
-              <a:buClr>
-                <a:schemeClr val="accent5">
-                  <a:lumMod val="40000"/>
-                  <a:lumOff val="60000"/>
-                </a:schemeClr>
-              </a:buClr>
-              <a:buSzPct val="70000"/>
-              <a:buFont typeface="Wingdings 2" pitchFamily="18" charset="2"/>
-              <a:buNone/>
-              <a:defRPr lang="en-US" sz="2800" b="1" kern="1200" dirty="0" smtClean="0">
-                <a:solidFill>
-                  <a:srgbClr val="DEFF9B"/>
+            <a:lvl1pPr algn="r" rtl="0" eaLnBrk="0" fontAlgn="base" hangingPunct="0">
+              <a:lnSpc>
+                <a:spcPts val="4000"/>
+              </a:lnSpc>
+              <a:spcBef>
+                <a:spcPct val="0"/>
+              </a:spcBef>
+              <a:spcAft>
+                <a:spcPct val="0"/>
+              </a:spcAft>
+              <a:defRPr lang="en-US" sz="4000" b="1" kern="1200" baseline="0" dirty="0">
+                <a:ln w="500">
+                  <a:noFill/>
+                </a:ln>
+                <a:solidFill>
+                  <a:schemeClr val="tx2"/>
                 </a:solidFill>
                 <a:effectLst>
                   <a:outerShdw blurRad="38100" dist="38100" dir="2700000" algn="tl">
@@ -10238,243 +11169,126 @@
                       <a:alpha val="43137"/>
                     </a:srgbClr>
                   </a:outerShdw>
+                  <a:reflection blurRad="12700" stA="20000" endPos="50000" dist="12700" dir="5400000" sy="-100000" algn="bl" rotWithShape="0"/>
                 </a:effectLst>
+                <a:latin typeface="+mj-lt"/>
+                <a:ea typeface="+mj-ea"/>
+                <a:cs typeface="+mj-cs"/>
+              </a:defRPr>
+            </a:lvl1pPr>
+            <a:lvl2pPr algn="r" rtl="0" eaLnBrk="0" fontAlgn="base" hangingPunct="0">
+              <a:spcBef>
+                <a:spcPct val="0"/>
+              </a:spcBef>
+              <a:spcAft>
+                <a:spcPct val="0"/>
+              </a:spcAft>
+              <a:defRPr sz="3000" b="1">
+                <a:solidFill>
+                  <a:schemeClr val="tx2"/>
+                </a:solidFill>
                 <a:latin typeface="Corbel" pitchFamily="34" charset="0"/>
-                <a:ea typeface="+mn-ea"/>
-                <a:cs typeface="+mn-cs"/>
-              </a:defRPr>
-            </a:lvl1pPr>
-            <a:lvl2pPr marL="630238" indent="-273050" algn="l" rtl="0" eaLnBrk="0" fontAlgn="base" hangingPunct="0">
-              <a:spcBef>
-                <a:spcPct val="20000"/>
-              </a:spcBef>
-              <a:spcAft>
-                <a:spcPct val="0"/>
-              </a:spcAft>
-              <a:buClr>
-                <a:schemeClr val="accent2">
-                  <a:lumMod val="60000"/>
-                  <a:lumOff val="40000"/>
-                </a:schemeClr>
-              </a:buClr>
-              <a:buFont typeface="Wingdings 2" pitchFamily="18" charset="2"/>
-              <a:buChar char=""/>
-              <a:defRPr sz="3000" b="1" kern="1200">
-                <a:solidFill>
-                  <a:schemeClr val="tx1">
-                    <a:lumMod val="20000"/>
-                    <a:lumOff val="80000"/>
-                  </a:schemeClr>
-                </a:solidFill>
-                <a:effectLst>
-                  <a:outerShdw blurRad="38100" dist="38100" dir="2700000" algn="tl">
-                    <a:srgbClr val="000000">
-                      <a:alpha val="43137"/>
-                    </a:srgbClr>
-                  </a:outerShdw>
-                </a:effectLst>
-                <a:latin typeface="+mn-lt"/>
-                <a:ea typeface="+mn-ea"/>
-                <a:cs typeface="+mn-cs"/>
               </a:defRPr>
             </a:lvl2pPr>
-            <a:lvl3pPr marL="922338" indent="-273050" algn="l" rtl="0" eaLnBrk="0" fontAlgn="base" hangingPunct="0">
-              <a:spcBef>
-                <a:spcPct val="20000"/>
-              </a:spcBef>
-              <a:spcAft>
-                <a:spcPct val="0"/>
-              </a:spcAft>
-              <a:buClr>
-                <a:schemeClr val="tx1">
-                  <a:lumMod val="50000"/>
-                </a:schemeClr>
-              </a:buClr>
-              <a:buFont typeface="Wingdings 2" pitchFamily="18" charset="2"/>
-              <a:buChar char=""/>
-              <a:defRPr sz="2800" b="1" kern="1200">
-                <a:solidFill>
-                  <a:schemeClr val="tx1">
-                    <a:lumMod val="20000"/>
-                    <a:lumOff val="80000"/>
-                  </a:schemeClr>
-                </a:solidFill>
-                <a:effectLst>
-                  <a:outerShdw blurRad="38100" dist="38100" dir="2700000" algn="tl">
-                    <a:srgbClr val="000000">
-                      <a:alpha val="43137"/>
-                    </a:srgbClr>
-                  </a:outerShdw>
-                </a:effectLst>
-                <a:latin typeface="+mn-lt"/>
-                <a:ea typeface="+mn-ea"/>
-                <a:cs typeface="+mn-cs"/>
+            <a:lvl3pPr algn="r" rtl="0" eaLnBrk="0" fontAlgn="base" hangingPunct="0">
+              <a:spcBef>
+                <a:spcPct val="0"/>
+              </a:spcBef>
+              <a:spcAft>
+                <a:spcPct val="0"/>
+              </a:spcAft>
+              <a:defRPr sz="3000" b="1">
+                <a:solidFill>
+                  <a:schemeClr val="tx2"/>
+                </a:solidFill>
+                <a:latin typeface="Corbel" pitchFamily="34" charset="0"/>
               </a:defRPr>
             </a:lvl3pPr>
-            <a:lvl4pPr marL="1187450" indent="-228600" algn="l" rtl="0" eaLnBrk="0" fontAlgn="base" hangingPunct="0">
-              <a:spcBef>
-                <a:spcPct val="20000"/>
-              </a:spcBef>
-              <a:spcAft>
-                <a:spcPct val="0"/>
-              </a:spcAft>
-              <a:buClr>
-                <a:srgbClr val="F8BD52"/>
-              </a:buClr>
-              <a:buFont typeface="Wingdings 2" pitchFamily="18" charset="2"/>
-              <a:buChar char=""/>
-              <a:defRPr sz="2600" b="1" kern="1200">
-                <a:solidFill>
-                  <a:schemeClr val="tx1">
-                    <a:lumMod val="20000"/>
-                    <a:lumOff val="80000"/>
-                  </a:schemeClr>
-                </a:solidFill>
-                <a:effectLst>
-                  <a:outerShdw blurRad="38100" dist="38100" dir="2700000" algn="tl">
-                    <a:srgbClr val="000000">
-                      <a:alpha val="43137"/>
-                    </a:srgbClr>
-                  </a:outerShdw>
-                </a:effectLst>
-                <a:latin typeface="+mn-lt"/>
-                <a:ea typeface="+mn-ea"/>
-                <a:cs typeface="+mn-cs"/>
+            <a:lvl4pPr algn="r" rtl="0" eaLnBrk="0" fontAlgn="base" hangingPunct="0">
+              <a:spcBef>
+                <a:spcPct val="0"/>
+              </a:spcBef>
+              <a:spcAft>
+                <a:spcPct val="0"/>
+              </a:spcAft>
+              <a:defRPr sz="3000" b="1">
+                <a:solidFill>
+                  <a:schemeClr val="tx2"/>
+                </a:solidFill>
+                <a:latin typeface="Corbel" pitchFamily="34" charset="0"/>
               </a:defRPr>
             </a:lvl4pPr>
-            <a:lvl5pPr marL="1425575" indent="-228600" algn="l" rtl="0" eaLnBrk="0" fontAlgn="base" hangingPunct="0">
-              <a:spcBef>
-                <a:spcPct val="20000"/>
-              </a:spcBef>
-              <a:spcAft>
-                <a:spcPct val="0"/>
-              </a:spcAft>
-              <a:buClr>
-                <a:srgbClr val="46A6BD"/>
-              </a:buClr>
-              <a:buFont typeface="Wingdings 2" pitchFamily="18" charset="2"/>
-              <a:buChar char=""/>
-              <a:defRPr sz="2400" b="1" kern="1200">
-                <a:solidFill>
-                  <a:schemeClr val="tx1">
-                    <a:lumMod val="20000"/>
-                    <a:lumOff val="80000"/>
-                  </a:schemeClr>
-                </a:solidFill>
-                <a:effectLst>
-                  <a:outerShdw blurRad="38100" dist="38100" dir="2700000" algn="tl">
-                    <a:srgbClr val="000000">
-                      <a:alpha val="43137"/>
-                    </a:srgbClr>
-                  </a:outerShdw>
-                </a:effectLst>
-                <a:latin typeface="+mn-lt"/>
-                <a:ea typeface="+mn-ea"/>
-                <a:cs typeface="+mn-cs"/>
+            <a:lvl5pPr algn="r" rtl="0" eaLnBrk="0" fontAlgn="base" hangingPunct="0">
+              <a:spcBef>
+                <a:spcPct val="0"/>
+              </a:spcBef>
+              <a:spcAft>
+                <a:spcPct val="0"/>
+              </a:spcAft>
+              <a:defRPr sz="3000" b="1">
+                <a:solidFill>
+                  <a:schemeClr val="tx2"/>
+                </a:solidFill>
+                <a:latin typeface="Corbel" pitchFamily="34" charset="0"/>
               </a:defRPr>
             </a:lvl5pPr>
-            <a:lvl6pPr marL="1673352" indent="-228600" algn="l" rtl="0" eaLnBrk="1" latinLnBrk="0" hangingPunct="1">
-              <a:spcBef>
-                <a:spcPct val="20000"/>
-              </a:spcBef>
-              <a:buClr>
-                <a:schemeClr val="accent6"/>
-              </a:buClr>
-              <a:buFont typeface="Wingdings 2"/>
-              <a:buChar char=""/>
-              <a:defRPr sz="1800" kern="1200">
-                <a:solidFill>
-                  <a:schemeClr val="tx1"/>
-                </a:solidFill>
-                <a:latin typeface="+mn-lt"/>
-                <a:ea typeface="+mn-ea"/>
-                <a:cs typeface="+mn-cs"/>
+            <a:lvl6pPr marL="457200" algn="r" rtl="0" fontAlgn="base">
+              <a:spcBef>
+                <a:spcPct val="0"/>
+              </a:spcBef>
+              <a:spcAft>
+                <a:spcPct val="0"/>
+              </a:spcAft>
+              <a:defRPr sz="3000" b="1">
+                <a:solidFill>
+                  <a:schemeClr val="tx2"/>
+                </a:solidFill>
+                <a:latin typeface="Corbel" pitchFamily="34" charset="0"/>
               </a:defRPr>
             </a:lvl6pPr>
-            <a:lvl7pPr marL="1911096" indent="-228600" algn="l" rtl="0" eaLnBrk="1" latinLnBrk="0" hangingPunct="1">
-              <a:spcBef>
-                <a:spcPct val="20000"/>
-              </a:spcBef>
-              <a:buClr>
-                <a:schemeClr val="tx2"/>
-              </a:buClr>
-              <a:buFont typeface="Wingdings 2"/>
-              <a:buChar char=""/>
-              <a:defRPr sz="1600" kern="1200">
-                <a:solidFill>
-                  <a:schemeClr val="tx1"/>
-                </a:solidFill>
-                <a:latin typeface="+mn-lt"/>
-                <a:ea typeface="+mn-ea"/>
-                <a:cs typeface="+mn-cs"/>
+            <a:lvl7pPr marL="914400" algn="r" rtl="0" fontAlgn="base">
+              <a:spcBef>
+                <a:spcPct val="0"/>
+              </a:spcBef>
+              <a:spcAft>
+                <a:spcPct val="0"/>
+              </a:spcAft>
+              <a:defRPr sz="3000" b="1">
+                <a:solidFill>
+                  <a:schemeClr val="tx2"/>
+                </a:solidFill>
+                <a:latin typeface="Corbel" pitchFamily="34" charset="0"/>
               </a:defRPr>
             </a:lvl7pPr>
-            <a:lvl8pPr marL="2121408" indent="-182880" algn="l" rtl="0" eaLnBrk="1" latinLnBrk="0" hangingPunct="1">
-              <a:spcBef>
-                <a:spcPct val="20000"/>
-              </a:spcBef>
-              <a:buClr>
-                <a:schemeClr val="tx2"/>
-              </a:buClr>
-              <a:buFont typeface="Wingdings 2"/>
-              <a:buChar char=""/>
-              <a:defRPr sz="1400" kern="1200">
-                <a:solidFill>
-                  <a:schemeClr val="tx1"/>
-                </a:solidFill>
-                <a:latin typeface="+mn-lt"/>
-                <a:ea typeface="+mn-ea"/>
-                <a:cs typeface="+mn-cs"/>
+            <a:lvl8pPr marL="1371600" algn="r" rtl="0" fontAlgn="base">
+              <a:spcBef>
+                <a:spcPct val="0"/>
+              </a:spcBef>
+              <a:spcAft>
+                <a:spcPct val="0"/>
+              </a:spcAft>
+              <a:defRPr sz="3000" b="1">
+                <a:solidFill>
+                  <a:schemeClr val="tx2"/>
+                </a:solidFill>
+                <a:latin typeface="Corbel" pitchFamily="34" charset="0"/>
               </a:defRPr>
             </a:lvl8pPr>
-            <a:lvl9pPr marL="2322576" indent="-182880" algn="l" rtl="0" eaLnBrk="1" latinLnBrk="0" hangingPunct="1">
-              <a:spcBef>
-                <a:spcPct val="20000"/>
-              </a:spcBef>
-              <a:buClr>
-                <a:schemeClr val="tx2"/>
-              </a:buClr>
-              <a:buFont typeface="Wingdings 2"/>
-              <a:buChar char=""/>
-              <a:defRPr sz="1400" kern="1200">
-                <a:solidFill>
-                  <a:schemeClr val="tx1"/>
-                </a:solidFill>
-                <a:latin typeface="+mn-lt"/>
-                <a:ea typeface="+mn-ea"/>
-                <a:cs typeface="+mn-cs"/>
+            <a:lvl9pPr marL="1828800" algn="r" rtl="0" fontAlgn="base">
+              <a:spcBef>
+                <a:spcPct val="0"/>
+              </a:spcBef>
+              <a:spcAft>
+                <a:spcPct val="0"/>
+              </a:spcAft>
+              <a:defRPr sz="3000" b="1">
+                <a:solidFill>
+                  <a:schemeClr val="tx2"/>
+                </a:solidFill>
+                <a:latin typeface="Corbel" pitchFamily="34" charset="0"/>
               </a:defRPr>
             </a:lvl9pPr>
           </a:lstStyle>
-          <a:p>
-            <a:pPr algn="ctr"/>
-            <a:r>
-              <a:rPr lang="en-US" sz="4700" dirty="0" smtClean="0"/>
-              <a:t>Thank you!</a:t>
-            </a:r>
-            <a:endParaRPr lang="en-US" sz="4700" dirty="0"/>
-          </a:p>
-        </p:txBody>
-      </p:sp>
-      <p:sp>
-        <p:nvSpPr>
-          <p:cNvPr id="9" name="Title 1"/>
-          <p:cNvSpPr>
-            <a:spLocks noGrp="1"/>
-          </p:cNvSpPr>
-          <p:nvPr>
-            <p:ph type="ctrTitle"/>
-          </p:nvPr>
-        </p:nvSpPr>
-        <p:spPr>
-          <a:xfrm>
-            <a:off x="2209800" y="228600"/>
-            <a:ext cx="6643321" cy="1031080"/>
-          </a:xfrm>
-        </p:spPr>
-        <p:txBody>
-          <a:bodyPr/>
-          <a:lstStyle/>
           <a:p>
             <a:pPr>
               <a:lnSpc>
@@ -10482,35 +11296,23 @@
               </a:lnSpc>
             </a:pPr>
             <a:r>
-              <a:rPr lang="en-US" sz="4700" dirty="0" smtClean="0"/>
-              <a:t>Team </a:t>
-            </a:r>
-            <a:r>
-              <a:rPr lang="en-US" sz="4700" dirty="0" smtClean="0"/>
-              <a:t>Phosphorus</a:t>
-            </a:r>
-            <a:r>
-              <a:rPr lang="en-US" sz="4700" dirty="0" smtClean="0"/>
-              <a:t/>
+              <a:rPr lang="en-US" sz="4700" smtClean="0"/>
+              <a:t>Team Phosphorus</a:t>
             </a:r>
             <a:br>
-              <a:rPr lang="en-US" sz="4700" dirty="0" smtClean="0"/>
+              <a:rPr lang="en-US" sz="4700" smtClean="0"/>
             </a:br>
             <a:r>
-              <a:rPr lang="en-US" sz="2200" dirty="0" smtClean="0"/>
-              <a:t>HQC </a:t>
+              <a:rPr lang="en-US" sz="2200" smtClean="0"/>
+              <a:t>HQC TeamWork</a:t>
             </a:r>
-            <a:r>
-              <a:rPr lang="en-US" sz="2200" dirty="0" err="1" smtClean="0"/>
-              <a:t>TeamWork</a:t>
-            </a:r>
-            <a:endParaRPr lang="en-US" sz="2200" dirty="0"/>
+            <a:endParaRPr lang="en-US" sz="2200"/>
           </a:p>
         </p:txBody>
       </p:sp>
       <p:sp>
         <p:nvSpPr>
-          <p:cNvPr id="10" name="Text Placeholder 5"/>
+          <p:cNvPr id="4" name="Text Placeholder 5"/>
           <p:cNvSpPr>
             <a:spLocks noGrp="1"/>
           </p:cNvSpPr>
@@ -10785,16 +11587,332 @@
           </a:p>
         </p:txBody>
       </p:sp>
+      <p:sp>
+        <p:nvSpPr>
+          <p:cNvPr id="5" name="Text Placeholder 4"/>
+          <p:cNvSpPr>
+            <a:spLocks noGrp="1"/>
+          </p:cNvSpPr>
+          <p:nvPr/>
+        </p:nvSpPr>
+        <p:spPr>
+          <a:xfrm>
+            <a:off x="1524000" y="3048000"/>
+            <a:ext cx="6400800" cy="815608"/>
+          </a:xfrm>
+          <a:prstGeom prst="rect">
+            <a:avLst/>
+          </a:prstGeom>
+          <a:noFill/>
+        </p:spPr>
+        <p:txBody>
+          <a:bodyPr wrap="square" rtlCol="0">
+            <a:spAutoFit/>
+          </a:bodyPr>
+          <a:lstStyle>
+            <a:lvl1pPr marL="319088" indent="-319088" algn="l" rtl="0" eaLnBrk="0" fontAlgn="base" hangingPunct="0">
+              <a:spcBef>
+                <a:spcPct val="0"/>
+              </a:spcBef>
+              <a:spcAft>
+                <a:spcPct val="0"/>
+              </a:spcAft>
+              <a:buClr>
+                <a:schemeClr val="accent5">
+                  <a:lumMod val="40000"/>
+                  <a:lumOff val="60000"/>
+                </a:schemeClr>
+              </a:buClr>
+              <a:buSzPct val="70000"/>
+              <a:buFont typeface="Wingdings 2" pitchFamily="18" charset="2"/>
+              <a:buNone/>
+              <a:defRPr lang="en-US" sz="2800" b="1" kern="1200" dirty="0" smtClean="0">
+                <a:solidFill>
+                  <a:srgbClr val="DEFF9B"/>
+                </a:solidFill>
+                <a:effectLst>
+                  <a:outerShdw blurRad="38100" dist="38100" dir="2700000" algn="tl">
+                    <a:srgbClr val="000000">
+                      <a:alpha val="43137"/>
+                    </a:srgbClr>
+                  </a:outerShdw>
+                </a:effectLst>
+                <a:latin typeface="Corbel" pitchFamily="34" charset="0"/>
+                <a:ea typeface="+mn-ea"/>
+                <a:cs typeface="+mn-cs"/>
+              </a:defRPr>
+            </a:lvl1pPr>
+            <a:lvl2pPr marL="630238" indent="-273050" algn="l" rtl="0" eaLnBrk="0" fontAlgn="base" hangingPunct="0">
+              <a:spcBef>
+                <a:spcPct val="20000"/>
+              </a:spcBef>
+              <a:spcAft>
+                <a:spcPct val="0"/>
+              </a:spcAft>
+              <a:buClr>
+                <a:schemeClr val="accent2">
+                  <a:lumMod val="60000"/>
+                  <a:lumOff val="40000"/>
+                </a:schemeClr>
+              </a:buClr>
+              <a:buFont typeface="Wingdings 2" pitchFamily="18" charset="2"/>
+              <a:buChar char=""/>
+              <a:defRPr sz="3000" b="1" kern="1200">
+                <a:solidFill>
+                  <a:schemeClr val="tx1">
+                    <a:lumMod val="20000"/>
+                    <a:lumOff val="80000"/>
+                  </a:schemeClr>
+                </a:solidFill>
+                <a:effectLst>
+                  <a:outerShdw blurRad="38100" dist="38100" dir="2700000" algn="tl">
+                    <a:srgbClr val="000000">
+                      <a:alpha val="43137"/>
+                    </a:srgbClr>
+                  </a:outerShdw>
+                </a:effectLst>
+                <a:latin typeface="+mn-lt"/>
+                <a:ea typeface="+mn-ea"/>
+                <a:cs typeface="+mn-cs"/>
+              </a:defRPr>
+            </a:lvl2pPr>
+            <a:lvl3pPr marL="922338" indent="-273050" algn="l" rtl="0" eaLnBrk="0" fontAlgn="base" hangingPunct="0">
+              <a:spcBef>
+                <a:spcPct val="20000"/>
+              </a:spcBef>
+              <a:spcAft>
+                <a:spcPct val="0"/>
+              </a:spcAft>
+              <a:buClr>
+                <a:schemeClr val="tx1">
+                  <a:lumMod val="50000"/>
+                </a:schemeClr>
+              </a:buClr>
+              <a:buFont typeface="Wingdings 2" pitchFamily="18" charset="2"/>
+              <a:buChar char=""/>
+              <a:defRPr sz="2800" b="1" kern="1200">
+                <a:solidFill>
+                  <a:schemeClr val="tx1">
+                    <a:lumMod val="20000"/>
+                    <a:lumOff val="80000"/>
+                  </a:schemeClr>
+                </a:solidFill>
+                <a:effectLst>
+                  <a:outerShdw blurRad="38100" dist="38100" dir="2700000" algn="tl">
+                    <a:srgbClr val="000000">
+                      <a:alpha val="43137"/>
+                    </a:srgbClr>
+                  </a:outerShdw>
+                </a:effectLst>
+                <a:latin typeface="+mn-lt"/>
+                <a:ea typeface="+mn-ea"/>
+                <a:cs typeface="+mn-cs"/>
+              </a:defRPr>
+            </a:lvl3pPr>
+            <a:lvl4pPr marL="1187450" indent="-228600" algn="l" rtl="0" eaLnBrk="0" fontAlgn="base" hangingPunct="0">
+              <a:spcBef>
+                <a:spcPct val="20000"/>
+              </a:spcBef>
+              <a:spcAft>
+                <a:spcPct val="0"/>
+              </a:spcAft>
+              <a:buClr>
+                <a:srgbClr val="F8BD52"/>
+              </a:buClr>
+              <a:buFont typeface="Wingdings 2" pitchFamily="18" charset="2"/>
+              <a:buChar char=""/>
+              <a:defRPr sz="2600" b="1" kern="1200">
+                <a:solidFill>
+                  <a:schemeClr val="tx1">
+                    <a:lumMod val="20000"/>
+                    <a:lumOff val="80000"/>
+                  </a:schemeClr>
+                </a:solidFill>
+                <a:effectLst>
+                  <a:outerShdw blurRad="38100" dist="38100" dir="2700000" algn="tl">
+                    <a:srgbClr val="000000">
+                      <a:alpha val="43137"/>
+                    </a:srgbClr>
+                  </a:outerShdw>
+                </a:effectLst>
+                <a:latin typeface="+mn-lt"/>
+                <a:ea typeface="+mn-ea"/>
+                <a:cs typeface="+mn-cs"/>
+              </a:defRPr>
+            </a:lvl4pPr>
+            <a:lvl5pPr marL="1425575" indent="-228600" algn="l" rtl="0" eaLnBrk="0" fontAlgn="base" hangingPunct="0">
+              <a:spcBef>
+                <a:spcPct val="20000"/>
+              </a:spcBef>
+              <a:spcAft>
+                <a:spcPct val="0"/>
+              </a:spcAft>
+              <a:buClr>
+                <a:srgbClr val="46A6BD"/>
+              </a:buClr>
+              <a:buFont typeface="Wingdings 2" pitchFamily="18" charset="2"/>
+              <a:buChar char=""/>
+              <a:defRPr sz="2400" b="1" kern="1200">
+                <a:solidFill>
+                  <a:schemeClr val="tx1">
+                    <a:lumMod val="20000"/>
+                    <a:lumOff val="80000"/>
+                  </a:schemeClr>
+                </a:solidFill>
+                <a:effectLst>
+                  <a:outerShdw blurRad="38100" dist="38100" dir="2700000" algn="tl">
+                    <a:srgbClr val="000000">
+                      <a:alpha val="43137"/>
+                    </a:srgbClr>
+                  </a:outerShdw>
+                </a:effectLst>
+                <a:latin typeface="+mn-lt"/>
+                <a:ea typeface="+mn-ea"/>
+                <a:cs typeface="+mn-cs"/>
+              </a:defRPr>
+            </a:lvl5pPr>
+            <a:lvl6pPr marL="1673352" indent="-228600" algn="l" rtl="0" eaLnBrk="1" latinLnBrk="0" hangingPunct="1">
+              <a:spcBef>
+                <a:spcPct val="20000"/>
+              </a:spcBef>
+              <a:buClr>
+                <a:schemeClr val="accent6"/>
+              </a:buClr>
+              <a:buFont typeface="Wingdings 2"/>
+              <a:buChar char=""/>
+              <a:defRPr sz="1800" kern="1200">
+                <a:solidFill>
+                  <a:schemeClr val="tx1"/>
+                </a:solidFill>
+                <a:latin typeface="+mn-lt"/>
+                <a:ea typeface="+mn-ea"/>
+                <a:cs typeface="+mn-cs"/>
+              </a:defRPr>
+            </a:lvl6pPr>
+            <a:lvl7pPr marL="1911096" indent="-228600" algn="l" rtl="0" eaLnBrk="1" latinLnBrk="0" hangingPunct="1">
+              <a:spcBef>
+                <a:spcPct val="20000"/>
+              </a:spcBef>
+              <a:buClr>
+                <a:schemeClr val="tx2"/>
+              </a:buClr>
+              <a:buFont typeface="Wingdings 2"/>
+              <a:buChar char=""/>
+              <a:defRPr sz="1600" kern="1200">
+                <a:solidFill>
+                  <a:schemeClr val="tx1"/>
+                </a:solidFill>
+                <a:latin typeface="+mn-lt"/>
+                <a:ea typeface="+mn-ea"/>
+                <a:cs typeface="+mn-cs"/>
+              </a:defRPr>
+            </a:lvl7pPr>
+            <a:lvl8pPr marL="2121408" indent="-182880" algn="l" rtl="0" eaLnBrk="1" latinLnBrk="0" hangingPunct="1">
+              <a:spcBef>
+                <a:spcPct val="20000"/>
+              </a:spcBef>
+              <a:buClr>
+                <a:schemeClr val="tx2"/>
+              </a:buClr>
+              <a:buFont typeface="Wingdings 2"/>
+              <a:buChar char=""/>
+              <a:defRPr sz="1400" kern="1200">
+                <a:solidFill>
+                  <a:schemeClr val="tx1"/>
+                </a:solidFill>
+                <a:latin typeface="+mn-lt"/>
+                <a:ea typeface="+mn-ea"/>
+                <a:cs typeface="+mn-cs"/>
+              </a:defRPr>
+            </a:lvl8pPr>
+            <a:lvl9pPr marL="2322576" indent="-182880" algn="l" rtl="0" eaLnBrk="1" latinLnBrk="0" hangingPunct="1">
+              <a:spcBef>
+                <a:spcPct val="20000"/>
+              </a:spcBef>
+              <a:buClr>
+                <a:schemeClr val="tx2"/>
+              </a:buClr>
+              <a:buFont typeface="Wingdings 2"/>
+              <a:buChar char=""/>
+              <a:defRPr sz="1400" kern="1200">
+                <a:solidFill>
+                  <a:schemeClr val="tx1"/>
+                </a:solidFill>
+                <a:latin typeface="+mn-lt"/>
+                <a:ea typeface="+mn-ea"/>
+                <a:cs typeface="+mn-cs"/>
+              </a:defRPr>
+            </a:lvl9pPr>
+          </a:lstStyle>
+          <a:p>
+            <a:pPr algn="ctr"/>
+            <a:r>
+              <a:rPr lang="en-US" sz="4700" dirty="0" smtClean="0"/>
+              <a:t>Thank you!</a:t>
+            </a:r>
+            <a:endParaRPr lang="en-US" sz="4700" dirty="0"/>
+          </a:p>
+        </p:txBody>
+      </p:sp>
+      <p:pic>
+        <p:nvPicPr>
+          <p:cNvPr id="6" name="Picture 2" descr="http://www.p15.org.uk/logo.gif"/>
+          <p:cNvPicPr>
+            <a:picLocks noChangeAspect="1" noChangeArrowheads="1"/>
+          </p:cNvPicPr>
+          <p:nvPr/>
+        </p:nvPicPr>
+        <p:blipFill>
+          <a:blip r:embed="rId4">
+            <a:extLst>
+              <a:ext uri="{28A0092B-C50C-407E-A947-70E740481C1C}">
+                <a14:useLocalDpi xmlns:a14="http://schemas.microsoft.com/office/drawing/2010/main" val="0"/>
+              </a:ext>
+            </a:extLst>
+          </a:blip>
+          <a:srcRect/>
+          <a:stretch>
+            <a:fillRect/>
+          </a:stretch>
+        </p:blipFill>
+        <p:spPr bwMode="auto">
+          <a:xfrm>
+            <a:off x="152400" y="5713183"/>
+            <a:ext cx="1067345" cy="1009651"/>
+          </a:xfrm>
+          <a:prstGeom prst="rect">
+            <a:avLst/>
+          </a:prstGeom>
+          <a:noFill/>
+          <a:extLst>
+            <a:ext uri="{909E8E84-426E-40DD-AFC4-6F175D3DCCD1}">
+              <a14:hiddenFill xmlns:a14="http://schemas.microsoft.com/office/drawing/2010/main">
+                <a:solidFill>
+                  <a:srgbClr val="FFFFFF"/>
+                </a:solidFill>
+              </a14:hiddenFill>
+            </a:ext>
+          </a:extLst>
+        </p:spPr>
+      </p:pic>
     </p:spTree>
     <p:extLst>
       <p:ext uri="{BB962C8B-B14F-4D97-AF65-F5344CB8AC3E}">
-        <p14:creationId xmlns:p14="http://schemas.microsoft.com/office/powerpoint/2010/main" val="660552608"/>
+        <p14:creationId xmlns:p14="http://schemas.microsoft.com/office/powerpoint/2010/main" val="2352768043"/>
       </p:ext>
     </p:extLst>
   </p:cSld>
   <p:clrMapOvr>
     <a:masterClrMapping/>
   </p:clrMapOvr>
+  <mc:AlternateContent xmlns:mc="http://schemas.openxmlformats.org/markup-compatibility/2006" xmlns:p14="http://schemas.microsoft.com/office/powerpoint/2010/main">
+    <mc:Choice Requires="p14">
+      <p:transition p14:dur="0"/>
+    </mc:Choice>
+    <mc:Fallback xmlns="">
+      <p:transition/>
+    </mc:Fallback>
+  </mc:AlternateContent>
   <p:timing>
     <p:tnLst>
       <p:par>
